--- a/CS1550_week_1_linux_review.pptx
+++ b/CS1550_week_1_linux_review.pptx
@@ -5,62 +5,63 @@
     <p:sldMasterId id="2147483672" r:id="rId1"/>
   </p:sldMasterIdLst>
   <p:notesMasterIdLst>
-    <p:notesMasterId r:id="rId52"/>
+    <p:notesMasterId r:id="rId53"/>
   </p:notesMasterIdLst>
   <p:handoutMasterIdLst>
-    <p:handoutMasterId r:id="rId53"/>
+    <p:handoutMasterId r:id="rId54"/>
   </p:handoutMasterIdLst>
   <p:sldIdLst>
     <p:sldId id="256" r:id="rId2"/>
     <p:sldId id="257" r:id="rId3"/>
-    <p:sldId id="297" r:id="rId4"/>
-    <p:sldId id="313" r:id="rId5"/>
-    <p:sldId id="263" r:id="rId6"/>
-    <p:sldId id="314" r:id="rId7"/>
-    <p:sldId id="315" r:id="rId8"/>
-    <p:sldId id="339" r:id="rId9"/>
-    <p:sldId id="340" r:id="rId10"/>
-    <p:sldId id="317" r:id="rId11"/>
-    <p:sldId id="318" r:id="rId12"/>
-    <p:sldId id="319" r:id="rId13"/>
-    <p:sldId id="324" r:id="rId14"/>
-    <p:sldId id="326" r:id="rId15"/>
-    <p:sldId id="325" r:id="rId16"/>
-    <p:sldId id="321" r:id="rId17"/>
-    <p:sldId id="327" r:id="rId18"/>
-    <p:sldId id="328" r:id="rId19"/>
-    <p:sldId id="330" r:id="rId20"/>
-    <p:sldId id="329" r:id="rId21"/>
-    <p:sldId id="331" r:id="rId22"/>
-    <p:sldId id="332" r:id="rId23"/>
-    <p:sldId id="333" r:id="rId24"/>
-    <p:sldId id="334" r:id="rId25"/>
-    <p:sldId id="335" r:id="rId26"/>
-    <p:sldId id="336" r:id="rId27"/>
-    <p:sldId id="349" r:id="rId28"/>
-    <p:sldId id="352" r:id="rId29"/>
-    <p:sldId id="351" r:id="rId30"/>
-    <p:sldId id="350" r:id="rId31"/>
-    <p:sldId id="353" r:id="rId32"/>
-    <p:sldId id="355" r:id="rId33"/>
-    <p:sldId id="354" r:id="rId34"/>
-    <p:sldId id="356" r:id="rId35"/>
-    <p:sldId id="358" r:id="rId36"/>
-    <p:sldId id="359" r:id="rId37"/>
-    <p:sldId id="360" r:id="rId38"/>
-    <p:sldId id="357" r:id="rId39"/>
-    <p:sldId id="362" r:id="rId40"/>
-    <p:sldId id="363" r:id="rId41"/>
-    <p:sldId id="364" r:id="rId42"/>
-    <p:sldId id="341" r:id="rId43"/>
-    <p:sldId id="345" r:id="rId44"/>
-    <p:sldId id="343" r:id="rId45"/>
-    <p:sldId id="344" r:id="rId46"/>
-    <p:sldId id="342" r:id="rId47"/>
-    <p:sldId id="346" r:id="rId48"/>
-    <p:sldId id="347" r:id="rId49"/>
-    <p:sldId id="348" r:id="rId50"/>
-    <p:sldId id="338" r:id="rId51"/>
+    <p:sldId id="365" r:id="rId4"/>
+    <p:sldId id="297" r:id="rId5"/>
+    <p:sldId id="313" r:id="rId6"/>
+    <p:sldId id="263" r:id="rId7"/>
+    <p:sldId id="314" r:id="rId8"/>
+    <p:sldId id="315" r:id="rId9"/>
+    <p:sldId id="339" r:id="rId10"/>
+    <p:sldId id="340" r:id="rId11"/>
+    <p:sldId id="317" r:id="rId12"/>
+    <p:sldId id="318" r:id="rId13"/>
+    <p:sldId id="319" r:id="rId14"/>
+    <p:sldId id="324" r:id="rId15"/>
+    <p:sldId id="326" r:id="rId16"/>
+    <p:sldId id="325" r:id="rId17"/>
+    <p:sldId id="321" r:id="rId18"/>
+    <p:sldId id="327" r:id="rId19"/>
+    <p:sldId id="328" r:id="rId20"/>
+    <p:sldId id="330" r:id="rId21"/>
+    <p:sldId id="329" r:id="rId22"/>
+    <p:sldId id="331" r:id="rId23"/>
+    <p:sldId id="332" r:id="rId24"/>
+    <p:sldId id="333" r:id="rId25"/>
+    <p:sldId id="334" r:id="rId26"/>
+    <p:sldId id="335" r:id="rId27"/>
+    <p:sldId id="336" r:id="rId28"/>
+    <p:sldId id="349" r:id="rId29"/>
+    <p:sldId id="352" r:id="rId30"/>
+    <p:sldId id="351" r:id="rId31"/>
+    <p:sldId id="350" r:id="rId32"/>
+    <p:sldId id="353" r:id="rId33"/>
+    <p:sldId id="355" r:id="rId34"/>
+    <p:sldId id="354" r:id="rId35"/>
+    <p:sldId id="356" r:id="rId36"/>
+    <p:sldId id="358" r:id="rId37"/>
+    <p:sldId id="359" r:id="rId38"/>
+    <p:sldId id="360" r:id="rId39"/>
+    <p:sldId id="357" r:id="rId40"/>
+    <p:sldId id="362" r:id="rId41"/>
+    <p:sldId id="363" r:id="rId42"/>
+    <p:sldId id="364" r:id="rId43"/>
+    <p:sldId id="341" r:id="rId44"/>
+    <p:sldId id="345" r:id="rId45"/>
+    <p:sldId id="343" r:id="rId46"/>
+    <p:sldId id="344" r:id="rId47"/>
+    <p:sldId id="342" r:id="rId48"/>
+    <p:sldId id="346" r:id="rId49"/>
+    <p:sldId id="347" r:id="rId50"/>
+    <p:sldId id="348" r:id="rId51"/>
+    <p:sldId id="366" r:id="rId52"/>
   </p:sldIdLst>
   <p:sldSz cx="12192000" cy="6858000"/>
   <p:notesSz cx="6858000" cy="9144000"/>
@@ -252,7 +253,7 @@
           <a:p>
             <a:fld id="{4D95D8A7-C144-4175-90AA-32D1E9946B78}" type="datetimeFigureOut">
               <a:rPr lang="en-US" smtClean="0"/>
-              <a:t>1/15/19</a:t>
+              <a:t>1/18/19</a:t>
             </a:fld>
             <a:endParaRPr lang="en-US"/>
           </a:p>
@@ -417,7 +418,7 @@
           <a:p>
             <a:fld id="{80CA24C6-88B4-47A2-BA08-402EA52A6637}" type="datetimeFigureOut">
               <a:rPr lang="en-US" smtClean="0"/>
-              <a:t>1/15/19</a:t>
+              <a:t>1/18/19</a:t>
             </a:fld>
             <a:endParaRPr lang="en-US"/>
           </a:p>
@@ -813,7 +814,7 @@
           <a:p>
             <a:fld id="{0ACD6BC5-C83A-479F-AADE-A01925B5EDB4}" type="datetimeFigureOut">
               <a:rPr lang="en-US" smtClean="0"/>
-              <a:t>1/15/19</a:t>
+              <a:t>1/18/19</a:t>
             </a:fld>
             <a:endParaRPr lang="en-US"/>
           </a:p>
@@ -981,7 +982,7 @@
           <a:p>
             <a:fld id="{0ACD6BC5-C83A-479F-AADE-A01925B5EDB4}" type="datetimeFigureOut">
               <a:rPr lang="en-US" smtClean="0"/>
-              <a:t>1/15/19</a:t>
+              <a:t>1/18/19</a:t>
             </a:fld>
             <a:endParaRPr lang="en-US"/>
           </a:p>
@@ -1159,7 +1160,7 @@
           <a:p>
             <a:fld id="{0ACD6BC5-C83A-479F-AADE-A01925B5EDB4}" type="datetimeFigureOut">
               <a:rPr lang="en-US" smtClean="0"/>
-              <a:t>1/15/19</a:t>
+              <a:t>1/18/19</a:t>
             </a:fld>
             <a:endParaRPr lang="en-US"/>
           </a:p>
@@ -1327,7 +1328,7 @@
           <a:p>
             <a:fld id="{0ACD6BC5-C83A-479F-AADE-A01925B5EDB4}" type="datetimeFigureOut">
               <a:rPr lang="en-US" smtClean="0"/>
-              <a:t>1/15/19</a:t>
+              <a:t>1/18/19</a:t>
             </a:fld>
             <a:endParaRPr lang="en-US"/>
           </a:p>
@@ -1572,7 +1573,7 @@
           <a:p>
             <a:fld id="{0ACD6BC5-C83A-479F-AADE-A01925B5EDB4}" type="datetimeFigureOut">
               <a:rPr lang="en-US" smtClean="0"/>
-              <a:t>1/15/19</a:t>
+              <a:t>1/18/19</a:t>
             </a:fld>
             <a:endParaRPr lang="en-US"/>
           </a:p>
@@ -1801,7 +1802,7 @@
           <a:p>
             <a:fld id="{0ACD6BC5-C83A-479F-AADE-A01925B5EDB4}" type="datetimeFigureOut">
               <a:rPr lang="en-US" smtClean="0"/>
-              <a:t>1/15/19</a:t>
+              <a:t>1/18/19</a:t>
             </a:fld>
             <a:endParaRPr lang="en-US"/>
           </a:p>
@@ -2165,7 +2166,7 @@
           <a:p>
             <a:fld id="{0ACD6BC5-C83A-479F-AADE-A01925B5EDB4}" type="datetimeFigureOut">
               <a:rPr lang="en-US" smtClean="0"/>
-              <a:t>1/15/19</a:t>
+              <a:t>1/18/19</a:t>
             </a:fld>
             <a:endParaRPr lang="en-US"/>
           </a:p>
@@ -2282,7 +2283,7 @@
           <a:p>
             <a:fld id="{0ACD6BC5-C83A-479F-AADE-A01925B5EDB4}" type="datetimeFigureOut">
               <a:rPr lang="en-US" smtClean="0"/>
-              <a:t>1/15/19</a:t>
+              <a:t>1/18/19</a:t>
             </a:fld>
             <a:endParaRPr lang="en-US"/>
           </a:p>
@@ -2377,7 +2378,7 @@
           <a:p>
             <a:fld id="{0ACD6BC5-C83A-479F-AADE-A01925B5EDB4}" type="datetimeFigureOut">
               <a:rPr lang="en-US" smtClean="0"/>
-              <a:t>1/15/19</a:t>
+              <a:t>1/18/19</a:t>
             </a:fld>
             <a:endParaRPr lang="en-US"/>
           </a:p>
@@ -2652,7 +2653,7 @@
           <a:p>
             <a:fld id="{0ACD6BC5-C83A-479F-AADE-A01925B5EDB4}" type="datetimeFigureOut">
               <a:rPr lang="en-US" smtClean="0"/>
-              <a:t>1/15/19</a:t>
+              <a:t>1/18/19</a:t>
             </a:fld>
             <a:endParaRPr lang="en-US"/>
           </a:p>
@@ -2904,7 +2905,7 @@
           <a:p>
             <a:fld id="{0ACD6BC5-C83A-479F-AADE-A01925B5EDB4}" type="datetimeFigureOut">
               <a:rPr lang="en-US" smtClean="0"/>
-              <a:t>1/15/19</a:t>
+              <a:t>1/18/19</a:t>
             </a:fld>
             <a:endParaRPr lang="en-US"/>
           </a:p>
@@ -3115,7 +3116,7 @@
           <a:p>
             <a:fld id="{0ACD6BC5-C83A-479F-AADE-A01925B5EDB4}" type="datetimeFigureOut">
               <a:rPr lang="en-US" smtClean="0"/>
-              <a:t>1/15/19</a:t>
+              <a:t>1/18/19</a:t>
             </a:fld>
             <a:endParaRPr lang="en-US"/>
           </a:p>
@@ -3777,10 +3778,10 @@
       </p:cxnSp>
       <p:pic>
         <p:nvPicPr>
-          <p:cNvPr id="5" name="Picture 4">
+          <p:cNvPr id="6" name="Picture 5">
             <a:extLst>
               <a:ext uri="{FF2B5EF4-FFF2-40B4-BE49-F238E27FC236}">
-                <a16:creationId xmlns:a16="http://schemas.microsoft.com/office/drawing/2014/main" id="{FE8299BD-E3D3-4818-8909-C824962EC15D}"/>
+                <a16:creationId xmlns:a16="http://schemas.microsoft.com/office/drawing/2014/main" id="{10211B42-7E57-487A-AEC6-773466E78DE9}"/>
               </a:ext>
             </a:extLst>
           </p:cNvPr>
@@ -3789,26 +3790,426 @@
           </p:cNvPicPr>
           <p:nvPr/>
         </p:nvPicPr>
-        <p:blipFill>
+        <p:blipFill rotWithShape="1">
           <a:blip r:embed="rId2"/>
-          <a:stretch>
-            <a:fillRect/>
-          </a:stretch>
+          <a:srcRect l="1373"/>
+          <a:stretch/>
         </p:blipFill>
         <p:spPr>
           <a:xfrm>
-            <a:off x="2421182" y="2403074"/>
-            <a:ext cx="6810742" cy="4315392"/>
+            <a:off x="3543300" y="2551112"/>
+            <a:ext cx="4604221" cy="4203822"/>
           </a:xfrm>
           <a:prstGeom prst="rect">
             <a:avLst/>
           </a:prstGeom>
+          <a:ln>
+            <a:solidFill>
+              <a:schemeClr val="tx1"/>
+            </a:solidFill>
+          </a:ln>
         </p:spPr>
       </p:pic>
+      <p:sp>
+        <p:nvSpPr>
+          <p:cNvPr id="7" name="Rectangle 6">
+            <a:extLst>
+              <a:ext uri="{FF2B5EF4-FFF2-40B4-BE49-F238E27FC236}">
+                <a16:creationId xmlns:a16="http://schemas.microsoft.com/office/drawing/2014/main" id="{9F6A934E-9A23-40A5-91D3-FC7A13371205}"/>
+              </a:ext>
+            </a:extLst>
+          </p:cNvPr>
+          <p:cNvSpPr/>
+          <p:nvPr/>
+        </p:nvSpPr>
+        <p:spPr>
+          <a:xfrm>
+            <a:off x="5161085" y="3429000"/>
+            <a:ext cx="2883877" cy="395654"/>
+          </a:xfrm>
+          <a:prstGeom prst="rect">
+            <a:avLst/>
+          </a:prstGeom>
+          <a:noFill/>
+          <a:ln w="28575">
+            <a:solidFill>
+              <a:srgbClr val="FF0000"/>
+            </a:solidFill>
+          </a:ln>
+        </p:spPr>
+        <p:style>
+          <a:lnRef idx="2">
+            <a:schemeClr val="accent1"/>
+          </a:lnRef>
+          <a:fillRef idx="1">
+            <a:schemeClr val="lt1"/>
+          </a:fillRef>
+          <a:effectRef idx="0">
+            <a:schemeClr val="accent1"/>
+          </a:effectRef>
+          <a:fontRef idx="minor">
+            <a:schemeClr val="dk1"/>
+          </a:fontRef>
+        </p:style>
+        <p:txBody>
+          <a:bodyPr rtlCol="0" anchor="ctr"/>
+          <a:lstStyle/>
+          <a:p>
+            <a:pPr algn="ctr"/>
+            <a:endParaRPr lang="en-US"/>
+          </a:p>
+        </p:txBody>
+      </p:sp>
+      <p:sp>
+        <p:nvSpPr>
+          <p:cNvPr id="8" name="TextBox 7">
+            <a:extLst>
+              <a:ext uri="{FF2B5EF4-FFF2-40B4-BE49-F238E27FC236}">
+                <a16:creationId xmlns:a16="http://schemas.microsoft.com/office/drawing/2014/main" id="{3FEEB8A5-B879-4CD8-ADB2-C426BDB7ECA2}"/>
+              </a:ext>
+            </a:extLst>
+          </p:cNvPr>
+          <p:cNvSpPr txBox="1"/>
+          <p:nvPr/>
+        </p:nvSpPr>
+        <p:spPr>
+          <a:xfrm>
+            <a:off x="8669216" y="3360811"/>
+            <a:ext cx="3094892" cy="646331"/>
+          </a:xfrm>
+          <a:prstGeom prst="rect">
+            <a:avLst/>
+          </a:prstGeom>
+          <a:noFill/>
+        </p:spPr>
+        <p:txBody>
+          <a:bodyPr wrap="square" rtlCol="0">
+            <a:spAutoFit/>
+          </a:bodyPr>
+          <a:lstStyle/>
+          <a:p>
+            <a:r>
+              <a:rPr lang="en-US" dirty="0"/>
+              <a:t>server address:</a:t>
+            </a:r>
+          </a:p>
+          <a:p>
+            <a:r>
+              <a:rPr lang="en-US" b="1" dirty="0"/>
+              <a:t>thoth.cs.pitt.edu </a:t>
+            </a:r>
+            <a:r>
+              <a:rPr lang="en-US" dirty="0"/>
+              <a:t>at port 22</a:t>
+            </a:r>
+            <a:endParaRPr lang="en-US" b="1" dirty="0"/>
+          </a:p>
+        </p:txBody>
+      </p:sp>
+      <p:cxnSp>
+        <p:nvCxnSpPr>
+          <p:cNvPr id="10" name="Straight Arrow Connector 9">
+            <a:extLst>
+              <a:ext uri="{FF2B5EF4-FFF2-40B4-BE49-F238E27FC236}">
+                <a16:creationId xmlns:a16="http://schemas.microsoft.com/office/drawing/2014/main" id="{CF72ABB5-C37E-4896-B451-0D296229E985}"/>
+              </a:ext>
+            </a:extLst>
+          </p:cNvPr>
+          <p:cNvCxnSpPr>
+            <a:cxnSpLocks/>
+            <a:stCxn id="7" idx="3"/>
+            <a:endCxn id="8" idx="1"/>
+          </p:cNvCxnSpPr>
+          <p:nvPr/>
+        </p:nvCxnSpPr>
+        <p:spPr>
+          <a:xfrm>
+            <a:off x="8044962" y="3626827"/>
+            <a:ext cx="624254" cy="57150"/>
+          </a:xfrm>
+          <a:prstGeom prst="straightConnector1">
+            <a:avLst/>
+          </a:prstGeom>
+          <a:ln w="38100">
+            <a:tailEnd type="triangle"/>
+          </a:ln>
+        </p:spPr>
+        <p:style>
+          <a:lnRef idx="1">
+            <a:schemeClr val="dk1"/>
+          </a:lnRef>
+          <a:fillRef idx="0">
+            <a:schemeClr val="dk1"/>
+          </a:fillRef>
+          <a:effectRef idx="0">
+            <a:schemeClr val="dk1"/>
+          </a:effectRef>
+          <a:fontRef idx="minor">
+            <a:schemeClr val="tx1"/>
+          </a:fontRef>
+        </p:style>
+      </p:cxnSp>
+      <p:sp>
+        <p:nvSpPr>
+          <p:cNvPr id="13" name="TextBox 12">
+            <a:extLst>
+              <a:ext uri="{FF2B5EF4-FFF2-40B4-BE49-F238E27FC236}">
+                <a16:creationId xmlns:a16="http://schemas.microsoft.com/office/drawing/2014/main" id="{041507EB-6FF0-4502-91CE-170C35348C9C}"/>
+              </a:ext>
+            </a:extLst>
+          </p:cNvPr>
+          <p:cNvSpPr txBox="1"/>
+          <p:nvPr/>
+        </p:nvSpPr>
+        <p:spPr>
+          <a:xfrm>
+            <a:off x="8620848" y="6057601"/>
+            <a:ext cx="2183405" cy="369332"/>
+          </a:xfrm>
+          <a:prstGeom prst="rect">
+            <a:avLst/>
+          </a:prstGeom>
+          <a:noFill/>
+        </p:spPr>
+        <p:txBody>
+          <a:bodyPr wrap="square" rtlCol="0">
+            <a:spAutoFit/>
+          </a:bodyPr>
+          <a:lstStyle/>
+          <a:p>
+            <a:r>
+              <a:rPr lang="en-US" b="1" dirty="0"/>
+              <a:t>Click Open</a:t>
+            </a:r>
+          </a:p>
+        </p:txBody>
+      </p:sp>
+      <p:cxnSp>
+        <p:nvCxnSpPr>
+          <p:cNvPr id="14" name="Straight Arrow Connector 13">
+            <a:extLst>
+              <a:ext uri="{FF2B5EF4-FFF2-40B4-BE49-F238E27FC236}">
+                <a16:creationId xmlns:a16="http://schemas.microsoft.com/office/drawing/2014/main" id="{CEBD1126-41CB-45F5-8EE2-CD72C73BBE5D}"/>
+              </a:ext>
+            </a:extLst>
+          </p:cNvPr>
+          <p:cNvCxnSpPr>
+            <a:cxnSpLocks/>
+            <a:stCxn id="18" idx="3"/>
+            <a:endCxn id="13" idx="1"/>
+          </p:cNvCxnSpPr>
+          <p:nvPr/>
+        </p:nvCxnSpPr>
+        <p:spPr>
+          <a:xfrm flipV="1">
+            <a:off x="7151076" y="6242267"/>
+            <a:ext cx="1469772" cy="325343"/>
+          </a:xfrm>
+          <a:prstGeom prst="straightConnector1">
+            <a:avLst/>
+          </a:prstGeom>
+          <a:ln w="38100">
+            <a:tailEnd type="triangle"/>
+          </a:ln>
+        </p:spPr>
+        <p:style>
+          <a:lnRef idx="1">
+            <a:schemeClr val="dk1"/>
+          </a:lnRef>
+          <a:fillRef idx="0">
+            <a:schemeClr val="dk1"/>
+          </a:fillRef>
+          <a:effectRef idx="0">
+            <a:schemeClr val="dk1"/>
+          </a:effectRef>
+          <a:fontRef idx="minor">
+            <a:schemeClr val="tx1"/>
+          </a:fontRef>
+        </p:style>
+      </p:cxnSp>
+      <p:sp>
+        <p:nvSpPr>
+          <p:cNvPr id="18" name="Rectangle 17">
+            <a:extLst>
+              <a:ext uri="{FF2B5EF4-FFF2-40B4-BE49-F238E27FC236}">
+                <a16:creationId xmlns:a16="http://schemas.microsoft.com/office/drawing/2014/main" id="{206DCE5F-2D7F-4301-861C-417DFC210F05}"/>
+              </a:ext>
+            </a:extLst>
+          </p:cNvPr>
+          <p:cNvSpPr/>
+          <p:nvPr/>
+        </p:nvSpPr>
+        <p:spPr>
+          <a:xfrm>
+            <a:off x="6251331" y="6426933"/>
+            <a:ext cx="899745" cy="281354"/>
+          </a:xfrm>
+          <a:prstGeom prst="rect">
+            <a:avLst/>
+          </a:prstGeom>
+          <a:noFill/>
+          <a:ln w="28575">
+            <a:solidFill>
+              <a:srgbClr val="FF0000"/>
+            </a:solidFill>
+          </a:ln>
+        </p:spPr>
+        <p:style>
+          <a:lnRef idx="2">
+            <a:schemeClr val="accent1"/>
+          </a:lnRef>
+          <a:fillRef idx="1">
+            <a:schemeClr val="lt1"/>
+          </a:fillRef>
+          <a:effectRef idx="0">
+            <a:schemeClr val="accent1"/>
+          </a:effectRef>
+          <a:fontRef idx="minor">
+            <a:schemeClr val="dk1"/>
+          </a:fontRef>
+        </p:style>
+        <p:txBody>
+          <a:bodyPr rtlCol="0" anchor="ctr"/>
+          <a:lstStyle/>
+          <a:p>
+            <a:pPr algn="ctr"/>
+            <a:endParaRPr lang="en-US"/>
+          </a:p>
+        </p:txBody>
+      </p:sp>
+      <p:sp>
+        <p:nvSpPr>
+          <p:cNvPr id="23" name="Rectangle 22">
+            <a:extLst>
+              <a:ext uri="{FF2B5EF4-FFF2-40B4-BE49-F238E27FC236}">
+                <a16:creationId xmlns:a16="http://schemas.microsoft.com/office/drawing/2014/main" id="{26AE912C-A1D2-4A3D-8922-E4B26FABC2A0}"/>
+              </a:ext>
+            </a:extLst>
+          </p:cNvPr>
+          <p:cNvSpPr/>
+          <p:nvPr/>
+        </p:nvSpPr>
+        <p:spPr>
+          <a:xfrm>
+            <a:off x="5161085" y="3824653"/>
+            <a:ext cx="2883877" cy="407373"/>
+          </a:xfrm>
+          <a:prstGeom prst="rect">
+            <a:avLst/>
+          </a:prstGeom>
+          <a:noFill/>
+          <a:ln w="28575">
+            <a:solidFill>
+              <a:srgbClr val="FF0000"/>
+            </a:solidFill>
+          </a:ln>
+        </p:spPr>
+        <p:style>
+          <a:lnRef idx="2">
+            <a:schemeClr val="accent1"/>
+          </a:lnRef>
+          <a:fillRef idx="1">
+            <a:schemeClr val="lt1"/>
+          </a:fillRef>
+          <a:effectRef idx="0">
+            <a:schemeClr val="accent1"/>
+          </a:effectRef>
+          <a:fontRef idx="minor">
+            <a:schemeClr val="dk1"/>
+          </a:fontRef>
+        </p:style>
+        <p:txBody>
+          <a:bodyPr rtlCol="0" anchor="ctr"/>
+          <a:lstStyle/>
+          <a:p>
+            <a:pPr algn="ctr"/>
+            <a:endParaRPr lang="en-US"/>
+          </a:p>
+        </p:txBody>
+      </p:sp>
+      <p:sp>
+        <p:nvSpPr>
+          <p:cNvPr id="26" name="TextBox 25">
+            <a:extLst>
+              <a:ext uri="{FF2B5EF4-FFF2-40B4-BE49-F238E27FC236}">
+                <a16:creationId xmlns:a16="http://schemas.microsoft.com/office/drawing/2014/main" id="{5509C528-FA1C-40AD-B464-13CB9CD5571C}"/>
+              </a:ext>
+            </a:extLst>
+          </p:cNvPr>
+          <p:cNvSpPr txBox="1"/>
+          <p:nvPr/>
+        </p:nvSpPr>
+        <p:spPr>
+          <a:xfrm>
+            <a:off x="8669216" y="4232026"/>
+            <a:ext cx="3094892" cy="369332"/>
+          </a:xfrm>
+          <a:prstGeom prst="rect">
+            <a:avLst/>
+          </a:prstGeom>
+          <a:noFill/>
+        </p:spPr>
+        <p:txBody>
+          <a:bodyPr wrap="square" rtlCol="0">
+            <a:spAutoFit/>
+          </a:bodyPr>
+          <a:lstStyle/>
+          <a:p>
+            <a:r>
+              <a:rPr lang="en-US" dirty="0"/>
+              <a:t>Use SSH</a:t>
+            </a:r>
+            <a:endParaRPr lang="en-US" b="1" dirty="0"/>
+          </a:p>
+        </p:txBody>
+      </p:sp>
+      <p:cxnSp>
+        <p:nvCxnSpPr>
+          <p:cNvPr id="27" name="Straight Arrow Connector 26">
+            <a:extLst>
+              <a:ext uri="{FF2B5EF4-FFF2-40B4-BE49-F238E27FC236}">
+                <a16:creationId xmlns:a16="http://schemas.microsoft.com/office/drawing/2014/main" id="{F1060FE4-6E53-47C9-95C7-BD2BB4D19DA1}"/>
+              </a:ext>
+            </a:extLst>
+          </p:cNvPr>
+          <p:cNvCxnSpPr>
+            <a:cxnSpLocks/>
+            <a:stCxn id="23" idx="3"/>
+            <a:endCxn id="26" idx="1"/>
+          </p:cNvCxnSpPr>
+          <p:nvPr/>
+        </p:nvCxnSpPr>
+        <p:spPr>
+          <a:xfrm>
+            <a:off x="8044962" y="4028340"/>
+            <a:ext cx="624254" cy="388352"/>
+          </a:xfrm>
+          <a:prstGeom prst="straightConnector1">
+            <a:avLst/>
+          </a:prstGeom>
+          <a:ln w="38100">
+            <a:tailEnd type="triangle"/>
+          </a:ln>
+        </p:spPr>
+        <p:style>
+          <a:lnRef idx="1">
+            <a:schemeClr val="dk1"/>
+          </a:lnRef>
+          <a:fillRef idx="0">
+            <a:schemeClr val="dk1"/>
+          </a:fillRef>
+          <a:effectRef idx="0">
+            <a:schemeClr val="dk1"/>
+          </a:effectRef>
+          <a:fontRef idx="minor">
+            <a:schemeClr val="tx1"/>
+          </a:fontRef>
+        </p:style>
+      </p:cxnSp>
     </p:spTree>
     <p:extLst>
       <p:ext uri="{BB962C8B-B14F-4D97-AF65-F5344CB8AC3E}">
-        <p14:creationId xmlns:p14="http://schemas.microsoft.com/office/powerpoint/2010/main" val="2368697311"/>
+        <p14:creationId xmlns:p14="http://schemas.microsoft.com/office/powerpoint/2010/main" val="2167432475"/>
       </p:ext>
     </p:extLst>
   </p:cSld>
@@ -3931,10 +4332,10 @@
       </p:cxnSp>
       <p:pic>
         <p:nvPicPr>
-          <p:cNvPr id="4" name="Picture 3">
+          <p:cNvPr id="5" name="Picture 4">
             <a:extLst>
               <a:ext uri="{FF2B5EF4-FFF2-40B4-BE49-F238E27FC236}">
-                <a16:creationId xmlns:a16="http://schemas.microsoft.com/office/drawing/2014/main" id="{A59A9C0D-84F3-4B4D-9420-55E9BB997CFC}"/>
+                <a16:creationId xmlns:a16="http://schemas.microsoft.com/office/drawing/2014/main" id="{FE8299BD-E3D3-4818-8909-C824962EC15D}"/>
               </a:ext>
             </a:extLst>
           </p:cNvPr>
@@ -3951,8 +4352,8 @@
         </p:blipFill>
         <p:spPr>
           <a:xfrm>
-            <a:off x="2421183" y="2403074"/>
-            <a:ext cx="6810742" cy="4323627"/>
+            <a:off x="2421182" y="2403074"/>
+            <a:ext cx="6810742" cy="4315392"/>
           </a:xfrm>
           <a:prstGeom prst="rect">
             <a:avLst/>
@@ -3962,7 +4363,7 @@
     </p:spTree>
     <p:extLst>
       <p:ext uri="{BB962C8B-B14F-4D97-AF65-F5344CB8AC3E}">
-        <p14:creationId xmlns:p14="http://schemas.microsoft.com/office/powerpoint/2010/main" val="834333753"/>
+        <p14:creationId xmlns:p14="http://schemas.microsoft.com/office/powerpoint/2010/main" val="2368697311"/>
       </p:ext>
     </p:extLst>
   </p:cSld>
@@ -4006,7 +4407,7 @@
           <a:p>
             <a:r>
               <a:rPr lang="en-US" dirty="0"/>
-              <a:t>MacOS/Ubuntu - Terminal</a:t>
+              <a:t>Windows - Putty</a:t>
             </a:r>
           </a:p>
         </p:txBody>
@@ -4035,25 +4436,12 @@
           <a:p>
             <a:r>
               <a:rPr lang="en-US" dirty="0"/>
-              <a:t>Go to </a:t>
+              <a:t>Download from </a:t>
             </a:r>
             <a:r>
               <a:rPr lang="en-US" b="1" dirty="0"/>
-              <a:t>Applications &gt; Utilities</a:t>
-            </a:r>
-            <a:r>
-              <a:rPr lang="en-US" dirty="0"/>
-              <a:t>, and open </a:t>
-            </a:r>
-            <a:r>
-              <a:rPr lang="en-US" b="1" dirty="0"/>
-              <a:t>Terminal</a:t>
-            </a:r>
-            <a:r>
-              <a:rPr lang="en-US" dirty="0"/>
-              <a:t>.</a:t>
-            </a:r>
-            <a:endParaRPr lang="en-US" b="1" dirty="0"/>
+              <a:t>www.putty.org</a:t>
+            </a:r>
           </a:p>
         </p:txBody>
       </p:sp>
@@ -4096,10 +4484,40 @@
           </a:fontRef>
         </p:style>
       </p:cxnSp>
+      <p:pic>
+        <p:nvPicPr>
+          <p:cNvPr id="4" name="Picture 3">
+            <a:extLst>
+              <a:ext uri="{FF2B5EF4-FFF2-40B4-BE49-F238E27FC236}">
+                <a16:creationId xmlns:a16="http://schemas.microsoft.com/office/drawing/2014/main" id="{A59A9C0D-84F3-4B4D-9420-55E9BB997CFC}"/>
+              </a:ext>
+            </a:extLst>
+          </p:cNvPr>
+          <p:cNvPicPr>
+            <a:picLocks noChangeAspect="1"/>
+          </p:cNvPicPr>
+          <p:nvPr/>
+        </p:nvPicPr>
+        <p:blipFill>
+          <a:blip r:embed="rId2"/>
+          <a:stretch>
+            <a:fillRect/>
+          </a:stretch>
+        </p:blipFill>
+        <p:spPr>
+          <a:xfrm>
+            <a:off x="2421183" y="2403074"/>
+            <a:ext cx="6810742" cy="4323627"/>
+          </a:xfrm>
+          <a:prstGeom prst="rect">
+            <a:avLst/>
+          </a:prstGeom>
+        </p:spPr>
+      </p:pic>
     </p:spTree>
     <p:extLst>
       <p:ext uri="{BB962C8B-B14F-4D97-AF65-F5344CB8AC3E}">
-        <p14:creationId xmlns:p14="http://schemas.microsoft.com/office/powerpoint/2010/main" val="569365642"/>
+        <p14:creationId xmlns:p14="http://schemas.microsoft.com/office/powerpoint/2010/main" val="834333753"/>
       </p:ext>
     </p:extLst>
   </p:cSld>
@@ -4233,101 +4651,10 @@
           </a:fontRef>
         </p:style>
       </p:cxnSp>
-      <p:sp>
-        <p:nvSpPr>
-          <p:cNvPr id="6" name="TextBox 5">
-            <a:extLst>
-              <a:ext uri="{FF2B5EF4-FFF2-40B4-BE49-F238E27FC236}">
-                <a16:creationId xmlns:a16="http://schemas.microsoft.com/office/drawing/2014/main" id="{5135EB89-82AA-45D9-85DB-FB56E57D4104}"/>
-              </a:ext>
-            </a:extLst>
-          </p:cNvPr>
-          <p:cNvSpPr txBox="1"/>
-          <p:nvPr/>
-        </p:nvSpPr>
-        <p:spPr>
-          <a:xfrm>
-            <a:off x="838200" y="2799556"/>
-            <a:ext cx="10934700" cy="1754326"/>
-          </a:xfrm>
-          <a:prstGeom prst="rect">
-            <a:avLst/>
-          </a:prstGeom>
-          <a:solidFill>
-            <a:schemeClr val="tx1"/>
-          </a:solidFill>
-        </p:spPr>
-        <p:txBody>
-          <a:bodyPr wrap="square" rtlCol="0">
-            <a:spAutoFit/>
-          </a:bodyPr>
-          <a:lstStyle/>
-          <a:p>
-            <a:r>
-              <a:rPr lang="en-US" dirty="0" err="1">
-                <a:solidFill>
-                  <a:schemeClr val="bg1"/>
-                </a:solidFill>
-                <a:latin typeface="Consolas" panose="020B0609020204030204" pitchFamily="49" charset="0"/>
-              </a:rPr>
-              <a:t>henrique</a:t>
-            </a:r>
-            <a:r>
-              <a:rPr lang="en-US" dirty="0">
-                <a:solidFill>
-                  <a:schemeClr val="bg1"/>
-                </a:solidFill>
-                <a:latin typeface="Consolas" panose="020B0609020204030204" pitchFamily="49" charset="0"/>
-              </a:rPr>
-              <a:t> in ~home-laptop-&gt;$ </a:t>
-            </a:r>
-          </a:p>
-          <a:p>
-            <a:endParaRPr lang="en-US" dirty="0">
-              <a:solidFill>
-                <a:schemeClr val="bg1"/>
-              </a:solidFill>
-              <a:latin typeface="Consolas" panose="020B0609020204030204" pitchFamily="49" charset="0"/>
-            </a:endParaRPr>
-          </a:p>
-          <a:p>
-            <a:endParaRPr lang="en-US" dirty="0">
-              <a:solidFill>
-                <a:schemeClr val="bg1"/>
-              </a:solidFill>
-              <a:latin typeface="Consolas" panose="020B0609020204030204" pitchFamily="49" charset="0"/>
-            </a:endParaRPr>
-          </a:p>
-          <a:p>
-            <a:endParaRPr lang="en-US" dirty="0">
-              <a:solidFill>
-                <a:schemeClr val="bg1"/>
-              </a:solidFill>
-              <a:latin typeface="Consolas" panose="020B0609020204030204" pitchFamily="49" charset="0"/>
-            </a:endParaRPr>
-          </a:p>
-          <a:p>
-            <a:endParaRPr lang="en-US" dirty="0">
-              <a:solidFill>
-                <a:schemeClr val="bg1"/>
-              </a:solidFill>
-              <a:latin typeface="Consolas" panose="020B0609020204030204" pitchFamily="49" charset="0"/>
-            </a:endParaRPr>
-          </a:p>
-          <a:p>
-            <a:endParaRPr lang="en-US" dirty="0">
-              <a:solidFill>
-                <a:schemeClr val="bg1"/>
-              </a:solidFill>
-              <a:latin typeface="Consolas" panose="020B0609020204030204" pitchFamily="49" charset="0"/>
-            </a:endParaRPr>
-          </a:p>
-        </p:txBody>
-      </p:sp>
     </p:spTree>
     <p:extLst>
       <p:ext uri="{BB962C8B-B14F-4D97-AF65-F5344CB8AC3E}">
-        <p14:creationId xmlns:p14="http://schemas.microsoft.com/office/powerpoint/2010/main" val="196781404"/>
+        <p14:creationId xmlns:p14="http://schemas.microsoft.com/office/powerpoint/2010/main" val="569365642"/>
       </p:ext>
     </p:extLst>
   </p:cSld>
@@ -4509,42 +4836,6 @@
               </a:rPr>
               <a:t> in ~home-laptop-&gt;$ </a:t>
             </a:r>
-            <a:r>
-              <a:rPr lang="en-US" dirty="0" err="1">
-                <a:solidFill>
-                  <a:schemeClr val="bg1"/>
-                </a:solidFill>
-                <a:latin typeface="Consolas" panose="020B0609020204030204" pitchFamily="49" charset="0"/>
-              </a:rPr>
-              <a:t>ssh</a:t>
-            </a:r>
-            <a:r>
-              <a:rPr lang="en-US" dirty="0">
-                <a:solidFill>
-                  <a:schemeClr val="bg1"/>
-                </a:solidFill>
-                <a:latin typeface="Consolas" panose="020B0609020204030204" pitchFamily="49" charset="0"/>
-              </a:rPr>
-              <a:t> </a:t>
-            </a:r>
-            <a:r>
-              <a:rPr lang="en-US" dirty="0" err="1">
-                <a:solidFill>
-                  <a:schemeClr val="bg1"/>
-                </a:solidFill>
-                <a:latin typeface="Consolas" panose="020B0609020204030204" pitchFamily="49" charset="0"/>
-              </a:rPr>
-              <a:t>user@IPaddress:port</a:t>
-            </a:r>
-            <a:r>
-              <a:rPr lang="en-US" dirty="0">
-                <a:solidFill>
-                  <a:schemeClr val="bg1"/>
-                </a:solidFill>
-                <a:latin typeface="Consolas" panose="020B0609020204030204" pitchFamily="49" charset="0"/>
-              </a:rPr>
-              <a:t> </a:t>
-            </a:r>
           </a:p>
           <a:p>
             <a:endParaRPr lang="en-US" dirty="0">
@@ -4591,7 +4882,7 @@
     </p:spTree>
     <p:extLst>
       <p:ext uri="{BB962C8B-B14F-4D97-AF65-F5344CB8AC3E}">
-        <p14:creationId xmlns:p14="http://schemas.microsoft.com/office/powerpoint/2010/main" val="359337151"/>
+        <p14:creationId xmlns:p14="http://schemas.microsoft.com/office/powerpoint/2010/main" val="196781404"/>
       </p:ext>
     </p:extLst>
   </p:cSld>
@@ -4852,6 +5143,270 @@
           </a:p>
         </p:txBody>
       </p:sp>
+    </p:spTree>
+    <p:extLst>
+      <p:ext uri="{BB962C8B-B14F-4D97-AF65-F5344CB8AC3E}">
+        <p14:creationId xmlns:p14="http://schemas.microsoft.com/office/powerpoint/2010/main" val="359337151"/>
+      </p:ext>
+    </p:extLst>
+  </p:cSld>
+  <p:clrMapOvr>
+    <a:masterClrMapping/>
+  </p:clrMapOvr>
+</p:sld>
+</file>
+
+<file path=ppt/slides/slide16.xml><?xml version="1.0" encoding="utf-8"?>
+<p:sld xmlns:a="http://schemas.openxmlformats.org/drawingml/2006/main" xmlns:r="http://schemas.openxmlformats.org/officeDocument/2006/relationships" xmlns:p="http://schemas.openxmlformats.org/presentationml/2006/main">
+  <p:cSld>
+    <p:spTree>
+      <p:nvGrpSpPr>
+        <p:cNvPr id="1" name=""/>
+        <p:cNvGrpSpPr/>
+        <p:nvPr/>
+      </p:nvGrpSpPr>
+      <p:grpSpPr>
+        <a:xfrm>
+          <a:off x="0" y="0"/>
+          <a:ext cx="0" cy="0"/>
+          <a:chOff x="0" y="0"/>
+          <a:chExt cx="0" cy="0"/>
+        </a:xfrm>
+      </p:grpSpPr>
+      <p:sp>
+        <p:nvSpPr>
+          <p:cNvPr id="2" name="Title 1"/>
+          <p:cNvSpPr>
+            <a:spLocks noGrp="1"/>
+          </p:cNvSpPr>
+          <p:nvPr>
+            <p:ph type="title"/>
+          </p:nvPr>
+        </p:nvSpPr>
+        <p:spPr/>
+        <p:txBody>
+          <a:bodyPr/>
+          <a:lstStyle/>
+          <a:p>
+            <a:r>
+              <a:rPr lang="en-US" dirty="0"/>
+              <a:t>MacOS/Ubuntu - Terminal</a:t>
+            </a:r>
+          </a:p>
+        </p:txBody>
+      </p:sp>
+      <p:sp>
+        <p:nvSpPr>
+          <p:cNvPr id="3" name="Content Placeholder 2"/>
+          <p:cNvSpPr>
+            <a:spLocks noGrp="1"/>
+          </p:cNvSpPr>
+          <p:nvPr>
+            <p:ph idx="1"/>
+          </p:nvPr>
+        </p:nvSpPr>
+        <p:spPr>
+          <a:xfrm>
+            <a:off x="838200" y="1825625"/>
+            <a:ext cx="10515600" cy="1450975"/>
+          </a:xfrm>
+        </p:spPr>
+        <p:txBody>
+          <a:bodyPr>
+            <a:normAutofit/>
+          </a:bodyPr>
+          <a:lstStyle/>
+          <a:p>
+            <a:r>
+              <a:rPr lang="en-US" dirty="0"/>
+              <a:t>Go to </a:t>
+            </a:r>
+            <a:r>
+              <a:rPr lang="en-US" b="1" dirty="0"/>
+              <a:t>Applications &gt; Utilities</a:t>
+            </a:r>
+            <a:r>
+              <a:rPr lang="en-US" dirty="0"/>
+              <a:t>, and open </a:t>
+            </a:r>
+            <a:r>
+              <a:rPr lang="en-US" b="1" dirty="0"/>
+              <a:t>Terminal</a:t>
+            </a:r>
+            <a:r>
+              <a:rPr lang="en-US" dirty="0"/>
+              <a:t>.</a:t>
+            </a:r>
+            <a:endParaRPr lang="en-US" b="1" dirty="0"/>
+          </a:p>
+        </p:txBody>
+      </p:sp>
+      <p:cxnSp>
+        <p:nvCxnSpPr>
+          <p:cNvPr id="34" name="Straight Connector 33"/>
+          <p:cNvCxnSpPr>
+            <a:cxnSpLocks/>
+          </p:cNvCxnSpPr>
+          <p:nvPr/>
+        </p:nvCxnSpPr>
+        <p:spPr>
+          <a:xfrm>
+            <a:off x="944880" y="1295400"/>
+            <a:ext cx="10408920" cy="0"/>
+          </a:xfrm>
+          <a:prstGeom prst="line">
+            <a:avLst/>
+          </a:prstGeom>
+          <a:ln>
+            <a:solidFill>
+              <a:schemeClr val="accent1">
+                <a:lumMod val="75000"/>
+              </a:schemeClr>
+            </a:solidFill>
+          </a:ln>
+        </p:spPr>
+        <p:style>
+          <a:lnRef idx="1">
+            <a:schemeClr val="accent1"/>
+          </a:lnRef>
+          <a:fillRef idx="0">
+            <a:schemeClr val="accent1"/>
+          </a:fillRef>
+          <a:effectRef idx="0">
+            <a:schemeClr val="accent1"/>
+          </a:effectRef>
+          <a:fontRef idx="minor">
+            <a:schemeClr val="tx1"/>
+          </a:fontRef>
+        </p:style>
+      </p:cxnSp>
+      <p:sp>
+        <p:nvSpPr>
+          <p:cNvPr id="6" name="TextBox 5">
+            <a:extLst>
+              <a:ext uri="{FF2B5EF4-FFF2-40B4-BE49-F238E27FC236}">
+                <a16:creationId xmlns:a16="http://schemas.microsoft.com/office/drawing/2014/main" id="{5135EB89-82AA-45D9-85DB-FB56E57D4104}"/>
+              </a:ext>
+            </a:extLst>
+          </p:cNvPr>
+          <p:cNvSpPr txBox="1"/>
+          <p:nvPr/>
+        </p:nvSpPr>
+        <p:spPr>
+          <a:xfrm>
+            <a:off x="838200" y="2799556"/>
+            <a:ext cx="10934700" cy="1754326"/>
+          </a:xfrm>
+          <a:prstGeom prst="rect">
+            <a:avLst/>
+          </a:prstGeom>
+          <a:solidFill>
+            <a:schemeClr val="tx1"/>
+          </a:solidFill>
+        </p:spPr>
+        <p:txBody>
+          <a:bodyPr wrap="square" rtlCol="0">
+            <a:spAutoFit/>
+          </a:bodyPr>
+          <a:lstStyle/>
+          <a:p>
+            <a:r>
+              <a:rPr lang="en-US" dirty="0" err="1">
+                <a:solidFill>
+                  <a:schemeClr val="bg1"/>
+                </a:solidFill>
+                <a:latin typeface="Consolas" panose="020B0609020204030204" pitchFamily="49" charset="0"/>
+              </a:rPr>
+              <a:t>henrique</a:t>
+            </a:r>
+            <a:r>
+              <a:rPr lang="en-US" dirty="0">
+                <a:solidFill>
+                  <a:schemeClr val="bg1"/>
+                </a:solidFill>
+                <a:latin typeface="Consolas" panose="020B0609020204030204" pitchFamily="49" charset="0"/>
+              </a:rPr>
+              <a:t> in ~home-laptop-&gt;$ </a:t>
+            </a:r>
+            <a:r>
+              <a:rPr lang="en-US" dirty="0" err="1">
+                <a:solidFill>
+                  <a:schemeClr val="bg1"/>
+                </a:solidFill>
+                <a:latin typeface="Consolas" panose="020B0609020204030204" pitchFamily="49" charset="0"/>
+              </a:rPr>
+              <a:t>ssh</a:t>
+            </a:r>
+            <a:r>
+              <a:rPr lang="en-US" dirty="0">
+                <a:solidFill>
+                  <a:schemeClr val="bg1"/>
+                </a:solidFill>
+                <a:latin typeface="Consolas" panose="020B0609020204030204" pitchFamily="49" charset="0"/>
+              </a:rPr>
+              <a:t> </a:t>
+            </a:r>
+            <a:r>
+              <a:rPr lang="en-US" dirty="0" err="1">
+                <a:solidFill>
+                  <a:schemeClr val="bg1"/>
+                </a:solidFill>
+                <a:latin typeface="Consolas" panose="020B0609020204030204" pitchFamily="49" charset="0"/>
+              </a:rPr>
+              <a:t>user@IPaddress:port</a:t>
+            </a:r>
+            <a:r>
+              <a:rPr lang="en-US" dirty="0">
+                <a:solidFill>
+                  <a:schemeClr val="bg1"/>
+                </a:solidFill>
+                <a:latin typeface="Consolas" panose="020B0609020204030204" pitchFamily="49" charset="0"/>
+              </a:rPr>
+              <a:t> </a:t>
+            </a:r>
+          </a:p>
+          <a:p>
+            <a:endParaRPr lang="en-US" dirty="0">
+              <a:solidFill>
+                <a:schemeClr val="bg1"/>
+              </a:solidFill>
+              <a:latin typeface="Consolas" panose="020B0609020204030204" pitchFamily="49" charset="0"/>
+            </a:endParaRPr>
+          </a:p>
+          <a:p>
+            <a:endParaRPr lang="en-US" dirty="0">
+              <a:solidFill>
+                <a:schemeClr val="bg1"/>
+              </a:solidFill>
+              <a:latin typeface="Consolas" panose="020B0609020204030204" pitchFamily="49" charset="0"/>
+            </a:endParaRPr>
+          </a:p>
+          <a:p>
+            <a:endParaRPr lang="en-US" dirty="0">
+              <a:solidFill>
+                <a:schemeClr val="bg1"/>
+              </a:solidFill>
+              <a:latin typeface="Consolas" panose="020B0609020204030204" pitchFamily="49" charset="0"/>
+            </a:endParaRPr>
+          </a:p>
+          <a:p>
+            <a:endParaRPr lang="en-US" dirty="0">
+              <a:solidFill>
+                <a:schemeClr val="bg1"/>
+              </a:solidFill>
+              <a:latin typeface="Consolas" panose="020B0609020204030204" pitchFamily="49" charset="0"/>
+            </a:endParaRPr>
+          </a:p>
+          <a:p>
+            <a:endParaRPr lang="en-US" dirty="0">
+              <a:solidFill>
+                <a:schemeClr val="bg1"/>
+              </a:solidFill>
+              <a:latin typeface="Consolas" panose="020B0609020204030204" pitchFamily="49" charset="0"/>
+            </a:endParaRPr>
+          </a:p>
+        </p:txBody>
+      </p:sp>
       <p:sp>
         <p:nvSpPr>
           <p:cNvPr id="8" name="Rectangle 7">
@@ -5186,7 +5741,7 @@
 </p:sld>
 </file>
 
-<file path=ppt/slides/slide16.xml><?xml version="1.0" encoding="utf-8"?>
+<file path=ppt/slides/slide17.xml><?xml version="1.0" encoding="utf-8"?>
 <p:sld xmlns:a="http://schemas.openxmlformats.org/drawingml/2006/main" xmlns:r="http://schemas.openxmlformats.org/officeDocument/2006/relationships" xmlns:p="http://schemas.openxmlformats.org/presentationml/2006/main">
   <p:cSld>
     <p:spTree>
@@ -5707,7 +6262,7 @@
 </p:sld>
 </file>
 
-<file path=ppt/slides/slide17.xml><?xml version="1.0" encoding="utf-8"?>
+<file path=ppt/slides/slide18.xml><?xml version="1.0" encoding="utf-8"?>
 <p:sld xmlns:a="http://schemas.openxmlformats.org/drawingml/2006/main" xmlns:r="http://schemas.openxmlformats.org/officeDocument/2006/relationships" xmlns:p="http://schemas.openxmlformats.org/presentationml/2006/main">
   <p:cSld>
     <p:spTree>
@@ -6132,155 +6687,6 @@
 </p:sld>
 </file>
 
-<file path=ppt/slides/slide18.xml><?xml version="1.0" encoding="utf-8"?>
-<p:sld xmlns:a="http://schemas.openxmlformats.org/drawingml/2006/main" xmlns:r="http://schemas.openxmlformats.org/officeDocument/2006/relationships" xmlns:p="http://schemas.openxmlformats.org/presentationml/2006/main">
-  <p:cSld>
-    <p:spTree>
-      <p:nvGrpSpPr>
-        <p:cNvPr id="1" name=""/>
-        <p:cNvGrpSpPr/>
-        <p:nvPr/>
-      </p:nvGrpSpPr>
-      <p:grpSpPr>
-        <a:xfrm>
-          <a:off x="0" y="0"/>
-          <a:ext cx="0" cy="0"/>
-          <a:chOff x="0" y="0"/>
-          <a:chExt cx="0" cy="0"/>
-        </a:xfrm>
-      </p:grpSpPr>
-      <p:sp>
-        <p:nvSpPr>
-          <p:cNvPr id="2" name="Title 1"/>
-          <p:cNvSpPr>
-            <a:spLocks noGrp="1"/>
-          </p:cNvSpPr>
-          <p:nvPr>
-            <p:ph type="title"/>
-          </p:nvPr>
-        </p:nvSpPr>
-        <p:spPr/>
-        <p:txBody>
-          <a:bodyPr/>
-          <a:lstStyle/>
-          <a:p>
-            <a:r>
-              <a:rPr lang="en-US" dirty="0"/>
-              <a:t>Basic Linux Shell commands</a:t>
-            </a:r>
-          </a:p>
-        </p:txBody>
-      </p:sp>
-      <p:sp>
-        <p:nvSpPr>
-          <p:cNvPr id="3" name="Content Placeholder 2"/>
-          <p:cNvSpPr>
-            <a:spLocks noGrp="1"/>
-          </p:cNvSpPr>
-          <p:nvPr>
-            <p:ph idx="1"/>
-          </p:nvPr>
-        </p:nvSpPr>
-        <p:spPr>
-          <a:xfrm>
-            <a:off x="838200" y="1825625"/>
-            <a:ext cx="10515600" cy="1928690"/>
-          </a:xfrm>
-        </p:spPr>
-        <p:txBody>
-          <a:bodyPr>
-            <a:normAutofit/>
-          </a:bodyPr>
-          <a:lstStyle/>
-          <a:p>
-            <a:r>
-              <a:rPr lang="en-US" dirty="0"/>
-              <a:t>Once into a elements machine</a:t>
-            </a:r>
-          </a:p>
-          <a:p>
-            <a:pPr lvl="1"/>
-            <a:r>
-              <a:rPr lang="en-US" dirty="0"/>
-              <a:t>Read, create directories and files</a:t>
-            </a:r>
-          </a:p>
-          <a:p>
-            <a:pPr lvl="1"/>
-            <a:r>
-              <a:rPr lang="en-US" dirty="0"/>
-              <a:t>Compile C/C++ code</a:t>
-            </a:r>
-          </a:p>
-          <a:p>
-            <a:pPr lvl="1"/>
-            <a:r>
-              <a:rPr lang="en-US" dirty="0"/>
-              <a:t>Whatever program/service you install or the OS already offers</a:t>
-            </a:r>
-          </a:p>
-          <a:p>
-            <a:pPr lvl="1"/>
-            <a:endParaRPr lang="en-US" dirty="0"/>
-          </a:p>
-          <a:p>
-            <a:pPr lvl="1"/>
-            <a:endParaRPr lang="en-US" b="1" dirty="0"/>
-          </a:p>
-        </p:txBody>
-      </p:sp>
-      <p:cxnSp>
-        <p:nvCxnSpPr>
-          <p:cNvPr id="34" name="Straight Connector 33"/>
-          <p:cNvCxnSpPr>
-            <a:cxnSpLocks/>
-          </p:cNvCxnSpPr>
-          <p:nvPr/>
-        </p:nvCxnSpPr>
-        <p:spPr>
-          <a:xfrm>
-            <a:off x="944880" y="1295400"/>
-            <a:ext cx="10408920" cy="0"/>
-          </a:xfrm>
-          <a:prstGeom prst="line">
-            <a:avLst/>
-          </a:prstGeom>
-          <a:ln>
-            <a:solidFill>
-              <a:schemeClr val="accent1">
-                <a:lumMod val="75000"/>
-              </a:schemeClr>
-            </a:solidFill>
-          </a:ln>
-        </p:spPr>
-        <p:style>
-          <a:lnRef idx="1">
-            <a:schemeClr val="accent1"/>
-          </a:lnRef>
-          <a:fillRef idx="0">
-            <a:schemeClr val="accent1"/>
-          </a:fillRef>
-          <a:effectRef idx="0">
-            <a:schemeClr val="accent1"/>
-          </a:effectRef>
-          <a:fontRef idx="minor">
-            <a:schemeClr val="tx1"/>
-          </a:fontRef>
-        </p:style>
-      </p:cxnSp>
-    </p:spTree>
-    <p:extLst>
-      <p:ext uri="{BB962C8B-B14F-4D97-AF65-F5344CB8AC3E}">
-        <p14:creationId xmlns:p14="http://schemas.microsoft.com/office/powerpoint/2010/main" val="3387392004"/>
-      </p:ext>
-    </p:extLst>
-  </p:cSld>
-  <p:clrMapOvr>
-    <a:masterClrMapping/>
-  </p:clrMapOvr>
-</p:sld>
-</file>
-
 <file path=ppt/slides/slide19.xml><?xml version="1.0" encoding="utf-8"?>
 <p:sld xmlns:a="http://schemas.openxmlformats.org/drawingml/2006/main" xmlns:r="http://schemas.openxmlformats.org/officeDocument/2006/relationships" xmlns:p="http://schemas.openxmlformats.org/presentationml/2006/main">
   <p:cSld>
@@ -6333,7 +6739,7 @@
         <p:spPr>
           <a:xfrm>
             <a:off x="838200" y="1825625"/>
-            <a:ext cx="10515600" cy="645013"/>
+            <a:ext cx="10515600" cy="1928690"/>
           </a:xfrm>
         </p:spPr>
         <p:txBody>
@@ -6344,13 +6750,33 @@
           <a:p>
             <a:r>
               <a:rPr lang="en-US" dirty="0"/>
-              <a:t>Check Current Directory - </a:t>
-            </a:r>
-            <a:r>
-              <a:rPr lang="en-US" b="1" dirty="0" err="1"/>
-              <a:t>pwd</a:t>
-            </a:r>
-            <a:endParaRPr lang="en-US" b="1" dirty="0"/>
+              <a:t>Once into a elements machine</a:t>
+            </a:r>
+          </a:p>
+          <a:p>
+            <a:pPr lvl="1"/>
+            <a:r>
+              <a:rPr lang="en-US" dirty="0"/>
+              <a:t>Read, create directories and files</a:t>
+            </a:r>
+          </a:p>
+          <a:p>
+            <a:pPr lvl="1"/>
+            <a:r>
+              <a:rPr lang="en-US" dirty="0"/>
+              <a:t>Compile C/C++ code</a:t>
+            </a:r>
+          </a:p>
+          <a:p>
+            <a:pPr lvl="1"/>
+            <a:r>
+              <a:rPr lang="en-US" dirty="0"/>
+              <a:t>Whatever program/service you install or the OS already offers</a:t>
+            </a:r>
+          </a:p>
+          <a:p>
+            <a:pPr lvl="1"/>
+            <a:endParaRPr lang="en-US" dirty="0"/>
           </a:p>
           <a:p>
             <a:pPr lvl="1"/>
@@ -6397,39 +6823,10 @@
           </a:fontRef>
         </p:style>
       </p:cxnSp>
-      <p:pic>
-        <p:nvPicPr>
-          <p:cNvPr id="5" name="Picture 4">
-            <a:extLst>
-              <a:ext uri="{FF2B5EF4-FFF2-40B4-BE49-F238E27FC236}">
-                <a16:creationId xmlns:a16="http://schemas.microsoft.com/office/drawing/2014/main" id="{B113D19E-5A55-48D6-A0B3-81CEFD01D17C}"/>
-              </a:ext>
-            </a:extLst>
-          </p:cNvPr>
-          <p:cNvPicPr>
-            <a:picLocks noChangeAspect="1"/>
-          </p:cNvPicPr>
-          <p:nvPr/>
-        </p:nvPicPr>
-        <p:blipFill rotWithShape="1">
-          <a:blip r:embed="rId2"/>
-          <a:srcRect b="24732"/>
-          <a:stretch/>
-        </p:blipFill>
-        <p:spPr>
-          <a:xfrm>
-            <a:off x="277544" y="2532184"/>
-            <a:ext cx="11743592" cy="3138849"/>
-          </a:xfrm>
-          <a:prstGeom prst="rect">
-            <a:avLst/>
-          </a:prstGeom>
-        </p:spPr>
-      </p:pic>
     </p:spTree>
     <p:extLst>
       <p:ext uri="{BB962C8B-B14F-4D97-AF65-F5344CB8AC3E}">
-        <p14:creationId xmlns:p14="http://schemas.microsoft.com/office/powerpoint/2010/main" val="1592907063"/>
+        <p14:creationId xmlns:p14="http://schemas.microsoft.com/office/powerpoint/2010/main" val="3387392004"/>
       </p:ext>
     </p:extLst>
   </p:cSld>
@@ -6502,7 +6899,7 @@
             <a:pPr lvl="1"/>
             <a:r>
               <a:rPr lang="en-US" dirty="0"/>
-              <a:t>1:00pm - 4:00pm </a:t>
+              <a:t>2:00pm - 5:00pm </a:t>
             </a:r>
           </a:p>
           <a:p>
@@ -6514,10 +6911,27 @@
           <a:p>
             <a:pPr lvl="1"/>
             <a:r>
-              <a:rPr lang="en-US"/>
+              <a:rPr lang="en-US" dirty="0"/>
               <a:t>1:00pm – 4:00pm </a:t>
             </a:r>
+          </a:p>
+          <a:p>
+            <a:pPr lvl="1"/>
             <a:endParaRPr lang="en-US" dirty="0"/>
+          </a:p>
+          <a:p>
+            <a:r>
+              <a:rPr lang="en-US" dirty="0"/>
+              <a:t>Office: </a:t>
+            </a:r>
+            <a:r>
+              <a:rPr lang="en-US" dirty="0" err="1"/>
+              <a:t>SenSq</a:t>
+            </a:r>
+            <a:r>
+              <a:rPr lang="en-US" dirty="0"/>
+              <a:t> 5802</a:t>
+            </a:r>
           </a:p>
         </p:txBody>
       </p:sp>
@@ -6636,12 +7050,13 @@
           <a:p>
             <a:r>
               <a:rPr lang="en-US" dirty="0"/>
-              <a:t>List directories - </a:t>
-            </a:r>
-            <a:r>
-              <a:rPr lang="en-US" b="1" dirty="0"/>
-              <a:t>ls</a:t>
-            </a:r>
+              <a:t>Check Current Directory - </a:t>
+            </a:r>
+            <a:r>
+              <a:rPr lang="en-US" b="1" dirty="0" err="1"/>
+              <a:t>pwd</a:t>
+            </a:r>
+            <a:endParaRPr lang="en-US" b="1" dirty="0"/>
           </a:p>
           <a:p>
             <a:pPr lvl="1"/>
@@ -6690,10 +7105,10 @@
       </p:cxnSp>
       <p:pic>
         <p:nvPicPr>
-          <p:cNvPr id="6" name="Picture 5">
+          <p:cNvPr id="5" name="Picture 4">
             <a:extLst>
               <a:ext uri="{FF2B5EF4-FFF2-40B4-BE49-F238E27FC236}">
-                <a16:creationId xmlns:a16="http://schemas.microsoft.com/office/drawing/2014/main" id="{01F7EE22-23BA-4D75-A4A5-F44F7B547393}"/>
+                <a16:creationId xmlns:a16="http://schemas.microsoft.com/office/drawing/2014/main" id="{B113D19E-5A55-48D6-A0B3-81CEFD01D17C}"/>
               </a:ext>
             </a:extLst>
           </p:cNvPr>
@@ -6704,13 +7119,13 @@
         </p:nvPicPr>
         <p:blipFill rotWithShape="1">
           <a:blip r:embed="rId2"/>
-          <a:srcRect t="1624" r="287"/>
+          <a:srcRect b="24732"/>
           <a:stretch/>
         </p:blipFill>
         <p:spPr>
           <a:xfrm>
-            <a:off x="277544" y="2532183"/>
-            <a:ext cx="11743592" cy="3254117"/>
+            <a:off x="277544" y="2532184"/>
+            <a:ext cx="11743592" cy="3138849"/>
           </a:xfrm>
           <a:prstGeom prst="rect">
             <a:avLst/>
@@ -6720,7 +7135,7 @@
     </p:spTree>
     <p:extLst>
       <p:ext uri="{BB962C8B-B14F-4D97-AF65-F5344CB8AC3E}">
-        <p14:creationId xmlns:p14="http://schemas.microsoft.com/office/powerpoint/2010/main" val="3081258402"/>
+        <p14:creationId xmlns:p14="http://schemas.microsoft.com/office/powerpoint/2010/main" val="1592907063"/>
       </p:ext>
     </p:extLst>
   </p:cSld>
@@ -6793,6 +7208,163 @@
           <a:p>
             <a:r>
               <a:rPr lang="en-US" dirty="0"/>
+              <a:t>List directories - </a:t>
+            </a:r>
+            <a:r>
+              <a:rPr lang="en-US" b="1" dirty="0"/>
+              <a:t>ls</a:t>
+            </a:r>
+          </a:p>
+          <a:p>
+            <a:pPr lvl="1"/>
+            <a:endParaRPr lang="en-US" b="1" dirty="0"/>
+          </a:p>
+        </p:txBody>
+      </p:sp>
+      <p:cxnSp>
+        <p:nvCxnSpPr>
+          <p:cNvPr id="34" name="Straight Connector 33"/>
+          <p:cNvCxnSpPr>
+            <a:cxnSpLocks/>
+          </p:cNvCxnSpPr>
+          <p:nvPr/>
+        </p:nvCxnSpPr>
+        <p:spPr>
+          <a:xfrm>
+            <a:off x="944880" y="1295400"/>
+            <a:ext cx="10408920" cy="0"/>
+          </a:xfrm>
+          <a:prstGeom prst="line">
+            <a:avLst/>
+          </a:prstGeom>
+          <a:ln>
+            <a:solidFill>
+              <a:schemeClr val="accent1">
+                <a:lumMod val="75000"/>
+              </a:schemeClr>
+            </a:solidFill>
+          </a:ln>
+        </p:spPr>
+        <p:style>
+          <a:lnRef idx="1">
+            <a:schemeClr val="accent1"/>
+          </a:lnRef>
+          <a:fillRef idx="0">
+            <a:schemeClr val="accent1"/>
+          </a:fillRef>
+          <a:effectRef idx="0">
+            <a:schemeClr val="accent1"/>
+          </a:effectRef>
+          <a:fontRef idx="minor">
+            <a:schemeClr val="tx1"/>
+          </a:fontRef>
+        </p:style>
+      </p:cxnSp>
+      <p:pic>
+        <p:nvPicPr>
+          <p:cNvPr id="6" name="Picture 5">
+            <a:extLst>
+              <a:ext uri="{FF2B5EF4-FFF2-40B4-BE49-F238E27FC236}">
+                <a16:creationId xmlns:a16="http://schemas.microsoft.com/office/drawing/2014/main" id="{01F7EE22-23BA-4D75-A4A5-F44F7B547393}"/>
+              </a:ext>
+            </a:extLst>
+          </p:cNvPr>
+          <p:cNvPicPr>
+            <a:picLocks noChangeAspect="1"/>
+          </p:cNvPicPr>
+          <p:nvPr/>
+        </p:nvPicPr>
+        <p:blipFill rotWithShape="1">
+          <a:blip r:embed="rId2"/>
+          <a:srcRect t="1624" r="287"/>
+          <a:stretch/>
+        </p:blipFill>
+        <p:spPr>
+          <a:xfrm>
+            <a:off x="277544" y="2532183"/>
+            <a:ext cx="11743592" cy="3254117"/>
+          </a:xfrm>
+          <a:prstGeom prst="rect">
+            <a:avLst/>
+          </a:prstGeom>
+        </p:spPr>
+      </p:pic>
+    </p:spTree>
+    <p:extLst>
+      <p:ext uri="{BB962C8B-B14F-4D97-AF65-F5344CB8AC3E}">
+        <p14:creationId xmlns:p14="http://schemas.microsoft.com/office/powerpoint/2010/main" val="3081258402"/>
+      </p:ext>
+    </p:extLst>
+  </p:cSld>
+  <p:clrMapOvr>
+    <a:masterClrMapping/>
+  </p:clrMapOvr>
+</p:sld>
+</file>
+
+<file path=ppt/slides/slide22.xml><?xml version="1.0" encoding="utf-8"?>
+<p:sld xmlns:a="http://schemas.openxmlformats.org/drawingml/2006/main" xmlns:r="http://schemas.openxmlformats.org/officeDocument/2006/relationships" xmlns:p="http://schemas.openxmlformats.org/presentationml/2006/main">
+  <p:cSld>
+    <p:spTree>
+      <p:nvGrpSpPr>
+        <p:cNvPr id="1" name=""/>
+        <p:cNvGrpSpPr/>
+        <p:nvPr/>
+      </p:nvGrpSpPr>
+      <p:grpSpPr>
+        <a:xfrm>
+          <a:off x="0" y="0"/>
+          <a:ext cx="0" cy="0"/>
+          <a:chOff x="0" y="0"/>
+          <a:chExt cx="0" cy="0"/>
+        </a:xfrm>
+      </p:grpSpPr>
+      <p:sp>
+        <p:nvSpPr>
+          <p:cNvPr id="2" name="Title 1"/>
+          <p:cNvSpPr>
+            <a:spLocks noGrp="1"/>
+          </p:cNvSpPr>
+          <p:nvPr>
+            <p:ph type="title"/>
+          </p:nvPr>
+        </p:nvSpPr>
+        <p:spPr/>
+        <p:txBody>
+          <a:bodyPr/>
+          <a:lstStyle/>
+          <a:p>
+            <a:r>
+              <a:rPr lang="en-US" dirty="0"/>
+              <a:t>Basic Linux Shell commands</a:t>
+            </a:r>
+          </a:p>
+        </p:txBody>
+      </p:sp>
+      <p:sp>
+        <p:nvSpPr>
+          <p:cNvPr id="3" name="Content Placeholder 2"/>
+          <p:cNvSpPr>
+            <a:spLocks noGrp="1"/>
+          </p:cNvSpPr>
+          <p:nvPr>
+            <p:ph idx="1"/>
+          </p:nvPr>
+        </p:nvSpPr>
+        <p:spPr>
+          <a:xfrm>
+            <a:off x="838200" y="1825625"/>
+            <a:ext cx="10515600" cy="645013"/>
+          </a:xfrm>
+        </p:spPr>
+        <p:txBody>
+          <a:bodyPr>
+            <a:normAutofit/>
+          </a:bodyPr>
+          <a:lstStyle/>
+          <a:p>
+            <a:r>
+              <a:rPr lang="en-US" dirty="0"/>
               <a:t>Create/Remove directory – </a:t>
             </a:r>
             <a:r>
@@ -6946,7 +7518,7 @@
 </p:sld>
 </file>
 
-<file path=ppt/slides/slide22.xml><?xml version="1.0" encoding="utf-8"?>
+<file path=ppt/slides/slide23.xml><?xml version="1.0" encoding="utf-8"?>
 <p:sld xmlns:a="http://schemas.openxmlformats.org/drawingml/2006/main" xmlns:r="http://schemas.openxmlformats.org/officeDocument/2006/relationships" xmlns:p="http://schemas.openxmlformats.org/presentationml/2006/main">
   <p:cSld>
     <p:spTree>
@@ -7162,7 +7734,7 @@
 </p:sld>
 </file>
 
-<file path=ppt/slides/slide23.xml><?xml version="1.0" encoding="utf-8"?>
+<file path=ppt/slides/slide24.xml><?xml version="1.0" encoding="utf-8"?>
 <p:sld xmlns:a="http://schemas.openxmlformats.org/drawingml/2006/main" xmlns:r="http://schemas.openxmlformats.org/officeDocument/2006/relationships" xmlns:p="http://schemas.openxmlformats.org/presentationml/2006/main">
   <p:cSld>
     <p:spTree>
@@ -7465,7 +8037,7 @@
 </p:sld>
 </file>
 
-<file path=ppt/slides/slide24.xml><?xml version="1.0" encoding="utf-8"?>
+<file path=ppt/slides/slide25.xml><?xml version="1.0" encoding="utf-8"?>
 <p:sld xmlns:a="http://schemas.openxmlformats.org/drawingml/2006/main" xmlns:r="http://schemas.openxmlformats.org/officeDocument/2006/relationships" xmlns:p="http://schemas.openxmlformats.org/presentationml/2006/main">
   <p:cSld>
     <p:spTree>
@@ -7897,7 +8469,7 @@
 </p:sld>
 </file>
 
-<file path=ppt/slides/slide25.xml><?xml version="1.0" encoding="utf-8"?>
+<file path=ppt/slides/slide26.xml><?xml version="1.0" encoding="utf-8"?>
 <p:sld xmlns:a="http://schemas.openxmlformats.org/drawingml/2006/main" xmlns:r="http://schemas.openxmlformats.org/officeDocument/2006/relationships" xmlns:p="http://schemas.openxmlformats.org/presentationml/2006/main">
   <p:cSld>
     <p:spTree>
@@ -8259,182 +8831,6 @@
 </p:sld>
 </file>
 
-<file path=ppt/slides/slide26.xml><?xml version="1.0" encoding="utf-8"?>
-<p:sld xmlns:a="http://schemas.openxmlformats.org/drawingml/2006/main" xmlns:r="http://schemas.openxmlformats.org/officeDocument/2006/relationships" xmlns:p="http://schemas.openxmlformats.org/presentationml/2006/main">
-  <p:cSld>
-    <p:spTree>
-      <p:nvGrpSpPr>
-        <p:cNvPr id="1" name=""/>
-        <p:cNvGrpSpPr/>
-        <p:nvPr/>
-      </p:nvGrpSpPr>
-      <p:grpSpPr>
-        <a:xfrm>
-          <a:off x="0" y="0"/>
-          <a:ext cx="0" cy="0"/>
-          <a:chOff x="0" y="0"/>
-          <a:chExt cx="0" cy="0"/>
-        </a:xfrm>
-      </p:grpSpPr>
-      <p:sp>
-        <p:nvSpPr>
-          <p:cNvPr id="2" name="Title 1"/>
-          <p:cNvSpPr>
-            <a:spLocks noGrp="1"/>
-          </p:cNvSpPr>
-          <p:nvPr>
-            <p:ph type="title"/>
-          </p:nvPr>
-        </p:nvSpPr>
-        <p:spPr/>
-        <p:txBody>
-          <a:bodyPr/>
-          <a:lstStyle/>
-          <a:p>
-            <a:r>
-              <a:rPr lang="en-US" dirty="0"/>
-              <a:t>Environment variables</a:t>
-            </a:r>
-          </a:p>
-        </p:txBody>
-      </p:sp>
-      <p:sp>
-        <p:nvSpPr>
-          <p:cNvPr id="3" name="Content Placeholder 2"/>
-          <p:cNvSpPr>
-            <a:spLocks noGrp="1"/>
-          </p:cNvSpPr>
-          <p:nvPr>
-            <p:ph idx="1"/>
-          </p:nvPr>
-        </p:nvSpPr>
-        <p:spPr>
-          <a:xfrm>
-            <a:off x="838200" y="1825625"/>
-            <a:ext cx="10829192" cy="4667250"/>
-          </a:xfrm>
-        </p:spPr>
-        <p:txBody>
-          <a:bodyPr>
-            <a:normAutofit/>
-          </a:bodyPr>
-          <a:lstStyle/>
-          <a:p>
-            <a:r>
-              <a:rPr lang="en-US" dirty="0"/>
-              <a:t>Environment variables can hold textual information stored within the system that can be used by OS programs</a:t>
-            </a:r>
-            <a:endParaRPr lang="en-US" b="1" dirty="0"/>
-          </a:p>
-          <a:p>
-            <a:endParaRPr lang="en-US" dirty="0"/>
-          </a:p>
-          <a:p>
-            <a:pPr lvl="1"/>
-            <a:r>
-              <a:rPr lang="en-US" b="1" i="1" dirty="0"/>
-              <a:t>env  </a:t>
-            </a:r>
-            <a:r>
-              <a:rPr lang="en-US" dirty="0"/>
-              <a:t>– Lists all of the environment variables in the shell</a:t>
-            </a:r>
-          </a:p>
-          <a:p>
-            <a:pPr lvl="1"/>
-            <a:r>
-              <a:rPr lang="en-US" b="1" i="1" dirty="0" err="1"/>
-              <a:t>printenv</a:t>
-            </a:r>
-            <a:r>
-              <a:rPr lang="en-US" b="1" i="1" dirty="0"/>
-              <a:t> </a:t>
-            </a:r>
-            <a:r>
-              <a:rPr lang="en-US" dirty="0"/>
-              <a:t>– Prints all (if no environment variable is specified) of environment variables and definitions of the current environment</a:t>
-            </a:r>
-          </a:p>
-          <a:p>
-            <a:pPr lvl="1"/>
-            <a:r>
-              <a:rPr lang="en-US" b="1" i="1" dirty="0"/>
-              <a:t>export</a:t>
-            </a:r>
-            <a:r>
-              <a:rPr lang="en-US" i="1" dirty="0"/>
-              <a:t> </a:t>
-            </a:r>
-            <a:r>
-              <a:rPr lang="en-US" dirty="0"/>
-              <a:t>– Assigns or defines an environment variable</a:t>
-            </a:r>
-          </a:p>
-          <a:p>
-            <a:pPr lvl="1"/>
-            <a:r>
-              <a:rPr lang="en-US" b="1" i="1" dirty="0"/>
-              <a:t>unset</a:t>
-            </a:r>
-            <a:r>
-              <a:rPr lang="en-US" dirty="0"/>
-              <a:t> – Deletes the environment variable</a:t>
-            </a:r>
-          </a:p>
-        </p:txBody>
-      </p:sp>
-      <p:cxnSp>
-        <p:nvCxnSpPr>
-          <p:cNvPr id="34" name="Straight Connector 33"/>
-          <p:cNvCxnSpPr>
-            <a:cxnSpLocks/>
-          </p:cNvCxnSpPr>
-          <p:nvPr/>
-        </p:nvCxnSpPr>
-        <p:spPr>
-          <a:xfrm>
-            <a:off x="944880" y="1295400"/>
-            <a:ext cx="10408920" cy="0"/>
-          </a:xfrm>
-          <a:prstGeom prst="line">
-            <a:avLst/>
-          </a:prstGeom>
-          <a:ln>
-            <a:solidFill>
-              <a:schemeClr val="accent1">
-                <a:lumMod val="75000"/>
-              </a:schemeClr>
-            </a:solidFill>
-          </a:ln>
-        </p:spPr>
-        <p:style>
-          <a:lnRef idx="1">
-            <a:schemeClr val="accent1"/>
-          </a:lnRef>
-          <a:fillRef idx="0">
-            <a:schemeClr val="accent1"/>
-          </a:fillRef>
-          <a:effectRef idx="0">
-            <a:schemeClr val="accent1"/>
-          </a:effectRef>
-          <a:fontRef idx="minor">
-            <a:schemeClr val="tx1"/>
-          </a:fontRef>
-        </p:style>
-      </p:cxnSp>
-    </p:spTree>
-    <p:extLst>
-      <p:ext uri="{BB962C8B-B14F-4D97-AF65-F5344CB8AC3E}">
-        <p14:creationId xmlns:p14="http://schemas.microsoft.com/office/powerpoint/2010/main" val="3031990214"/>
-      </p:ext>
-    </p:extLst>
-  </p:cSld>
-  <p:clrMapOvr>
-    <a:masterClrMapping/>
-  </p:clrMapOvr>
-</p:sld>
-</file>
-
 <file path=ppt/slides/slide27.xml><?xml version="1.0" encoding="utf-8"?>
 <p:sld xmlns:a="http://schemas.openxmlformats.org/drawingml/2006/main" xmlns:r="http://schemas.openxmlformats.org/officeDocument/2006/relationships" xmlns:p="http://schemas.openxmlformats.org/presentationml/2006/main">
   <p:cSld>
@@ -8469,13 +8865,8 @@
           <a:p>
             <a:r>
               <a:rPr lang="en-US" dirty="0"/>
-              <a:t>The </a:t>
-            </a:r>
-            <a:r>
-              <a:rPr lang="en-US" dirty="0" err="1"/>
-              <a:t>Makefile</a:t>
-            </a:r>
-            <a:endParaRPr lang="en-US" dirty="0"/>
+              <a:t>Environment variables</a:t>
+            </a:r>
           </a:p>
         </p:txBody>
       </p:sp>
@@ -8491,8 +8882,8 @@
         </p:nvSpPr>
         <p:spPr>
           <a:xfrm>
-            <a:off x="838200" y="1825624"/>
-            <a:ext cx="10829192" cy="3065347"/>
+            <a:off x="838200" y="1825625"/>
+            <a:ext cx="10829192" cy="4667250"/>
           </a:xfrm>
         </p:spPr>
         <p:txBody>
@@ -8503,14 +8894,63 @@
           <a:p>
             <a:r>
               <a:rPr lang="en-US" dirty="0"/>
-              <a:t>Small programs</a:t>
-            </a:r>
+              <a:t>Environment variables can hold textual information stored within the system that can be used by OS programs</a:t>
+            </a:r>
+            <a:endParaRPr lang="en-US" b="1" dirty="0"/>
+          </a:p>
+          <a:p>
+            <a:endParaRPr lang="en-US" dirty="0"/>
           </a:p>
           <a:p>
             <a:pPr lvl="1"/>
             <a:r>
+              <a:rPr lang="en-US" b="1" i="1" dirty="0"/>
+              <a:t>env  </a:t>
+            </a:r>
+            <a:r>
               <a:rPr lang="en-US" dirty="0"/>
-              <a:t>single file </a:t>
+              <a:t>– Lists all of the environment variables in the shell</a:t>
+            </a:r>
+          </a:p>
+          <a:p>
+            <a:pPr lvl="1"/>
+            <a:r>
+              <a:rPr lang="en-US" b="1" i="1" dirty="0" err="1"/>
+              <a:t>printenv</a:t>
+            </a:r>
+            <a:r>
+              <a:rPr lang="en-US" b="1" i="1" dirty="0"/>
+              <a:t> </a:t>
+            </a:r>
+            <a:r>
+              <a:rPr lang="en-US" dirty="0"/>
+              <a:t>– Prints all (if no environment variable is specified) of environment variables and definitions of the current environment</a:t>
+            </a:r>
+          </a:p>
+          <a:p>
+            <a:pPr lvl="1"/>
+            <a:r>
+              <a:rPr lang="en-US" b="1" i="1" dirty="0"/>
+              <a:t>export</a:t>
+            </a:r>
+            <a:r>
+              <a:rPr lang="en-US" i="1" dirty="0"/>
+              <a:t> </a:t>
+            </a:r>
+            <a:r>
+              <a:rPr lang="en-US" dirty="0"/>
+              <a:t>– Assigns or defines an environment variable</a:t>
+            </a:r>
+          </a:p>
+          <a:p>
+            <a:pPr lvl="1"/>
+            <a:r>
+              <a:rPr lang="en-US" b="1" i="1" dirty="0"/>
+              <a:t>unset</a:t>
+            </a:r>
+            <a:r>
+              <a:rPr lang="en-US" dirty="0"/>
+              <a:t> – Deletes the environment variable</a:t>
             </a:r>
           </a:p>
         </p:txBody>
@@ -8557,7 +8997,7 @@
     </p:spTree>
     <p:extLst>
       <p:ext uri="{BB962C8B-B14F-4D97-AF65-F5344CB8AC3E}">
-        <p14:creationId xmlns:p14="http://schemas.microsoft.com/office/powerpoint/2010/main" val="3555406104"/>
+        <p14:creationId xmlns:p14="http://schemas.microsoft.com/office/powerpoint/2010/main" val="3031990214"/>
       </p:ext>
     </p:extLst>
   </p:cSld>
@@ -8635,7 +9075,7 @@
           <a:p>
             <a:r>
               <a:rPr lang="en-US" dirty="0"/>
-              <a:t>Small programs (easy to compile)</a:t>
+              <a:t>Small programs</a:t>
             </a:r>
           </a:p>
           <a:p>
@@ -8686,128 +9126,10 @@
           </a:fontRef>
         </p:style>
       </p:cxnSp>
-      <p:sp>
-        <p:nvSpPr>
-          <p:cNvPr id="6" name="TextBox 5">
-            <a:extLst>
-              <a:ext uri="{FF2B5EF4-FFF2-40B4-BE49-F238E27FC236}">
-                <a16:creationId xmlns:a16="http://schemas.microsoft.com/office/drawing/2014/main" id="{5DA95364-04BD-40BB-B3D7-106D5FE10585}"/>
-              </a:ext>
-            </a:extLst>
-          </p:cNvPr>
-          <p:cNvSpPr txBox="1"/>
-          <p:nvPr/>
-        </p:nvSpPr>
-        <p:spPr>
-          <a:xfrm>
-            <a:off x="838200" y="3666868"/>
-            <a:ext cx="10934700" cy="1754326"/>
-          </a:xfrm>
-          <a:prstGeom prst="rect">
-            <a:avLst/>
-          </a:prstGeom>
-          <a:solidFill>
-            <a:schemeClr val="tx1"/>
-          </a:solidFill>
-        </p:spPr>
-        <p:txBody>
-          <a:bodyPr wrap="square" rtlCol="0">
-            <a:spAutoFit/>
-          </a:bodyPr>
-          <a:lstStyle/>
-          <a:p>
-            <a:r>
-              <a:rPr lang="en-US" dirty="0">
-                <a:solidFill>
-                  <a:schemeClr val="bg1"/>
-                </a:solidFill>
-                <a:latin typeface="Consolas" panose="020B0609020204030204" pitchFamily="49" charset="0"/>
-              </a:rPr>
-              <a:t>~home-laptop-&gt;$ </a:t>
-            </a:r>
-            <a:r>
-              <a:rPr lang="en-US" b="1" dirty="0" err="1">
-                <a:solidFill>
-                  <a:srgbClr val="FFFF00"/>
-                </a:solidFill>
-                <a:latin typeface="Consolas" panose="020B0609020204030204" pitchFamily="49" charset="0"/>
-              </a:rPr>
-              <a:t>gcc</a:t>
-            </a:r>
-            <a:r>
-              <a:rPr lang="en-US" b="1" dirty="0">
-                <a:solidFill>
-                  <a:srgbClr val="FFFF00"/>
-                </a:solidFill>
-                <a:latin typeface="Consolas" panose="020B0609020204030204" pitchFamily="49" charset="0"/>
-              </a:rPr>
-              <a:t> </a:t>
-            </a:r>
-            <a:r>
-              <a:rPr lang="en-US" b="1" dirty="0" err="1">
-                <a:solidFill>
-                  <a:srgbClr val="FFFF00"/>
-                </a:solidFill>
-                <a:latin typeface="Consolas" panose="020B0609020204030204" pitchFamily="49" charset="0"/>
-              </a:rPr>
-              <a:t>main.c</a:t>
-            </a:r>
-            <a:r>
-              <a:rPr lang="en-US" b="1" dirty="0">
-                <a:solidFill>
-                  <a:srgbClr val="FFFF00"/>
-                </a:solidFill>
-                <a:latin typeface="Consolas" panose="020B0609020204030204" pitchFamily="49" charset="0"/>
-              </a:rPr>
-              <a:t> –o calculator  </a:t>
-            </a:r>
-          </a:p>
-          <a:p>
-            <a:endParaRPr lang="en-US" dirty="0">
-              <a:solidFill>
-                <a:schemeClr val="bg1"/>
-              </a:solidFill>
-              <a:latin typeface="Consolas" panose="020B0609020204030204" pitchFamily="49" charset="0"/>
-            </a:endParaRPr>
-          </a:p>
-          <a:p>
-            <a:endParaRPr lang="en-US" dirty="0">
-              <a:solidFill>
-                <a:schemeClr val="bg1"/>
-              </a:solidFill>
-              <a:latin typeface="Consolas" panose="020B0609020204030204" pitchFamily="49" charset="0"/>
-            </a:endParaRPr>
-          </a:p>
-          <a:p>
-            <a:endParaRPr lang="en-US" dirty="0">
-              <a:solidFill>
-                <a:schemeClr val="bg1"/>
-              </a:solidFill>
-              <a:latin typeface="Consolas" panose="020B0609020204030204" pitchFamily="49" charset="0"/>
-            </a:endParaRPr>
-          </a:p>
-          <a:p>
-            <a:endParaRPr lang="en-US" dirty="0">
-              <a:solidFill>
-                <a:schemeClr val="bg1"/>
-              </a:solidFill>
-              <a:latin typeface="Consolas" panose="020B0609020204030204" pitchFamily="49" charset="0"/>
-            </a:endParaRPr>
-          </a:p>
-          <a:p>
-            <a:endParaRPr lang="en-US" dirty="0">
-              <a:solidFill>
-                <a:schemeClr val="bg1"/>
-              </a:solidFill>
-              <a:latin typeface="Consolas" panose="020B0609020204030204" pitchFamily="49" charset="0"/>
-            </a:endParaRPr>
-          </a:p>
-        </p:txBody>
-      </p:sp>
     </p:spTree>
     <p:extLst>
       <p:ext uri="{BB962C8B-B14F-4D97-AF65-F5344CB8AC3E}">
-        <p14:creationId xmlns:p14="http://schemas.microsoft.com/office/powerpoint/2010/main" val="56719509"/>
+        <p14:creationId xmlns:p14="http://schemas.microsoft.com/office/powerpoint/2010/main" val="3555406104"/>
       </p:ext>
     </p:extLst>
   </p:cSld>
@@ -8895,19 +9217,6 @@
               <a:t>single file </a:t>
             </a:r>
           </a:p>
-          <a:p>
-            <a:r>
-              <a:rPr lang="en-US" dirty="0"/>
-              <a:t>Bigger programs</a:t>
-            </a:r>
-          </a:p>
-          <a:p>
-            <a:pPr lvl="1"/>
-            <a:r>
-              <a:rPr lang="en-US" dirty="0"/>
-              <a:t>multiple files</a:t>
-            </a:r>
-          </a:p>
         </p:txBody>
       </p:sp>
       <p:cxnSp>
@@ -8951,281 +9260,126 @@
       </p:cxnSp>
       <p:sp>
         <p:nvSpPr>
-          <p:cNvPr id="5" name="Rectangle 22">
+          <p:cNvPr id="6" name="TextBox 5">
             <a:extLst>
               <a:ext uri="{FF2B5EF4-FFF2-40B4-BE49-F238E27FC236}">
-                <a16:creationId xmlns:a16="http://schemas.microsoft.com/office/drawing/2014/main" id="{E38FA2D7-7CF2-4859-BCD1-4AA0DD542C73}"/>
+                <a16:creationId xmlns:a16="http://schemas.microsoft.com/office/drawing/2014/main" id="{5DA95364-04BD-40BB-B3D7-106D5FE10585}"/>
               </a:ext>
             </a:extLst>
           </p:cNvPr>
-          <p:cNvSpPr>
-            <a:spLocks noChangeArrowheads="1"/>
-          </p:cNvSpPr>
-          <p:nvPr/>
-        </p:nvSpPr>
-        <p:spPr bwMode="auto">
-          <a:xfrm>
-            <a:off x="4906108" y="4890971"/>
-            <a:ext cx="1752600" cy="381000"/>
+          <p:cNvSpPr txBox="1"/>
+          <p:nvPr/>
+        </p:nvSpPr>
+        <p:spPr>
+          <a:xfrm>
+            <a:off x="838200" y="3666868"/>
+            <a:ext cx="10934700" cy="1754326"/>
           </a:xfrm>
           <a:prstGeom prst="rect">
             <a:avLst/>
           </a:prstGeom>
           <a:solidFill>
-            <a:schemeClr val="bg1"/>
+            <a:schemeClr val="tx1"/>
           </a:solidFill>
-          <a:ln w="9525">
-            <a:solidFill>
-              <a:schemeClr val="tx1"/>
-            </a:solidFill>
-            <a:miter lim="800000"/>
-            <a:headEnd/>
-            <a:tailEnd/>
-          </a:ln>
-          <a:effectLst/>
-          <a:extLst>
-            <a:ext uri="{AF507438-7753-43E0-B8FC-AC1667EBCBE1}">
-              <a14:hiddenEffects xmlns:a14="http://schemas.microsoft.com/office/drawing/2010/main">
-                <a:effectLst>
-                  <a:outerShdw dist="35921" dir="2700000" algn="ctr" rotWithShape="0">
-                    <a:schemeClr val="bg2"/>
-                  </a:outerShdw>
-                </a:effectLst>
-              </a14:hiddenEffects>
-            </a:ext>
-          </a:extLst>
-        </p:spPr>
-        <p:txBody>
-          <a:bodyPr wrap="none" anchor="ctr"/>
-          <a:lstStyle/>
-          <a:p>
-            <a:pPr algn="ctr"/>
-            <a:r>
-              <a:rPr lang="en-US" altLang="en-US"/>
-              <a:t>sum.c</a:t>
-            </a:r>
-          </a:p>
-        </p:txBody>
-      </p:sp>
-      <p:sp>
-        <p:nvSpPr>
-          <p:cNvPr id="6" name="Rectangle 23">
-            <a:extLst>
-              <a:ext uri="{FF2B5EF4-FFF2-40B4-BE49-F238E27FC236}">
-                <a16:creationId xmlns:a16="http://schemas.microsoft.com/office/drawing/2014/main" id="{A534B891-6110-4FEA-8422-35E4B62583EA}"/>
-              </a:ext>
-            </a:extLst>
-          </p:cNvPr>
-          <p:cNvSpPr>
-            <a:spLocks noChangeArrowheads="1"/>
-          </p:cNvSpPr>
-          <p:nvPr/>
-        </p:nvSpPr>
-        <p:spPr bwMode="auto">
-          <a:xfrm>
-            <a:off x="6963508" y="4890971"/>
-            <a:ext cx="1752600" cy="381000"/>
-          </a:xfrm>
-          <a:prstGeom prst="rect">
-            <a:avLst/>
-          </a:prstGeom>
-          <a:solidFill>
-            <a:schemeClr val="bg1"/>
-          </a:solidFill>
-          <a:ln w="9525">
-            <a:solidFill>
-              <a:schemeClr val="tx1"/>
-            </a:solidFill>
-            <a:miter lim="800000"/>
-            <a:headEnd/>
-            <a:tailEnd/>
-          </a:ln>
-          <a:effectLst/>
-          <a:extLst>
-            <a:ext uri="{AF507438-7753-43E0-B8FC-AC1667EBCBE1}">
-              <a14:hiddenEffects xmlns:a14="http://schemas.microsoft.com/office/drawing/2010/main">
-                <a:effectLst>
-                  <a:outerShdw dist="35921" dir="2700000" algn="ctr" rotWithShape="0">
-                    <a:schemeClr val="bg2"/>
-                  </a:outerShdw>
-                </a:effectLst>
-              </a14:hiddenEffects>
-            </a:ext>
-          </a:extLst>
-        </p:spPr>
-        <p:txBody>
-          <a:bodyPr wrap="none" anchor="ctr"/>
-          <a:lstStyle/>
-          <a:p>
-            <a:pPr algn="ctr"/>
-            <a:r>
-              <a:rPr lang="en-US" altLang="en-US"/>
-              <a:t>sum.h</a:t>
-            </a:r>
-          </a:p>
-        </p:txBody>
-      </p:sp>
-      <p:sp>
-        <p:nvSpPr>
-          <p:cNvPr id="8" name="Rectangle 25">
-            <a:extLst>
-              <a:ext uri="{FF2B5EF4-FFF2-40B4-BE49-F238E27FC236}">
-                <a16:creationId xmlns:a16="http://schemas.microsoft.com/office/drawing/2014/main" id="{5B85A01F-A856-482F-A8B3-4A37D5C2B97C}"/>
-              </a:ext>
-            </a:extLst>
-          </p:cNvPr>
-          <p:cNvSpPr>
-            <a:spLocks noChangeArrowheads="1"/>
-          </p:cNvSpPr>
-          <p:nvPr/>
-        </p:nvSpPr>
-        <p:spPr bwMode="auto">
-          <a:xfrm>
-            <a:off x="2426678" y="4890971"/>
-            <a:ext cx="1752600" cy="381000"/>
-          </a:xfrm>
-          <a:prstGeom prst="rect">
-            <a:avLst/>
-          </a:prstGeom>
-          <a:solidFill>
-            <a:schemeClr val="bg1"/>
-          </a:solidFill>
-          <a:ln w="9525">
-            <a:solidFill>
-              <a:schemeClr val="tx1"/>
-            </a:solidFill>
-            <a:miter lim="800000"/>
-            <a:headEnd/>
-            <a:tailEnd/>
-          </a:ln>
-          <a:effectLst/>
-          <a:extLst>
-            <a:ext uri="{AF507438-7753-43E0-B8FC-AC1667EBCBE1}">
-              <a14:hiddenEffects xmlns:a14="http://schemas.microsoft.com/office/drawing/2010/main">
-                <a:effectLst>
-                  <a:outerShdw dist="35921" dir="2700000" algn="ctr" rotWithShape="0">
-                    <a:schemeClr val="bg2"/>
-                  </a:outerShdw>
-                </a:effectLst>
-              </a14:hiddenEffects>
-            </a:ext>
-          </a:extLst>
-        </p:spPr>
-        <p:txBody>
-          <a:bodyPr wrap="none" anchor="ctr"/>
-          <a:lstStyle/>
-          <a:p>
-            <a:pPr algn="ctr"/>
-            <a:r>
-              <a:rPr lang="en-US" altLang="en-US"/>
+        </p:spPr>
+        <p:txBody>
+          <a:bodyPr wrap="square" rtlCol="0">
+            <a:spAutoFit/>
+          </a:bodyPr>
+          <a:lstStyle/>
+          <a:p>
+            <a:r>
+              <a:rPr lang="en-US" dirty="0">
+                <a:solidFill>
+                  <a:schemeClr val="bg1"/>
+                </a:solidFill>
+                <a:latin typeface="Consolas" panose="020B0609020204030204" pitchFamily="49" charset="0"/>
+              </a:rPr>
+              <a:t>~home-laptop-&gt;$ </a:t>
+            </a:r>
+            <a:r>
+              <a:rPr lang="en-US" b="1" dirty="0" err="1">
+                <a:solidFill>
+                  <a:srgbClr val="FFFF00"/>
+                </a:solidFill>
+                <a:latin typeface="Consolas" panose="020B0609020204030204" pitchFamily="49" charset="0"/>
+              </a:rPr>
+              <a:t>gcc</a:t>
+            </a:r>
+            <a:r>
+              <a:rPr lang="en-US" b="1" dirty="0">
+                <a:solidFill>
+                  <a:srgbClr val="FFFF00"/>
+                </a:solidFill>
+                <a:latin typeface="Consolas" panose="020B0609020204030204" pitchFamily="49" charset="0"/>
+              </a:rPr>
+              <a:t> </a:t>
+            </a:r>
+            <a:r>
+              <a:rPr lang="en-US" b="1" dirty="0" err="1">
+                <a:solidFill>
+                  <a:srgbClr val="FFFF00"/>
+                </a:solidFill>
+                <a:latin typeface="Consolas" panose="020B0609020204030204" pitchFamily="49" charset="0"/>
+              </a:rPr>
               <a:t>main.c</a:t>
             </a:r>
-          </a:p>
-        </p:txBody>
-      </p:sp>
-      <p:cxnSp>
-        <p:nvCxnSpPr>
-          <p:cNvPr id="9" name="Connector: Curved 8">
-            <a:extLst>
-              <a:ext uri="{FF2B5EF4-FFF2-40B4-BE49-F238E27FC236}">
-                <a16:creationId xmlns:a16="http://schemas.microsoft.com/office/drawing/2014/main" id="{77D38ED4-2C42-447F-AAB1-BAA9E55D5956}"/>
-              </a:ext>
-            </a:extLst>
-          </p:cNvPr>
-          <p:cNvCxnSpPr>
-            <a:stCxn id="8" idx="0"/>
-            <a:endCxn id="5" idx="0"/>
-          </p:cNvCxnSpPr>
-          <p:nvPr/>
-        </p:nvCxnSpPr>
-        <p:spPr>
-          <a:xfrm rot="5400000" flipH="1" flipV="1">
-            <a:off x="4542693" y="3651256"/>
-            <a:ext cx="12700" cy="2479430"/>
-          </a:xfrm>
-          <a:prstGeom prst="curvedConnector3">
-            <a:avLst>
-              <a:gd name="adj1" fmla="val 3392307"/>
-            </a:avLst>
-          </a:prstGeom>
-          <a:ln>
-            <a:solidFill>
-              <a:schemeClr val="accent1">
-                <a:lumMod val="75000"/>
-              </a:schemeClr>
-            </a:solidFill>
-            <a:tailEnd type="triangle"/>
-          </a:ln>
-        </p:spPr>
-        <p:style>
-          <a:lnRef idx="1">
-            <a:schemeClr val="accent1"/>
-          </a:lnRef>
-          <a:fillRef idx="0">
-            <a:schemeClr val="accent1"/>
-          </a:fillRef>
-          <a:effectRef idx="0">
-            <a:schemeClr val="accent1"/>
-          </a:effectRef>
-          <a:fontRef idx="minor">
-            <a:schemeClr val="tx1"/>
-          </a:fontRef>
-        </p:style>
-      </p:cxnSp>
-      <p:cxnSp>
-        <p:nvCxnSpPr>
-          <p:cNvPr id="12" name="Connector: Curved 11">
-            <a:extLst>
-              <a:ext uri="{FF2B5EF4-FFF2-40B4-BE49-F238E27FC236}">
-                <a16:creationId xmlns:a16="http://schemas.microsoft.com/office/drawing/2014/main" id="{BB4126E9-CE04-4A5B-9D1F-C8363482662C}"/>
-              </a:ext>
-            </a:extLst>
-          </p:cNvPr>
-          <p:cNvCxnSpPr>
-            <a:cxnSpLocks/>
-            <a:stCxn id="5" idx="2"/>
-            <a:endCxn id="6" idx="2"/>
-          </p:cNvCxnSpPr>
-          <p:nvPr/>
-        </p:nvCxnSpPr>
-        <p:spPr>
-          <a:xfrm rot="16200000" flipH="1">
-            <a:off x="6811108" y="4243271"/>
-            <a:ext cx="12700" cy="2057400"/>
-          </a:xfrm>
-          <a:prstGeom prst="curvedConnector3">
-            <a:avLst>
-              <a:gd name="adj1" fmla="val 3115378"/>
-            </a:avLst>
-          </a:prstGeom>
-          <a:ln>
-            <a:solidFill>
-              <a:schemeClr val="accent1">
-                <a:lumMod val="75000"/>
-              </a:schemeClr>
-            </a:solidFill>
-            <a:tailEnd type="triangle"/>
-          </a:ln>
-        </p:spPr>
-        <p:style>
-          <a:lnRef idx="1">
-            <a:schemeClr val="accent1"/>
-          </a:lnRef>
-          <a:fillRef idx="0">
-            <a:schemeClr val="accent1"/>
-          </a:fillRef>
-          <a:effectRef idx="0">
-            <a:schemeClr val="accent1"/>
-          </a:effectRef>
-          <a:fontRef idx="minor">
-            <a:schemeClr val="tx1"/>
-          </a:fontRef>
-        </p:style>
-      </p:cxnSp>
+            <a:r>
+              <a:rPr lang="en-US" b="1" dirty="0">
+                <a:solidFill>
+                  <a:srgbClr val="FFFF00"/>
+                </a:solidFill>
+                <a:latin typeface="Consolas" panose="020B0609020204030204" pitchFamily="49" charset="0"/>
+              </a:rPr>
+              <a:t> –o calculator  </a:t>
+            </a:r>
+          </a:p>
+          <a:p>
+            <a:endParaRPr lang="en-US" dirty="0">
+              <a:solidFill>
+                <a:schemeClr val="bg1"/>
+              </a:solidFill>
+              <a:latin typeface="Consolas" panose="020B0609020204030204" pitchFamily="49" charset="0"/>
+            </a:endParaRPr>
+          </a:p>
+          <a:p>
+            <a:endParaRPr lang="en-US" dirty="0">
+              <a:solidFill>
+                <a:schemeClr val="bg1"/>
+              </a:solidFill>
+              <a:latin typeface="Consolas" panose="020B0609020204030204" pitchFamily="49" charset="0"/>
+            </a:endParaRPr>
+          </a:p>
+          <a:p>
+            <a:endParaRPr lang="en-US" dirty="0">
+              <a:solidFill>
+                <a:schemeClr val="bg1"/>
+              </a:solidFill>
+              <a:latin typeface="Consolas" panose="020B0609020204030204" pitchFamily="49" charset="0"/>
+            </a:endParaRPr>
+          </a:p>
+          <a:p>
+            <a:endParaRPr lang="en-US" dirty="0">
+              <a:solidFill>
+                <a:schemeClr val="bg1"/>
+              </a:solidFill>
+              <a:latin typeface="Consolas" panose="020B0609020204030204" pitchFamily="49" charset="0"/>
+            </a:endParaRPr>
+          </a:p>
+          <a:p>
+            <a:endParaRPr lang="en-US" dirty="0">
+              <a:solidFill>
+                <a:schemeClr val="bg1"/>
+              </a:solidFill>
+              <a:latin typeface="Consolas" panose="020B0609020204030204" pitchFamily="49" charset="0"/>
+            </a:endParaRPr>
+          </a:p>
+        </p:txBody>
+      </p:sp>
     </p:spTree>
     <p:extLst>
       <p:ext uri="{BB962C8B-B14F-4D97-AF65-F5344CB8AC3E}">
-        <p14:creationId xmlns:p14="http://schemas.microsoft.com/office/powerpoint/2010/main" val="4087988062"/>
+        <p14:creationId xmlns:p14="http://schemas.microsoft.com/office/powerpoint/2010/main" val="56719509"/>
       </p:ext>
     </p:extLst>
   </p:cSld>
@@ -9254,7 +9408,13 @@
       </p:grpSpPr>
       <p:sp>
         <p:nvSpPr>
-          <p:cNvPr id="2" name="Title 1"/>
+          <p:cNvPr id="2" name="Title 1">
+            <a:extLst>
+              <a:ext uri="{FF2B5EF4-FFF2-40B4-BE49-F238E27FC236}">
+                <a16:creationId xmlns:a16="http://schemas.microsoft.com/office/drawing/2014/main" id="{3BFB7D7C-E0C1-CC46-B5B8-34BD4A7212D8}"/>
+              </a:ext>
+            </a:extLst>
+          </p:cNvPr>
           <p:cNvSpPr>
             <a:spLocks noGrp="1"/>
           </p:cNvSpPr>
@@ -9269,14 +9429,20 @@
           <a:p>
             <a:r>
               <a:rPr lang="en-US" dirty="0"/>
-              <a:t>CS 1550 – Introduction to Operating Systems </a:t>
-            </a:r>
-          </a:p>
-        </p:txBody>
-      </p:sp>
-      <p:sp>
-        <p:nvSpPr>
-          <p:cNvPr id="3" name="Content Placeholder 2"/>
+              <a:t>Recitation slides</a:t>
+            </a:r>
+          </a:p>
+        </p:txBody>
+      </p:sp>
+      <p:sp>
+        <p:nvSpPr>
+          <p:cNvPr id="3" name="Content Placeholder 2">
+            <a:extLst>
+              <a:ext uri="{FF2B5EF4-FFF2-40B4-BE49-F238E27FC236}">
+                <a16:creationId xmlns:a16="http://schemas.microsoft.com/office/drawing/2014/main" id="{57489B7C-CF7E-134E-AACC-0A88114E3806}"/>
+              </a:ext>
+            </a:extLst>
+          </p:cNvPr>
           <p:cNvSpPr>
             <a:spLocks noGrp="1"/>
           </p:cNvSpPr>
@@ -9284,250 +9450,39 @@
             <p:ph idx="1"/>
           </p:nvPr>
         </p:nvSpPr>
-        <p:spPr>
-          <a:xfrm>
-            <a:off x="838200" y="1825625"/>
-            <a:ext cx="10515600" cy="4351338"/>
-          </a:xfrm>
-        </p:spPr>
+        <p:spPr/>
         <p:txBody>
           <a:bodyPr/>
           <a:lstStyle/>
           <a:p>
             <a:r>
               <a:rPr lang="en-US" dirty="0"/>
-              <a:t>Common operating systems abstractions and mechanisms</a:t>
-            </a:r>
-          </a:p>
-        </p:txBody>
-      </p:sp>
-      <p:cxnSp>
-        <p:nvCxnSpPr>
-          <p:cNvPr id="5" name="Straight Connector 4"/>
-          <p:cNvCxnSpPr>
-            <a:cxnSpLocks/>
-          </p:cNvCxnSpPr>
-          <p:nvPr/>
-        </p:nvCxnSpPr>
-        <p:spPr>
-          <a:xfrm>
-            <a:off x="944880" y="1295400"/>
-            <a:ext cx="10408920" cy="0"/>
-          </a:xfrm>
-          <a:prstGeom prst="line">
-            <a:avLst/>
-          </a:prstGeom>
-          <a:ln>
-            <a:solidFill>
-              <a:schemeClr val="accent1">
-                <a:lumMod val="75000"/>
-              </a:schemeClr>
-            </a:solidFill>
-          </a:ln>
-        </p:spPr>
-        <p:style>
-          <a:lnRef idx="1">
-            <a:schemeClr val="accent1"/>
-          </a:lnRef>
-          <a:fillRef idx="0">
-            <a:schemeClr val="accent1"/>
-          </a:fillRef>
-          <a:effectRef idx="0">
-            <a:schemeClr val="accent1"/>
-          </a:effectRef>
-          <a:fontRef idx="minor">
-            <a:schemeClr val="tx1"/>
-          </a:fontRef>
-        </p:style>
-      </p:cxnSp>
-      <p:pic>
-        <p:nvPicPr>
-          <p:cNvPr id="2052" name="Picture 4" descr="Related image">
-            <a:extLst>
-              <a:ext uri="{FF2B5EF4-FFF2-40B4-BE49-F238E27FC236}">
-                <a16:creationId xmlns:a16="http://schemas.microsoft.com/office/drawing/2014/main" id="{2D658FFC-A624-4A17-8DA4-F7E23C86077F}"/>
-              </a:ext>
-            </a:extLst>
-          </p:cNvPr>
-          <p:cNvPicPr>
-            <a:picLocks noChangeAspect="1" noChangeArrowheads="1"/>
-          </p:cNvPicPr>
-          <p:nvPr/>
-        </p:nvPicPr>
-        <p:blipFill rotWithShape="1">
-          <a:blip r:embed="rId2">
-            <a:extLst>
-              <a:ext uri="{28A0092B-C50C-407E-A947-70E740481C1C}">
-                <a14:useLocalDpi xmlns:a14="http://schemas.microsoft.com/office/drawing/2010/main" val="0"/>
-              </a:ext>
-            </a:extLst>
-          </a:blip>
-          <a:srcRect l="18204" t="5812" r="53466" b="11840"/>
-          <a:stretch/>
-        </p:blipFill>
-        <p:spPr bwMode="auto">
-          <a:xfrm>
-            <a:off x="2383816" y="4001294"/>
-            <a:ext cx="1124315" cy="1598689"/>
-          </a:xfrm>
-          <a:prstGeom prst="rect">
-            <a:avLst/>
-          </a:prstGeom>
-          <a:noFill/>
-          <a:extLst>
-            <a:ext uri="{909E8E84-426E-40DD-AFC4-6F175D3DCCD1}">
-              <a14:hiddenFill xmlns:a14="http://schemas.microsoft.com/office/drawing/2010/main">
-                <a:solidFill>
-                  <a:srgbClr val="FFFFFF"/>
-                </a:solidFill>
-              </a14:hiddenFill>
-            </a:ext>
-          </a:extLst>
-        </p:spPr>
-      </p:pic>
-      <p:pic>
-        <p:nvPicPr>
-          <p:cNvPr id="8" name="Picture 4" descr="Related image">
-            <a:extLst>
-              <a:ext uri="{FF2B5EF4-FFF2-40B4-BE49-F238E27FC236}">
-                <a16:creationId xmlns:a16="http://schemas.microsoft.com/office/drawing/2014/main" id="{86A2132F-E685-4165-8B03-BAE444E96BC9}"/>
-              </a:ext>
-            </a:extLst>
-          </p:cNvPr>
-          <p:cNvPicPr>
-            <a:picLocks noChangeAspect="1" noChangeArrowheads="1"/>
-          </p:cNvPicPr>
-          <p:nvPr/>
-        </p:nvPicPr>
-        <p:blipFill rotWithShape="1">
-          <a:blip r:embed="rId2">
-            <a:extLst>
-              <a:ext uri="{28A0092B-C50C-407E-A947-70E740481C1C}">
-                <a14:useLocalDpi xmlns:a14="http://schemas.microsoft.com/office/drawing/2010/main" val="0"/>
-              </a:ext>
-            </a:extLst>
-          </a:blip>
-          <a:srcRect l="47106" t="5812" r="24564" b="11840"/>
-          <a:stretch/>
-        </p:blipFill>
-        <p:spPr bwMode="auto">
-          <a:xfrm>
-            <a:off x="4175249" y="4022387"/>
-            <a:ext cx="1124315" cy="1598689"/>
-          </a:xfrm>
-          <a:prstGeom prst="rect">
-            <a:avLst/>
-          </a:prstGeom>
-          <a:noFill/>
-          <a:extLst>
-            <a:ext uri="{909E8E84-426E-40DD-AFC4-6F175D3DCCD1}">
-              <a14:hiddenFill xmlns:a14="http://schemas.microsoft.com/office/drawing/2010/main">
-                <a:solidFill>
-                  <a:srgbClr val="FFFFFF"/>
-                </a:solidFill>
-              </a14:hiddenFill>
-            </a:ext>
-          </a:extLst>
-        </p:spPr>
-      </p:pic>
-      <p:pic>
-        <p:nvPicPr>
-          <p:cNvPr id="2058" name="Picture 10" descr="Related image">
-            <a:extLst>
-              <a:ext uri="{FF2B5EF4-FFF2-40B4-BE49-F238E27FC236}">
-                <a16:creationId xmlns:a16="http://schemas.microsoft.com/office/drawing/2014/main" id="{D70ECD19-B963-4D7C-89BE-F07A5D2F6E1D}"/>
-              </a:ext>
-            </a:extLst>
-          </p:cNvPr>
-          <p:cNvPicPr>
-            <a:picLocks noChangeAspect="1" noChangeArrowheads="1"/>
-          </p:cNvPicPr>
-          <p:nvPr/>
-        </p:nvPicPr>
-        <p:blipFill>
-          <a:blip r:embed="rId3">
-            <a:extLst>
-              <a:ext uri="{28A0092B-C50C-407E-A947-70E740481C1C}">
-                <a14:useLocalDpi xmlns:a14="http://schemas.microsoft.com/office/drawing/2010/main" val="0"/>
-              </a:ext>
-            </a:extLst>
-          </a:blip>
-          <a:srcRect/>
-          <a:stretch>
-            <a:fillRect/>
-          </a:stretch>
-        </p:blipFill>
-        <p:spPr bwMode="auto">
-          <a:xfrm>
-            <a:off x="5966682" y="4252926"/>
-            <a:ext cx="1347057" cy="1347057"/>
-          </a:xfrm>
-          <a:prstGeom prst="rect">
-            <a:avLst/>
-          </a:prstGeom>
-          <a:noFill/>
-          <a:extLst>
-            <a:ext uri="{909E8E84-426E-40DD-AFC4-6F175D3DCCD1}">
-              <a14:hiddenFill xmlns:a14="http://schemas.microsoft.com/office/drawing/2010/main">
-                <a:solidFill>
-                  <a:srgbClr val="FFFFFF"/>
-                </a:solidFill>
-              </a14:hiddenFill>
-            </a:ext>
-          </a:extLst>
-        </p:spPr>
-      </p:pic>
-      <p:pic>
-        <p:nvPicPr>
-          <p:cNvPr id="2062" name="Picture 14" descr="Image result for ubuntu logo">
-            <a:extLst>
-              <a:ext uri="{FF2B5EF4-FFF2-40B4-BE49-F238E27FC236}">
-                <a16:creationId xmlns:a16="http://schemas.microsoft.com/office/drawing/2014/main" id="{899B8B08-71ED-4EE9-A75C-67CD027A61C2}"/>
-              </a:ext>
-            </a:extLst>
-          </p:cNvPr>
-          <p:cNvPicPr>
-            <a:picLocks noChangeAspect="1" noChangeArrowheads="1"/>
-          </p:cNvPicPr>
-          <p:nvPr/>
-        </p:nvPicPr>
-        <p:blipFill>
-          <a:blip r:embed="rId4">
-            <a:extLst>
-              <a:ext uri="{28A0092B-C50C-407E-A947-70E740481C1C}">
-                <a14:useLocalDpi xmlns:a14="http://schemas.microsoft.com/office/drawing/2010/main" val="0"/>
-              </a:ext>
-            </a:extLst>
-          </a:blip>
-          <a:srcRect/>
-          <a:stretch>
-            <a:fillRect/>
-          </a:stretch>
-        </p:blipFill>
-        <p:spPr bwMode="auto">
-          <a:xfrm>
-            <a:off x="7980857" y="4252926"/>
-            <a:ext cx="1690867" cy="1347057"/>
-          </a:xfrm>
-          <a:prstGeom prst="rect">
-            <a:avLst/>
-          </a:prstGeom>
-          <a:noFill/>
-          <a:extLst>
-            <a:ext uri="{909E8E84-426E-40DD-AFC4-6F175D3DCCD1}">
-              <a14:hiddenFill xmlns:a14="http://schemas.microsoft.com/office/drawing/2010/main">
-                <a:solidFill>
-                  <a:srgbClr val="FFFFFF"/>
-                </a:solidFill>
-              </a14:hiddenFill>
-            </a:ext>
-          </a:extLst>
-        </p:spPr>
-      </p:pic>
+              <a:t>On GitHub:</a:t>
+            </a:r>
+          </a:p>
+          <a:p>
+            <a:pPr marL="0" indent="0" algn="ctr">
+              <a:buNone/>
+            </a:pPr>
+            <a:r>
+              <a:rPr lang="en-US" dirty="0"/>
+              <a:t>https://</a:t>
+            </a:r>
+            <a:r>
+              <a:rPr lang="en-US" dirty="0" err="1"/>
+              <a:t>github.com</a:t>
+            </a:r>
+            <a:r>
+              <a:rPr lang="en-US" dirty="0"/>
+              <a:t>/maher460/Pitt_CS1550_recitation_materials</a:t>
+            </a:r>
+          </a:p>
+        </p:txBody>
+      </p:sp>
     </p:spTree>
     <p:extLst>
       <p:ext uri="{BB962C8B-B14F-4D97-AF65-F5344CB8AC3E}">
-        <p14:creationId xmlns:p14="http://schemas.microsoft.com/office/powerpoint/2010/main" val="1759584591"/>
+        <p14:creationId xmlns:p14="http://schemas.microsoft.com/office/powerpoint/2010/main" val="3822388695"/>
       </p:ext>
     </p:extLst>
   </p:cSld>
@@ -9581,6 +9536,55 @@
           </a:p>
         </p:txBody>
       </p:sp>
+      <p:sp>
+        <p:nvSpPr>
+          <p:cNvPr id="3" name="Content Placeholder 2"/>
+          <p:cNvSpPr>
+            <a:spLocks noGrp="1"/>
+          </p:cNvSpPr>
+          <p:nvPr>
+            <p:ph idx="1"/>
+          </p:nvPr>
+        </p:nvSpPr>
+        <p:spPr>
+          <a:xfrm>
+            <a:off x="838200" y="1825624"/>
+            <a:ext cx="10829192" cy="3065347"/>
+          </a:xfrm>
+        </p:spPr>
+        <p:txBody>
+          <a:bodyPr>
+            <a:normAutofit/>
+          </a:bodyPr>
+          <a:lstStyle/>
+          <a:p>
+            <a:r>
+              <a:rPr lang="en-US" dirty="0"/>
+              <a:t>Small programs (easy to compile)</a:t>
+            </a:r>
+          </a:p>
+          <a:p>
+            <a:pPr lvl="1"/>
+            <a:r>
+              <a:rPr lang="en-US" dirty="0"/>
+              <a:t>single file </a:t>
+            </a:r>
+          </a:p>
+          <a:p>
+            <a:r>
+              <a:rPr lang="en-US" dirty="0"/>
+              <a:t>Bigger programs</a:t>
+            </a:r>
+          </a:p>
+          <a:p>
+            <a:pPr lvl="1"/>
+            <a:r>
+              <a:rPr lang="en-US" dirty="0"/>
+              <a:t>multiple files</a:t>
+            </a:r>
+          </a:p>
+        </p:txBody>
+      </p:sp>
       <p:cxnSp>
         <p:nvCxnSpPr>
           <p:cNvPr id="34" name="Straight Connector 33"/>
@@ -9622,10 +9626,10 @@
       </p:cxnSp>
       <p:sp>
         <p:nvSpPr>
-          <p:cNvPr id="7" name="Rectangle 19">
+          <p:cNvPr id="5" name="Rectangle 22">
             <a:extLst>
               <a:ext uri="{FF2B5EF4-FFF2-40B4-BE49-F238E27FC236}">
-                <a16:creationId xmlns:a16="http://schemas.microsoft.com/office/drawing/2014/main" id="{FC50509A-099D-4A1A-A2DE-32EB3578F67F}"/>
+                <a16:creationId xmlns:a16="http://schemas.microsoft.com/office/drawing/2014/main" id="{E38FA2D7-7CF2-4859-BCD1-4AA0DD542C73}"/>
               </a:ext>
             </a:extLst>
           </p:cNvPr>
@@ -9636,7 +9640,7 @@
         </p:nvSpPr>
         <p:spPr bwMode="auto">
           <a:xfrm>
-            <a:off x="4955931" y="2699238"/>
+            <a:off x="4906108" y="4890971"/>
             <a:ext cx="1752600" cy="381000"/>
           </a:xfrm>
           <a:prstGeom prst="rect">
@@ -9672,16 +9676,231 @@
           <a:p>
             <a:pPr algn="ctr"/>
             <a:r>
-              <a:rPr lang="en-US" altLang="en-US" dirty="0"/>
-              <a:t>calculator (exe)</a:t>
-            </a:r>
-          </a:p>
-        </p:txBody>
-      </p:sp>
+              <a:rPr lang="en-US" altLang="en-US"/>
+              <a:t>sum.c</a:t>
+            </a:r>
+          </a:p>
+        </p:txBody>
+      </p:sp>
+      <p:sp>
+        <p:nvSpPr>
+          <p:cNvPr id="6" name="Rectangle 23">
+            <a:extLst>
+              <a:ext uri="{FF2B5EF4-FFF2-40B4-BE49-F238E27FC236}">
+                <a16:creationId xmlns:a16="http://schemas.microsoft.com/office/drawing/2014/main" id="{A534B891-6110-4FEA-8422-35E4B62583EA}"/>
+              </a:ext>
+            </a:extLst>
+          </p:cNvPr>
+          <p:cNvSpPr>
+            <a:spLocks noChangeArrowheads="1"/>
+          </p:cNvSpPr>
+          <p:nvPr/>
+        </p:nvSpPr>
+        <p:spPr bwMode="auto">
+          <a:xfrm>
+            <a:off x="6963508" y="4890971"/>
+            <a:ext cx="1752600" cy="381000"/>
+          </a:xfrm>
+          <a:prstGeom prst="rect">
+            <a:avLst/>
+          </a:prstGeom>
+          <a:solidFill>
+            <a:schemeClr val="bg1"/>
+          </a:solidFill>
+          <a:ln w="9525">
+            <a:solidFill>
+              <a:schemeClr val="tx1"/>
+            </a:solidFill>
+            <a:miter lim="800000"/>
+            <a:headEnd/>
+            <a:tailEnd/>
+          </a:ln>
+          <a:effectLst/>
+          <a:extLst>
+            <a:ext uri="{AF507438-7753-43E0-B8FC-AC1667EBCBE1}">
+              <a14:hiddenEffects xmlns:a14="http://schemas.microsoft.com/office/drawing/2010/main">
+                <a:effectLst>
+                  <a:outerShdw dist="35921" dir="2700000" algn="ctr" rotWithShape="0">
+                    <a:schemeClr val="bg2"/>
+                  </a:outerShdw>
+                </a:effectLst>
+              </a14:hiddenEffects>
+            </a:ext>
+          </a:extLst>
+        </p:spPr>
+        <p:txBody>
+          <a:bodyPr wrap="none" anchor="ctr"/>
+          <a:lstStyle/>
+          <a:p>
+            <a:pPr algn="ctr"/>
+            <a:r>
+              <a:rPr lang="en-US" altLang="en-US"/>
+              <a:t>sum.h</a:t>
+            </a:r>
+          </a:p>
+        </p:txBody>
+      </p:sp>
+      <p:sp>
+        <p:nvSpPr>
+          <p:cNvPr id="8" name="Rectangle 25">
+            <a:extLst>
+              <a:ext uri="{FF2B5EF4-FFF2-40B4-BE49-F238E27FC236}">
+                <a16:creationId xmlns:a16="http://schemas.microsoft.com/office/drawing/2014/main" id="{5B85A01F-A856-482F-A8B3-4A37D5C2B97C}"/>
+              </a:ext>
+            </a:extLst>
+          </p:cNvPr>
+          <p:cNvSpPr>
+            <a:spLocks noChangeArrowheads="1"/>
+          </p:cNvSpPr>
+          <p:nvPr/>
+        </p:nvSpPr>
+        <p:spPr bwMode="auto">
+          <a:xfrm>
+            <a:off x="2426678" y="4890971"/>
+            <a:ext cx="1752600" cy="381000"/>
+          </a:xfrm>
+          <a:prstGeom prst="rect">
+            <a:avLst/>
+          </a:prstGeom>
+          <a:solidFill>
+            <a:schemeClr val="bg1"/>
+          </a:solidFill>
+          <a:ln w="9525">
+            <a:solidFill>
+              <a:schemeClr val="tx1"/>
+            </a:solidFill>
+            <a:miter lim="800000"/>
+            <a:headEnd/>
+            <a:tailEnd/>
+          </a:ln>
+          <a:effectLst/>
+          <a:extLst>
+            <a:ext uri="{AF507438-7753-43E0-B8FC-AC1667EBCBE1}">
+              <a14:hiddenEffects xmlns:a14="http://schemas.microsoft.com/office/drawing/2010/main">
+                <a:effectLst>
+                  <a:outerShdw dist="35921" dir="2700000" algn="ctr" rotWithShape="0">
+                    <a:schemeClr val="bg2"/>
+                  </a:outerShdw>
+                </a:effectLst>
+              </a14:hiddenEffects>
+            </a:ext>
+          </a:extLst>
+        </p:spPr>
+        <p:txBody>
+          <a:bodyPr wrap="none" anchor="ctr"/>
+          <a:lstStyle/>
+          <a:p>
+            <a:pPr algn="ctr"/>
+            <a:r>
+              <a:rPr lang="en-US" altLang="en-US"/>
+              <a:t>main.c</a:t>
+            </a:r>
+          </a:p>
+        </p:txBody>
+      </p:sp>
+      <p:cxnSp>
+        <p:nvCxnSpPr>
+          <p:cNvPr id="9" name="Connector: Curved 8">
+            <a:extLst>
+              <a:ext uri="{FF2B5EF4-FFF2-40B4-BE49-F238E27FC236}">
+                <a16:creationId xmlns:a16="http://schemas.microsoft.com/office/drawing/2014/main" id="{77D38ED4-2C42-447F-AAB1-BAA9E55D5956}"/>
+              </a:ext>
+            </a:extLst>
+          </p:cNvPr>
+          <p:cNvCxnSpPr>
+            <a:stCxn id="8" idx="0"/>
+            <a:endCxn id="5" idx="0"/>
+          </p:cNvCxnSpPr>
+          <p:nvPr/>
+        </p:nvCxnSpPr>
+        <p:spPr>
+          <a:xfrm rot="5400000" flipH="1" flipV="1">
+            <a:off x="4542693" y="3651256"/>
+            <a:ext cx="12700" cy="2479430"/>
+          </a:xfrm>
+          <a:prstGeom prst="curvedConnector3">
+            <a:avLst>
+              <a:gd name="adj1" fmla="val 3392307"/>
+            </a:avLst>
+          </a:prstGeom>
+          <a:ln>
+            <a:solidFill>
+              <a:schemeClr val="accent1">
+                <a:lumMod val="75000"/>
+              </a:schemeClr>
+            </a:solidFill>
+            <a:tailEnd type="triangle"/>
+          </a:ln>
+        </p:spPr>
+        <p:style>
+          <a:lnRef idx="1">
+            <a:schemeClr val="accent1"/>
+          </a:lnRef>
+          <a:fillRef idx="0">
+            <a:schemeClr val="accent1"/>
+          </a:fillRef>
+          <a:effectRef idx="0">
+            <a:schemeClr val="accent1"/>
+          </a:effectRef>
+          <a:fontRef idx="minor">
+            <a:schemeClr val="tx1"/>
+          </a:fontRef>
+        </p:style>
+      </p:cxnSp>
+      <p:cxnSp>
+        <p:nvCxnSpPr>
+          <p:cNvPr id="12" name="Connector: Curved 11">
+            <a:extLst>
+              <a:ext uri="{FF2B5EF4-FFF2-40B4-BE49-F238E27FC236}">
+                <a16:creationId xmlns:a16="http://schemas.microsoft.com/office/drawing/2014/main" id="{BB4126E9-CE04-4A5B-9D1F-C8363482662C}"/>
+              </a:ext>
+            </a:extLst>
+          </p:cNvPr>
+          <p:cNvCxnSpPr>
+            <a:cxnSpLocks/>
+            <a:stCxn id="5" idx="2"/>
+            <a:endCxn id="6" idx="2"/>
+          </p:cNvCxnSpPr>
+          <p:nvPr/>
+        </p:nvCxnSpPr>
+        <p:spPr>
+          <a:xfrm rot="16200000" flipH="1">
+            <a:off x="6811108" y="4243271"/>
+            <a:ext cx="12700" cy="2057400"/>
+          </a:xfrm>
+          <a:prstGeom prst="curvedConnector3">
+            <a:avLst>
+              <a:gd name="adj1" fmla="val 3115378"/>
+            </a:avLst>
+          </a:prstGeom>
+          <a:ln>
+            <a:solidFill>
+              <a:schemeClr val="accent1">
+                <a:lumMod val="75000"/>
+              </a:schemeClr>
+            </a:solidFill>
+            <a:tailEnd type="triangle"/>
+          </a:ln>
+        </p:spPr>
+        <p:style>
+          <a:lnRef idx="1">
+            <a:schemeClr val="accent1"/>
+          </a:lnRef>
+          <a:fillRef idx="0">
+            <a:schemeClr val="accent1"/>
+          </a:fillRef>
+          <a:effectRef idx="0">
+            <a:schemeClr val="accent1"/>
+          </a:effectRef>
+          <a:fontRef idx="minor">
+            <a:schemeClr val="tx1"/>
+          </a:fontRef>
+        </p:style>
+      </p:cxnSp>
     </p:spTree>
     <p:extLst>
       <p:ext uri="{BB962C8B-B14F-4D97-AF65-F5344CB8AC3E}">
-        <p14:creationId xmlns:p14="http://schemas.microsoft.com/office/powerpoint/2010/main" val="3236090073"/>
+        <p14:creationId xmlns:p14="http://schemas.microsoft.com/office/powerpoint/2010/main" val="4087988062"/>
       </p:ext>
     </p:extLst>
   </p:cSld>
@@ -9832,342 +10051,10 @@
           </a:p>
         </p:txBody>
       </p:sp>
-      <p:sp>
-        <p:nvSpPr>
-          <p:cNvPr id="10" name="Rectangle 22">
-            <a:extLst>
-              <a:ext uri="{FF2B5EF4-FFF2-40B4-BE49-F238E27FC236}">
-                <a16:creationId xmlns:a16="http://schemas.microsoft.com/office/drawing/2014/main" id="{F1CF5E94-4FAE-4316-A6D8-989A3A211559}"/>
-              </a:ext>
-            </a:extLst>
-          </p:cNvPr>
-          <p:cNvSpPr>
-            <a:spLocks noChangeArrowheads="1"/>
-          </p:cNvSpPr>
-          <p:nvPr/>
-        </p:nvSpPr>
-        <p:spPr bwMode="auto">
-          <a:xfrm>
-            <a:off x="6098931" y="4756638"/>
-            <a:ext cx="1752600" cy="381000"/>
-          </a:xfrm>
-          <a:prstGeom prst="rect">
-            <a:avLst/>
-          </a:prstGeom>
-          <a:solidFill>
-            <a:schemeClr val="bg1"/>
-          </a:solidFill>
-          <a:ln w="9525">
-            <a:solidFill>
-              <a:schemeClr val="tx1"/>
-            </a:solidFill>
-            <a:miter lim="800000"/>
-            <a:headEnd/>
-            <a:tailEnd/>
-          </a:ln>
-          <a:effectLst/>
-          <a:extLst>
-            <a:ext uri="{AF507438-7753-43E0-B8FC-AC1667EBCBE1}">
-              <a14:hiddenEffects xmlns:a14="http://schemas.microsoft.com/office/drawing/2010/main">
-                <a:effectLst>
-                  <a:outerShdw dist="35921" dir="2700000" algn="ctr" rotWithShape="0">
-                    <a:schemeClr val="bg2"/>
-                  </a:outerShdw>
-                </a:effectLst>
-              </a14:hiddenEffects>
-            </a:ext>
-          </a:extLst>
-        </p:spPr>
-        <p:txBody>
-          <a:bodyPr wrap="none" anchor="ctr"/>
-          <a:lstStyle/>
-          <a:p>
-            <a:pPr algn="ctr"/>
-            <a:r>
-              <a:rPr lang="en-US" altLang="en-US"/>
-              <a:t>sum.c</a:t>
-            </a:r>
-          </a:p>
-        </p:txBody>
-      </p:sp>
-      <p:sp>
-        <p:nvSpPr>
-          <p:cNvPr id="11" name="Rectangle 23">
-            <a:extLst>
-              <a:ext uri="{FF2B5EF4-FFF2-40B4-BE49-F238E27FC236}">
-                <a16:creationId xmlns:a16="http://schemas.microsoft.com/office/drawing/2014/main" id="{3576B354-E5AD-4DFC-8866-78E5523CAC74}"/>
-              </a:ext>
-            </a:extLst>
-          </p:cNvPr>
-          <p:cNvSpPr>
-            <a:spLocks noChangeArrowheads="1"/>
-          </p:cNvSpPr>
-          <p:nvPr/>
-        </p:nvSpPr>
-        <p:spPr bwMode="auto">
-          <a:xfrm>
-            <a:off x="3660531" y="4756638"/>
-            <a:ext cx="1752600" cy="381000"/>
-          </a:xfrm>
-          <a:prstGeom prst="rect">
-            <a:avLst/>
-          </a:prstGeom>
-          <a:solidFill>
-            <a:schemeClr val="bg1"/>
-          </a:solidFill>
-          <a:ln w="9525">
-            <a:solidFill>
-              <a:schemeClr val="tx1"/>
-            </a:solidFill>
-            <a:miter lim="800000"/>
-            <a:headEnd/>
-            <a:tailEnd/>
-          </a:ln>
-          <a:effectLst/>
-          <a:extLst>
-            <a:ext uri="{AF507438-7753-43E0-B8FC-AC1667EBCBE1}">
-              <a14:hiddenEffects xmlns:a14="http://schemas.microsoft.com/office/drawing/2010/main">
-                <a:effectLst>
-                  <a:outerShdw dist="35921" dir="2700000" algn="ctr" rotWithShape="0">
-                    <a:schemeClr val="bg2"/>
-                  </a:outerShdw>
-                </a:effectLst>
-              </a14:hiddenEffects>
-            </a:ext>
-          </a:extLst>
-        </p:spPr>
-        <p:txBody>
-          <a:bodyPr wrap="none" anchor="ctr"/>
-          <a:lstStyle/>
-          <a:p>
-            <a:pPr algn="ctr"/>
-            <a:r>
-              <a:rPr lang="en-US" altLang="en-US"/>
-              <a:t>sum.h</a:t>
-            </a:r>
-          </a:p>
-        </p:txBody>
-      </p:sp>
-      <p:sp>
-        <p:nvSpPr>
-          <p:cNvPr id="12" name="Rectangle 24">
-            <a:extLst>
-              <a:ext uri="{FF2B5EF4-FFF2-40B4-BE49-F238E27FC236}">
-                <a16:creationId xmlns:a16="http://schemas.microsoft.com/office/drawing/2014/main" id="{CCADC160-9F97-4FD0-8D32-9ADCB5917951}"/>
-              </a:ext>
-            </a:extLst>
-          </p:cNvPr>
-          <p:cNvSpPr>
-            <a:spLocks noChangeArrowheads="1"/>
-          </p:cNvSpPr>
-          <p:nvPr/>
-        </p:nvSpPr>
-        <p:spPr bwMode="auto">
-          <a:xfrm>
-            <a:off x="8080131" y="4756638"/>
-            <a:ext cx="1752600" cy="381000"/>
-          </a:xfrm>
-          <a:prstGeom prst="rect">
-            <a:avLst/>
-          </a:prstGeom>
-          <a:solidFill>
-            <a:schemeClr val="bg1"/>
-          </a:solidFill>
-          <a:ln w="9525">
-            <a:solidFill>
-              <a:schemeClr val="tx1"/>
-            </a:solidFill>
-            <a:miter lim="800000"/>
-            <a:headEnd/>
-            <a:tailEnd/>
-          </a:ln>
-          <a:effectLst/>
-          <a:extLst>
-            <a:ext uri="{AF507438-7753-43E0-B8FC-AC1667EBCBE1}">
-              <a14:hiddenEffects xmlns:a14="http://schemas.microsoft.com/office/drawing/2010/main">
-                <a:effectLst>
-                  <a:outerShdw dist="35921" dir="2700000" algn="ctr" rotWithShape="0">
-                    <a:schemeClr val="bg2"/>
-                  </a:outerShdw>
-                </a:effectLst>
-              </a14:hiddenEffects>
-            </a:ext>
-          </a:extLst>
-        </p:spPr>
-        <p:txBody>
-          <a:bodyPr wrap="none" anchor="ctr"/>
-          <a:lstStyle/>
-          <a:p>
-            <a:pPr algn="ctr"/>
-            <a:r>
-              <a:rPr lang="en-US" altLang="en-US"/>
-              <a:t>sum.h</a:t>
-            </a:r>
-          </a:p>
-        </p:txBody>
-      </p:sp>
-      <p:sp>
-        <p:nvSpPr>
-          <p:cNvPr id="13" name="Rectangle 25">
-            <a:extLst>
-              <a:ext uri="{FF2B5EF4-FFF2-40B4-BE49-F238E27FC236}">
-                <a16:creationId xmlns:a16="http://schemas.microsoft.com/office/drawing/2014/main" id="{087655B3-0CEB-46CB-B6BD-C9BB35ADEAFE}"/>
-              </a:ext>
-            </a:extLst>
-          </p:cNvPr>
-          <p:cNvSpPr>
-            <a:spLocks noChangeArrowheads="1"/>
-          </p:cNvSpPr>
-          <p:nvPr/>
-        </p:nvSpPr>
-        <p:spPr bwMode="auto">
-          <a:xfrm>
-            <a:off x="1755531" y="4756638"/>
-            <a:ext cx="1752600" cy="381000"/>
-          </a:xfrm>
-          <a:prstGeom prst="rect">
-            <a:avLst/>
-          </a:prstGeom>
-          <a:solidFill>
-            <a:schemeClr val="bg1"/>
-          </a:solidFill>
-          <a:ln w="9525">
-            <a:solidFill>
-              <a:schemeClr val="tx1"/>
-            </a:solidFill>
-            <a:miter lim="800000"/>
-            <a:headEnd/>
-            <a:tailEnd/>
-          </a:ln>
-          <a:effectLst/>
-          <a:extLst>
-            <a:ext uri="{AF507438-7753-43E0-B8FC-AC1667EBCBE1}">
-              <a14:hiddenEffects xmlns:a14="http://schemas.microsoft.com/office/drawing/2010/main">
-                <a:effectLst>
-                  <a:outerShdw dist="35921" dir="2700000" algn="ctr" rotWithShape="0">
-                    <a:schemeClr val="bg2"/>
-                  </a:outerShdw>
-                </a:effectLst>
-              </a14:hiddenEffects>
-            </a:ext>
-          </a:extLst>
-        </p:spPr>
-        <p:txBody>
-          <a:bodyPr wrap="none" anchor="ctr"/>
-          <a:lstStyle/>
-          <a:p>
-            <a:pPr algn="ctr"/>
-            <a:r>
-              <a:rPr lang="en-US" altLang="en-US"/>
-              <a:t>main.c</a:t>
-            </a:r>
-          </a:p>
-        </p:txBody>
-      </p:sp>
-      <p:cxnSp>
-        <p:nvCxnSpPr>
-          <p:cNvPr id="20" name="Connector: Curved 19">
-            <a:extLst>
-              <a:ext uri="{FF2B5EF4-FFF2-40B4-BE49-F238E27FC236}">
-                <a16:creationId xmlns:a16="http://schemas.microsoft.com/office/drawing/2014/main" id="{DC903F0B-710E-4D73-B869-4AE11344CE4C}"/>
-              </a:ext>
-            </a:extLst>
-          </p:cNvPr>
-          <p:cNvCxnSpPr>
-            <a:cxnSpLocks/>
-            <a:stCxn id="13" idx="0"/>
-            <a:endCxn id="11" idx="0"/>
-          </p:cNvCxnSpPr>
-          <p:nvPr/>
-        </p:nvCxnSpPr>
-        <p:spPr>
-          <a:xfrm rot="5400000" flipH="1" flipV="1">
-            <a:off x="3584331" y="3804138"/>
-            <a:ext cx="12700" cy="1905000"/>
-          </a:xfrm>
-          <a:prstGeom prst="curvedConnector3">
-            <a:avLst>
-              <a:gd name="adj1" fmla="val 2769228"/>
-            </a:avLst>
-          </a:prstGeom>
-          <a:ln>
-            <a:solidFill>
-              <a:schemeClr val="accent1">
-                <a:lumMod val="75000"/>
-              </a:schemeClr>
-            </a:solidFill>
-            <a:tailEnd type="triangle"/>
-          </a:ln>
-        </p:spPr>
-        <p:style>
-          <a:lnRef idx="1">
-            <a:schemeClr val="accent1"/>
-          </a:lnRef>
-          <a:fillRef idx="0">
-            <a:schemeClr val="accent1"/>
-          </a:fillRef>
-          <a:effectRef idx="0">
-            <a:schemeClr val="accent1"/>
-          </a:effectRef>
-          <a:fontRef idx="minor">
-            <a:schemeClr val="tx1"/>
-          </a:fontRef>
-        </p:style>
-      </p:cxnSp>
-      <p:cxnSp>
-        <p:nvCxnSpPr>
-          <p:cNvPr id="21" name="Connector: Curved 20">
-            <a:extLst>
-              <a:ext uri="{FF2B5EF4-FFF2-40B4-BE49-F238E27FC236}">
-                <a16:creationId xmlns:a16="http://schemas.microsoft.com/office/drawing/2014/main" id="{A80EEDF4-3221-49CE-B211-B3B301A4A2D5}"/>
-              </a:ext>
-            </a:extLst>
-          </p:cNvPr>
-          <p:cNvCxnSpPr>
-            <a:cxnSpLocks/>
-            <a:stCxn id="10" idx="0"/>
-            <a:endCxn id="12" idx="0"/>
-          </p:cNvCxnSpPr>
-          <p:nvPr/>
-        </p:nvCxnSpPr>
-        <p:spPr>
-          <a:xfrm rot="5400000" flipH="1" flipV="1">
-            <a:off x="7965831" y="3766038"/>
-            <a:ext cx="12700" cy="1981200"/>
-          </a:xfrm>
-          <a:prstGeom prst="curvedConnector3">
-            <a:avLst>
-              <a:gd name="adj1" fmla="val 2976921"/>
-            </a:avLst>
-          </a:prstGeom>
-          <a:ln>
-            <a:solidFill>
-              <a:schemeClr val="accent1">
-                <a:lumMod val="75000"/>
-              </a:schemeClr>
-            </a:solidFill>
-            <a:tailEnd type="triangle"/>
-          </a:ln>
-        </p:spPr>
-        <p:style>
-          <a:lnRef idx="1">
-            <a:schemeClr val="accent1"/>
-          </a:lnRef>
-          <a:fillRef idx="0">
-            <a:schemeClr val="accent1"/>
-          </a:fillRef>
-          <a:effectRef idx="0">
-            <a:schemeClr val="accent1"/>
-          </a:effectRef>
-          <a:fontRef idx="minor">
-            <a:schemeClr val="tx1"/>
-          </a:fontRef>
-        </p:style>
-      </p:cxnSp>
     </p:spTree>
     <p:extLst>
       <p:ext uri="{BB962C8B-B14F-4D97-AF65-F5344CB8AC3E}">
-        <p14:creationId xmlns:p14="http://schemas.microsoft.com/office/powerpoint/2010/main" val="4115067505"/>
+        <p14:creationId xmlns:p14="http://schemas.microsoft.com/office/powerpoint/2010/main" val="3236090073"/>
       </p:ext>
     </p:extLst>
   </p:cSld>
@@ -10320,6 +10207,492 @@
       </p:sp>
       <p:sp>
         <p:nvSpPr>
+          <p:cNvPr id="10" name="Rectangle 22">
+            <a:extLst>
+              <a:ext uri="{FF2B5EF4-FFF2-40B4-BE49-F238E27FC236}">
+                <a16:creationId xmlns:a16="http://schemas.microsoft.com/office/drawing/2014/main" id="{F1CF5E94-4FAE-4316-A6D8-989A3A211559}"/>
+              </a:ext>
+            </a:extLst>
+          </p:cNvPr>
+          <p:cNvSpPr>
+            <a:spLocks noChangeArrowheads="1"/>
+          </p:cNvSpPr>
+          <p:nvPr/>
+        </p:nvSpPr>
+        <p:spPr bwMode="auto">
+          <a:xfrm>
+            <a:off x="6098931" y="4756638"/>
+            <a:ext cx="1752600" cy="381000"/>
+          </a:xfrm>
+          <a:prstGeom prst="rect">
+            <a:avLst/>
+          </a:prstGeom>
+          <a:solidFill>
+            <a:schemeClr val="bg1"/>
+          </a:solidFill>
+          <a:ln w="9525">
+            <a:solidFill>
+              <a:schemeClr val="tx1"/>
+            </a:solidFill>
+            <a:miter lim="800000"/>
+            <a:headEnd/>
+            <a:tailEnd/>
+          </a:ln>
+          <a:effectLst/>
+          <a:extLst>
+            <a:ext uri="{AF507438-7753-43E0-B8FC-AC1667EBCBE1}">
+              <a14:hiddenEffects xmlns:a14="http://schemas.microsoft.com/office/drawing/2010/main">
+                <a:effectLst>
+                  <a:outerShdw dist="35921" dir="2700000" algn="ctr" rotWithShape="0">
+                    <a:schemeClr val="bg2"/>
+                  </a:outerShdw>
+                </a:effectLst>
+              </a14:hiddenEffects>
+            </a:ext>
+          </a:extLst>
+        </p:spPr>
+        <p:txBody>
+          <a:bodyPr wrap="none" anchor="ctr"/>
+          <a:lstStyle/>
+          <a:p>
+            <a:pPr algn="ctr"/>
+            <a:r>
+              <a:rPr lang="en-US" altLang="en-US"/>
+              <a:t>sum.c</a:t>
+            </a:r>
+          </a:p>
+        </p:txBody>
+      </p:sp>
+      <p:sp>
+        <p:nvSpPr>
+          <p:cNvPr id="11" name="Rectangle 23">
+            <a:extLst>
+              <a:ext uri="{FF2B5EF4-FFF2-40B4-BE49-F238E27FC236}">
+                <a16:creationId xmlns:a16="http://schemas.microsoft.com/office/drawing/2014/main" id="{3576B354-E5AD-4DFC-8866-78E5523CAC74}"/>
+              </a:ext>
+            </a:extLst>
+          </p:cNvPr>
+          <p:cNvSpPr>
+            <a:spLocks noChangeArrowheads="1"/>
+          </p:cNvSpPr>
+          <p:nvPr/>
+        </p:nvSpPr>
+        <p:spPr bwMode="auto">
+          <a:xfrm>
+            <a:off x="3660531" y="4756638"/>
+            <a:ext cx="1752600" cy="381000"/>
+          </a:xfrm>
+          <a:prstGeom prst="rect">
+            <a:avLst/>
+          </a:prstGeom>
+          <a:solidFill>
+            <a:schemeClr val="bg1"/>
+          </a:solidFill>
+          <a:ln w="9525">
+            <a:solidFill>
+              <a:schemeClr val="tx1"/>
+            </a:solidFill>
+            <a:miter lim="800000"/>
+            <a:headEnd/>
+            <a:tailEnd/>
+          </a:ln>
+          <a:effectLst/>
+          <a:extLst>
+            <a:ext uri="{AF507438-7753-43E0-B8FC-AC1667EBCBE1}">
+              <a14:hiddenEffects xmlns:a14="http://schemas.microsoft.com/office/drawing/2010/main">
+                <a:effectLst>
+                  <a:outerShdw dist="35921" dir="2700000" algn="ctr" rotWithShape="0">
+                    <a:schemeClr val="bg2"/>
+                  </a:outerShdw>
+                </a:effectLst>
+              </a14:hiddenEffects>
+            </a:ext>
+          </a:extLst>
+        </p:spPr>
+        <p:txBody>
+          <a:bodyPr wrap="none" anchor="ctr"/>
+          <a:lstStyle/>
+          <a:p>
+            <a:pPr algn="ctr"/>
+            <a:r>
+              <a:rPr lang="en-US" altLang="en-US"/>
+              <a:t>sum.h</a:t>
+            </a:r>
+          </a:p>
+        </p:txBody>
+      </p:sp>
+      <p:sp>
+        <p:nvSpPr>
+          <p:cNvPr id="12" name="Rectangle 24">
+            <a:extLst>
+              <a:ext uri="{FF2B5EF4-FFF2-40B4-BE49-F238E27FC236}">
+                <a16:creationId xmlns:a16="http://schemas.microsoft.com/office/drawing/2014/main" id="{CCADC160-9F97-4FD0-8D32-9ADCB5917951}"/>
+              </a:ext>
+            </a:extLst>
+          </p:cNvPr>
+          <p:cNvSpPr>
+            <a:spLocks noChangeArrowheads="1"/>
+          </p:cNvSpPr>
+          <p:nvPr/>
+        </p:nvSpPr>
+        <p:spPr bwMode="auto">
+          <a:xfrm>
+            <a:off x="8080131" y="4756638"/>
+            <a:ext cx="1752600" cy="381000"/>
+          </a:xfrm>
+          <a:prstGeom prst="rect">
+            <a:avLst/>
+          </a:prstGeom>
+          <a:solidFill>
+            <a:schemeClr val="bg1"/>
+          </a:solidFill>
+          <a:ln w="9525">
+            <a:solidFill>
+              <a:schemeClr val="tx1"/>
+            </a:solidFill>
+            <a:miter lim="800000"/>
+            <a:headEnd/>
+            <a:tailEnd/>
+          </a:ln>
+          <a:effectLst/>
+          <a:extLst>
+            <a:ext uri="{AF507438-7753-43E0-B8FC-AC1667EBCBE1}">
+              <a14:hiddenEffects xmlns:a14="http://schemas.microsoft.com/office/drawing/2010/main">
+                <a:effectLst>
+                  <a:outerShdw dist="35921" dir="2700000" algn="ctr" rotWithShape="0">
+                    <a:schemeClr val="bg2"/>
+                  </a:outerShdw>
+                </a:effectLst>
+              </a14:hiddenEffects>
+            </a:ext>
+          </a:extLst>
+        </p:spPr>
+        <p:txBody>
+          <a:bodyPr wrap="none" anchor="ctr"/>
+          <a:lstStyle/>
+          <a:p>
+            <a:pPr algn="ctr"/>
+            <a:r>
+              <a:rPr lang="en-US" altLang="en-US"/>
+              <a:t>sum.h</a:t>
+            </a:r>
+          </a:p>
+        </p:txBody>
+      </p:sp>
+      <p:sp>
+        <p:nvSpPr>
+          <p:cNvPr id="13" name="Rectangle 25">
+            <a:extLst>
+              <a:ext uri="{FF2B5EF4-FFF2-40B4-BE49-F238E27FC236}">
+                <a16:creationId xmlns:a16="http://schemas.microsoft.com/office/drawing/2014/main" id="{087655B3-0CEB-46CB-B6BD-C9BB35ADEAFE}"/>
+              </a:ext>
+            </a:extLst>
+          </p:cNvPr>
+          <p:cNvSpPr>
+            <a:spLocks noChangeArrowheads="1"/>
+          </p:cNvSpPr>
+          <p:nvPr/>
+        </p:nvSpPr>
+        <p:spPr bwMode="auto">
+          <a:xfrm>
+            <a:off x="1755531" y="4756638"/>
+            <a:ext cx="1752600" cy="381000"/>
+          </a:xfrm>
+          <a:prstGeom prst="rect">
+            <a:avLst/>
+          </a:prstGeom>
+          <a:solidFill>
+            <a:schemeClr val="bg1"/>
+          </a:solidFill>
+          <a:ln w="9525">
+            <a:solidFill>
+              <a:schemeClr val="tx1"/>
+            </a:solidFill>
+            <a:miter lim="800000"/>
+            <a:headEnd/>
+            <a:tailEnd/>
+          </a:ln>
+          <a:effectLst/>
+          <a:extLst>
+            <a:ext uri="{AF507438-7753-43E0-B8FC-AC1667EBCBE1}">
+              <a14:hiddenEffects xmlns:a14="http://schemas.microsoft.com/office/drawing/2010/main">
+                <a:effectLst>
+                  <a:outerShdw dist="35921" dir="2700000" algn="ctr" rotWithShape="0">
+                    <a:schemeClr val="bg2"/>
+                  </a:outerShdw>
+                </a:effectLst>
+              </a14:hiddenEffects>
+            </a:ext>
+          </a:extLst>
+        </p:spPr>
+        <p:txBody>
+          <a:bodyPr wrap="none" anchor="ctr"/>
+          <a:lstStyle/>
+          <a:p>
+            <a:pPr algn="ctr"/>
+            <a:r>
+              <a:rPr lang="en-US" altLang="en-US"/>
+              <a:t>main.c</a:t>
+            </a:r>
+          </a:p>
+        </p:txBody>
+      </p:sp>
+      <p:cxnSp>
+        <p:nvCxnSpPr>
+          <p:cNvPr id="20" name="Connector: Curved 19">
+            <a:extLst>
+              <a:ext uri="{FF2B5EF4-FFF2-40B4-BE49-F238E27FC236}">
+                <a16:creationId xmlns:a16="http://schemas.microsoft.com/office/drawing/2014/main" id="{DC903F0B-710E-4D73-B869-4AE11344CE4C}"/>
+              </a:ext>
+            </a:extLst>
+          </p:cNvPr>
+          <p:cNvCxnSpPr>
+            <a:cxnSpLocks/>
+            <a:stCxn id="13" idx="0"/>
+            <a:endCxn id="11" idx="0"/>
+          </p:cNvCxnSpPr>
+          <p:nvPr/>
+        </p:nvCxnSpPr>
+        <p:spPr>
+          <a:xfrm rot="5400000" flipH="1" flipV="1">
+            <a:off x="3584331" y="3804138"/>
+            <a:ext cx="12700" cy="1905000"/>
+          </a:xfrm>
+          <a:prstGeom prst="curvedConnector3">
+            <a:avLst>
+              <a:gd name="adj1" fmla="val 2769228"/>
+            </a:avLst>
+          </a:prstGeom>
+          <a:ln>
+            <a:solidFill>
+              <a:schemeClr val="accent1">
+                <a:lumMod val="75000"/>
+              </a:schemeClr>
+            </a:solidFill>
+            <a:tailEnd type="triangle"/>
+          </a:ln>
+        </p:spPr>
+        <p:style>
+          <a:lnRef idx="1">
+            <a:schemeClr val="accent1"/>
+          </a:lnRef>
+          <a:fillRef idx="0">
+            <a:schemeClr val="accent1"/>
+          </a:fillRef>
+          <a:effectRef idx="0">
+            <a:schemeClr val="accent1"/>
+          </a:effectRef>
+          <a:fontRef idx="minor">
+            <a:schemeClr val="tx1"/>
+          </a:fontRef>
+        </p:style>
+      </p:cxnSp>
+      <p:cxnSp>
+        <p:nvCxnSpPr>
+          <p:cNvPr id="21" name="Connector: Curved 20">
+            <a:extLst>
+              <a:ext uri="{FF2B5EF4-FFF2-40B4-BE49-F238E27FC236}">
+                <a16:creationId xmlns:a16="http://schemas.microsoft.com/office/drawing/2014/main" id="{A80EEDF4-3221-49CE-B211-B3B301A4A2D5}"/>
+              </a:ext>
+            </a:extLst>
+          </p:cNvPr>
+          <p:cNvCxnSpPr>
+            <a:cxnSpLocks/>
+            <a:stCxn id="10" idx="0"/>
+            <a:endCxn id="12" idx="0"/>
+          </p:cNvCxnSpPr>
+          <p:nvPr/>
+        </p:nvCxnSpPr>
+        <p:spPr>
+          <a:xfrm rot="5400000" flipH="1" flipV="1">
+            <a:off x="7965831" y="3766038"/>
+            <a:ext cx="12700" cy="1981200"/>
+          </a:xfrm>
+          <a:prstGeom prst="curvedConnector3">
+            <a:avLst>
+              <a:gd name="adj1" fmla="val 2976921"/>
+            </a:avLst>
+          </a:prstGeom>
+          <a:ln>
+            <a:solidFill>
+              <a:schemeClr val="accent1">
+                <a:lumMod val="75000"/>
+              </a:schemeClr>
+            </a:solidFill>
+            <a:tailEnd type="triangle"/>
+          </a:ln>
+        </p:spPr>
+        <p:style>
+          <a:lnRef idx="1">
+            <a:schemeClr val="accent1"/>
+          </a:lnRef>
+          <a:fillRef idx="0">
+            <a:schemeClr val="accent1"/>
+          </a:fillRef>
+          <a:effectRef idx="0">
+            <a:schemeClr val="accent1"/>
+          </a:effectRef>
+          <a:fontRef idx="minor">
+            <a:schemeClr val="tx1"/>
+          </a:fontRef>
+        </p:style>
+      </p:cxnSp>
+    </p:spTree>
+    <p:extLst>
+      <p:ext uri="{BB962C8B-B14F-4D97-AF65-F5344CB8AC3E}">
+        <p14:creationId xmlns:p14="http://schemas.microsoft.com/office/powerpoint/2010/main" val="4115067505"/>
+      </p:ext>
+    </p:extLst>
+  </p:cSld>
+  <p:clrMapOvr>
+    <a:masterClrMapping/>
+  </p:clrMapOvr>
+</p:sld>
+</file>
+
+<file path=ppt/slides/slide33.xml><?xml version="1.0" encoding="utf-8"?>
+<p:sld xmlns:a="http://schemas.openxmlformats.org/drawingml/2006/main" xmlns:r="http://schemas.openxmlformats.org/officeDocument/2006/relationships" xmlns:p="http://schemas.openxmlformats.org/presentationml/2006/main">
+  <p:cSld>
+    <p:spTree>
+      <p:nvGrpSpPr>
+        <p:cNvPr id="1" name=""/>
+        <p:cNvGrpSpPr/>
+        <p:nvPr/>
+      </p:nvGrpSpPr>
+      <p:grpSpPr>
+        <a:xfrm>
+          <a:off x="0" y="0"/>
+          <a:ext cx="0" cy="0"/>
+          <a:chOff x="0" y="0"/>
+          <a:chExt cx="0" cy="0"/>
+        </a:xfrm>
+      </p:grpSpPr>
+      <p:sp>
+        <p:nvSpPr>
+          <p:cNvPr id="2" name="Title 1"/>
+          <p:cNvSpPr>
+            <a:spLocks noGrp="1"/>
+          </p:cNvSpPr>
+          <p:nvPr>
+            <p:ph type="title"/>
+          </p:nvPr>
+        </p:nvSpPr>
+        <p:spPr/>
+        <p:txBody>
+          <a:bodyPr/>
+          <a:lstStyle/>
+          <a:p>
+            <a:r>
+              <a:rPr lang="en-US" dirty="0"/>
+              <a:t>The </a:t>
+            </a:r>
+            <a:r>
+              <a:rPr lang="en-US" dirty="0" err="1"/>
+              <a:t>Makefile</a:t>
+            </a:r>
+            <a:endParaRPr lang="en-US" dirty="0"/>
+          </a:p>
+        </p:txBody>
+      </p:sp>
+      <p:cxnSp>
+        <p:nvCxnSpPr>
+          <p:cNvPr id="34" name="Straight Connector 33"/>
+          <p:cNvCxnSpPr>
+            <a:cxnSpLocks/>
+          </p:cNvCxnSpPr>
+          <p:nvPr/>
+        </p:nvCxnSpPr>
+        <p:spPr>
+          <a:xfrm>
+            <a:off x="944880" y="1295400"/>
+            <a:ext cx="10408920" cy="0"/>
+          </a:xfrm>
+          <a:prstGeom prst="line">
+            <a:avLst/>
+          </a:prstGeom>
+          <a:ln>
+            <a:solidFill>
+              <a:schemeClr val="accent1">
+                <a:lumMod val="75000"/>
+              </a:schemeClr>
+            </a:solidFill>
+          </a:ln>
+        </p:spPr>
+        <p:style>
+          <a:lnRef idx="1">
+            <a:schemeClr val="accent1"/>
+          </a:lnRef>
+          <a:fillRef idx="0">
+            <a:schemeClr val="accent1"/>
+          </a:fillRef>
+          <a:effectRef idx="0">
+            <a:schemeClr val="accent1"/>
+          </a:effectRef>
+          <a:fontRef idx="minor">
+            <a:schemeClr val="tx1"/>
+          </a:fontRef>
+        </p:style>
+      </p:cxnSp>
+      <p:sp>
+        <p:nvSpPr>
+          <p:cNvPr id="7" name="Rectangle 19">
+            <a:extLst>
+              <a:ext uri="{FF2B5EF4-FFF2-40B4-BE49-F238E27FC236}">
+                <a16:creationId xmlns:a16="http://schemas.microsoft.com/office/drawing/2014/main" id="{FC50509A-099D-4A1A-A2DE-32EB3578F67F}"/>
+              </a:ext>
+            </a:extLst>
+          </p:cNvPr>
+          <p:cNvSpPr>
+            <a:spLocks noChangeArrowheads="1"/>
+          </p:cNvSpPr>
+          <p:nvPr/>
+        </p:nvSpPr>
+        <p:spPr bwMode="auto">
+          <a:xfrm>
+            <a:off x="4955931" y="2699238"/>
+            <a:ext cx="1752600" cy="381000"/>
+          </a:xfrm>
+          <a:prstGeom prst="rect">
+            <a:avLst/>
+          </a:prstGeom>
+          <a:solidFill>
+            <a:schemeClr val="bg1"/>
+          </a:solidFill>
+          <a:ln w="9525">
+            <a:solidFill>
+              <a:schemeClr val="tx1"/>
+            </a:solidFill>
+            <a:miter lim="800000"/>
+            <a:headEnd/>
+            <a:tailEnd/>
+          </a:ln>
+          <a:effectLst/>
+          <a:extLst>
+            <a:ext uri="{AF507438-7753-43E0-B8FC-AC1667EBCBE1}">
+              <a14:hiddenEffects xmlns:a14="http://schemas.microsoft.com/office/drawing/2010/main">
+                <a:effectLst>
+                  <a:outerShdw dist="35921" dir="2700000" algn="ctr" rotWithShape="0">
+                    <a:schemeClr val="bg2"/>
+                  </a:outerShdw>
+                </a:effectLst>
+              </a14:hiddenEffects>
+            </a:ext>
+          </a:extLst>
+        </p:spPr>
+        <p:txBody>
+          <a:bodyPr wrap="none" anchor="ctr"/>
+          <a:lstStyle/>
+          <a:p>
+            <a:pPr algn="ctr"/>
+            <a:r>
+              <a:rPr lang="en-US" altLang="en-US" dirty="0"/>
+              <a:t>calculator (exe)</a:t>
+            </a:r>
+          </a:p>
+        </p:txBody>
+      </p:sp>
+      <p:sp>
+        <p:nvSpPr>
           <p:cNvPr id="8" name="Rectangle 20">
             <a:extLst>
               <a:ext uri="{FF2B5EF4-FFF2-40B4-BE49-F238E27FC236}">
@@ -10908,7 +11281,7 @@
 </p:sld>
 </file>
 
-<file path=ppt/slides/slide33.xml><?xml version="1.0" encoding="utf-8"?>
+<file path=ppt/slides/slide34.xml><?xml version="1.0" encoding="utf-8"?>
 <p:sld xmlns:a="http://schemas.openxmlformats.org/drawingml/2006/main" xmlns:r="http://schemas.openxmlformats.org/officeDocument/2006/relationships" xmlns:p="http://schemas.openxmlformats.org/presentationml/2006/main">
   <p:cSld>
     <p:spTree>
@@ -11753,7 +12126,7 @@
 </p:sld>
 </file>
 
-<file path=ppt/slides/slide34.xml><?xml version="1.0" encoding="utf-8"?>
+<file path=ppt/slides/slide35.xml><?xml version="1.0" encoding="utf-8"?>
 <p:sld xmlns:a="http://schemas.openxmlformats.org/drawingml/2006/main" xmlns:r="http://schemas.openxmlformats.org/officeDocument/2006/relationships" xmlns:p="http://schemas.openxmlformats.org/presentationml/2006/main">
   <p:cSld>
     <p:spTree>
@@ -12160,7 +12533,7 @@
 </p:sld>
 </file>
 
-<file path=ppt/slides/slide35.xml><?xml version="1.0" encoding="utf-8"?>
+<file path=ppt/slides/slide36.xml><?xml version="1.0" encoding="utf-8"?>
 <p:sld xmlns:a="http://schemas.openxmlformats.org/drawingml/2006/main" xmlns:r="http://schemas.openxmlformats.org/officeDocument/2006/relationships" xmlns:p="http://schemas.openxmlformats.org/presentationml/2006/main">
   <p:cSld>
     <p:spTree>
@@ -12673,7 +13046,7 @@
 </p:sld>
 </file>
 
-<file path=ppt/slides/slide36.xml><?xml version="1.0" encoding="utf-8"?>
+<file path=ppt/slides/slide37.xml><?xml version="1.0" encoding="utf-8"?>
 <p:sld xmlns:a="http://schemas.openxmlformats.org/drawingml/2006/main" xmlns:r="http://schemas.openxmlformats.org/officeDocument/2006/relationships" xmlns:p="http://schemas.openxmlformats.org/presentationml/2006/main">
   <p:cSld>
     <p:spTree>
@@ -13272,7 +13645,7 @@
 </p:sld>
 </file>
 
-<file path=ppt/slides/slide37.xml><?xml version="1.0" encoding="utf-8"?>
+<file path=ppt/slides/slide38.xml><?xml version="1.0" encoding="utf-8"?>
 <p:sld xmlns:a="http://schemas.openxmlformats.org/drawingml/2006/main" xmlns:r="http://schemas.openxmlformats.org/officeDocument/2006/relationships" xmlns:p="http://schemas.openxmlformats.org/presentationml/2006/main">
   <p:cSld>
     <p:spTree>
@@ -13951,7 +14324,7 @@
 </p:sld>
 </file>
 
-<file path=ppt/slides/slide38.xml><?xml version="1.0" encoding="utf-8"?>
+<file path=ppt/slides/slide39.xml><?xml version="1.0" encoding="utf-8"?>
 <p:sld xmlns:a="http://schemas.openxmlformats.org/drawingml/2006/main" xmlns:r="http://schemas.openxmlformats.org/officeDocument/2006/relationships" xmlns:p="http://schemas.openxmlformats.org/presentationml/2006/main">
   <p:cSld>
     <p:spTree>
@@ -15298,222 +15671,6 @@
 </p:sld>
 </file>
 
-<file path=ppt/slides/slide39.xml><?xml version="1.0" encoding="utf-8"?>
-<p:sld xmlns:a="http://schemas.openxmlformats.org/drawingml/2006/main" xmlns:r="http://schemas.openxmlformats.org/officeDocument/2006/relationships" xmlns:p="http://schemas.openxmlformats.org/presentationml/2006/main">
-  <p:cSld>
-    <p:spTree>
-      <p:nvGrpSpPr>
-        <p:cNvPr id="1" name=""/>
-        <p:cNvGrpSpPr/>
-        <p:nvPr/>
-      </p:nvGrpSpPr>
-      <p:grpSpPr>
-        <a:xfrm>
-          <a:off x="0" y="0"/>
-          <a:ext cx="0" cy="0"/>
-          <a:chOff x="0" y="0"/>
-          <a:chExt cx="0" cy="0"/>
-        </a:xfrm>
-      </p:grpSpPr>
-      <p:sp>
-        <p:nvSpPr>
-          <p:cNvPr id="2" name="Title 1"/>
-          <p:cNvSpPr>
-            <a:spLocks noGrp="1"/>
-          </p:cNvSpPr>
-          <p:nvPr>
-            <p:ph type="title"/>
-          </p:nvPr>
-        </p:nvSpPr>
-        <p:spPr/>
-        <p:txBody>
-          <a:bodyPr/>
-          <a:lstStyle/>
-          <a:p>
-            <a:r>
-              <a:rPr lang="en-US" dirty="0"/>
-              <a:t>The </a:t>
-            </a:r>
-            <a:r>
-              <a:rPr lang="en-US" dirty="0" err="1"/>
-              <a:t>Makefile</a:t>
-            </a:r>
-            <a:endParaRPr lang="en-US" dirty="0"/>
-          </a:p>
-        </p:txBody>
-      </p:sp>
-      <p:sp>
-        <p:nvSpPr>
-          <p:cNvPr id="3" name="Content Placeholder 2"/>
-          <p:cNvSpPr>
-            <a:spLocks noGrp="1"/>
-          </p:cNvSpPr>
-          <p:nvPr>
-            <p:ph idx="1"/>
-          </p:nvPr>
-        </p:nvSpPr>
-        <p:spPr>
-          <a:xfrm>
-            <a:off x="838200" y="1825624"/>
-            <a:ext cx="10829192" cy="3065347"/>
-          </a:xfrm>
-        </p:spPr>
-        <p:txBody>
-          <a:bodyPr>
-            <a:normAutofit/>
-          </a:bodyPr>
-          <a:lstStyle/>
-          <a:p>
-            <a:r>
-              <a:rPr lang="en-US" dirty="0"/>
-              <a:t>Running “make”</a:t>
-            </a:r>
-          </a:p>
-        </p:txBody>
-      </p:sp>
-      <p:cxnSp>
-        <p:nvCxnSpPr>
-          <p:cNvPr id="34" name="Straight Connector 33"/>
-          <p:cNvCxnSpPr>
-            <a:cxnSpLocks/>
-          </p:cNvCxnSpPr>
-          <p:nvPr/>
-        </p:nvCxnSpPr>
-        <p:spPr>
-          <a:xfrm>
-            <a:off x="944880" y="1295400"/>
-            <a:ext cx="10408920" cy="0"/>
-          </a:xfrm>
-          <a:prstGeom prst="line">
-            <a:avLst/>
-          </a:prstGeom>
-          <a:ln>
-            <a:solidFill>
-              <a:schemeClr val="accent1">
-                <a:lumMod val="75000"/>
-              </a:schemeClr>
-            </a:solidFill>
-          </a:ln>
-        </p:spPr>
-        <p:style>
-          <a:lnRef idx="1">
-            <a:schemeClr val="accent1"/>
-          </a:lnRef>
-          <a:fillRef idx="0">
-            <a:schemeClr val="accent1"/>
-          </a:fillRef>
-          <a:effectRef idx="0">
-            <a:schemeClr val="accent1"/>
-          </a:effectRef>
-          <a:fontRef idx="minor">
-            <a:schemeClr val="tx1"/>
-          </a:fontRef>
-        </p:style>
-      </p:cxnSp>
-      <p:sp>
-        <p:nvSpPr>
-          <p:cNvPr id="6" name="TextBox 5">
-            <a:extLst>
-              <a:ext uri="{FF2B5EF4-FFF2-40B4-BE49-F238E27FC236}">
-                <a16:creationId xmlns:a16="http://schemas.microsoft.com/office/drawing/2014/main" id="{5DA95364-04BD-40BB-B3D7-106D5FE10585}"/>
-              </a:ext>
-            </a:extLst>
-          </p:cNvPr>
-          <p:cNvSpPr txBox="1"/>
-          <p:nvPr/>
-        </p:nvSpPr>
-        <p:spPr>
-          <a:xfrm>
-            <a:off x="838200" y="3666868"/>
-            <a:ext cx="10934700" cy="1754326"/>
-          </a:xfrm>
-          <a:prstGeom prst="rect">
-            <a:avLst/>
-          </a:prstGeom>
-          <a:solidFill>
-            <a:schemeClr val="tx1"/>
-          </a:solidFill>
-        </p:spPr>
-        <p:txBody>
-          <a:bodyPr wrap="square" rtlCol="0">
-            <a:spAutoFit/>
-          </a:bodyPr>
-          <a:lstStyle/>
-          <a:p>
-            <a:r>
-              <a:rPr lang="en-US" dirty="0">
-                <a:solidFill>
-                  <a:schemeClr val="bg1"/>
-                </a:solidFill>
-                <a:latin typeface="Consolas" panose="020B0609020204030204" pitchFamily="49" charset="0"/>
-              </a:rPr>
-              <a:t>~home-laptop-&gt;$ </a:t>
-            </a:r>
-            <a:r>
-              <a:rPr lang="en-US" b="1" dirty="0">
-                <a:solidFill>
-                  <a:srgbClr val="FFFF00"/>
-                </a:solidFill>
-                <a:latin typeface="Consolas" panose="020B0609020204030204" pitchFamily="49" charset="0"/>
-              </a:rPr>
-              <a:t>make calculator</a:t>
-            </a:r>
-          </a:p>
-          <a:p>
-            <a:endParaRPr lang="en-US" dirty="0">
-              <a:solidFill>
-                <a:schemeClr val="bg1"/>
-              </a:solidFill>
-              <a:latin typeface="Consolas" panose="020B0609020204030204" pitchFamily="49" charset="0"/>
-            </a:endParaRPr>
-          </a:p>
-          <a:p>
-            <a:endParaRPr lang="en-US" dirty="0">
-              <a:solidFill>
-                <a:schemeClr val="bg1"/>
-              </a:solidFill>
-              <a:latin typeface="Consolas" panose="020B0609020204030204" pitchFamily="49" charset="0"/>
-            </a:endParaRPr>
-          </a:p>
-          <a:p>
-            <a:endParaRPr lang="en-US" dirty="0">
-              <a:solidFill>
-                <a:schemeClr val="bg1"/>
-              </a:solidFill>
-              <a:latin typeface="Consolas" panose="020B0609020204030204" pitchFamily="49" charset="0"/>
-            </a:endParaRPr>
-          </a:p>
-          <a:p>
-            <a:endParaRPr lang="en-US" dirty="0">
-              <a:solidFill>
-                <a:schemeClr val="bg1"/>
-              </a:solidFill>
-              <a:latin typeface="Consolas" panose="020B0609020204030204" pitchFamily="49" charset="0"/>
-            </a:endParaRPr>
-          </a:p>
-          <a:p>
-            <a:endParaRPr lang="en-US" dirty="0">
-              <a:solidFill>
-                <a:schemeClr val="bg1"/>
-              </a:solidFill>
-              <a:latin typeface="Consolas" panose="020B0609020204030204" pitchFamily="49" charset="0"/>
-            </a:endParaRPr>
-          </a:p>
-        </p:txBody>
-      </p:sp>
-    </p:spTree>
-    <p:extLst>
-      <p:ext uri="{BB962C8B-B14F-4D97-AF65-F5344CB8AC3E}">
-        <p14:creationId xmlns:p14="http://schemas.microsoft.com/office/powerpoint/2010/main" val="965504338"/>
-      </p:ext>
-    </p:extLst>
-  </p:cSld>
-  <p:clrMapOvr>
-    <a:masterClrMapping/>
-  </p:clrMapOvr>
-</p:sld>
-</file>
-
 <file path=ppt/slides/slide4.xml><?xml version="1.0" encoding="utf-8"?>
 <p:sld xmlns:a="http://schemas.openxmlformats.org/drawingml/2006/main" xmlns:r="http://schemas.openxmlformats.org/officeDocument/2006/relationships" xmlns:p="http://schemas.openxmlformats.org/presentationml/2006/main">
   <p:cSld>
@@ -15566,7 +15723,7 @@
         <p:spPr>
           <a:xfrm>
             <a:off x="838200" y="1825625"/>
-            <a:ext cx="10515600" cy="1973538"/>
+            <a:ext cx="10515600" cy="4351338"/>
           </a:xfrm>
         </p:spPr>
         <p:txBody>
@@ -15576,12 +15733,6 @@
             <a:r>
               <a:rPr lang="en-US" dirty="0"/>
               <a:t>Common operating systems abstractions and mechanisms</a:t>
-            </a:r>
-          </a:p>
-          <a:p>
-            <a:r>
-              <a:rPr lang="en-US" dirty="0"/>
-              <a:t>Will provide basic knowledge common to many modern Operating Systems</a:t>
             </a:r>
           </a:p>
         </p:txBody>
@@ -15627,10 +15778,10 @@
       </p:cxnSp>
       <p:pic>
         <p:nvPicPr>
-          <p:cNvPr id="3074" name="Picture 2" descr="Related image">
+          <p:cNvPr id="2052" name="Picture 4" descr="Related image">
             <a:extLst>
               <a:ext uri="{FF2B5EF4-FFF2-40B4-BE49-F238E27FC236}">
-                <a16:creationId xmlns:a16="http://schemas.microsoft.com/office/drawing/2014/main" id="{24BE70E6-F4E9-4BDC-9B30-9002F630BBAD}"/>
+                <a16:creationId xmlns:a16="http://schemas.microsoft.com/office/drawing/2014/main" id="{2D658FFC-A624-4A17-8DA4-F7E23C86077F}"/>
               </a:ext>
             </a:extLst>
           </p:cNvPr>
@@ -15647,13 +15798,13 @@
               </a:ext>
             </a:extLst>
           </a:blip>
-          <a:srcRect t="58869"/>
+          <a:srcRect l="18204" t="5812" r="53466" b="11840"/>
           <a:stretch/>
         </p:blipFill>
         <p:spPr bwMode="auto">
           <a:xfrm>
-            <a:off x="5954737" y="3934100"/>
-            <a:ext cx="6036652" cy="2176635"/>
+            <a:off x="2383816" y="4001294"/>
+            <a:ext cx="1124315" cy="1598689"/>
           </a:xfrm>
           <a:prstGeom prst="rect">
             <a:avLst/>
@@ -15672,10 +15823,10 @@
       </p:pic>
       <p:pic>
         <p:nvPicPr>
-          <p:cNvPr id="9" name="Picture 2" descr="Related image">
+          <p:cNvPr id="8" name="Picture 4" descr="Related image">
             <a:extLst>
               <a:ext uri="{FF2B5EF4-FFF2-40B4-BE49-F238E27FC236}">
-                <a16:creationId xmlns:a16="http://schemas.microsoft.com/office/drawing/2014/main" id="{91DEEB04-DE8E-4FEC-921A-EF3DC8663338}"/>
+                <a16:creationId xmlns:a16="http://schemas.microsoft.com/office/drawing/2014/main" id="{86A2132F-E685-4165-8B03-BAE444E96BC9}"/>
               </a:ext>
             </a:extLst>
           </p:cNvPr>
@@ -15692,13 +15843,13 @@
               </a:ext>
             </a:extLst>
           </a:blip>
-          <a:srcRect t="40428" b="41315"/>
+          <a:srcRect l="47106" t="5812" r="24564" b="11840"/>
           <a:stretch/>
         </p:blipFill>
         <p:spPr bwMode="auto">
           <a:xfrm>
-            <a:off x="323706" y="4250266"/>
-            <a:ext cx="6036652" cy="966151"/>
+            <a:off x="4175249" y="4022387"/>
+            <a:ext cx="1124315" cy="1598689"/>
           </a:xfrm>
           <a:prstGeom prst="rect">
             <a:avLst/>
@@ -15715,64 +15866,12 @@
           </a:extLst>
         </p:spPr>
       </p:pic>
-      <p:sp>
-        <p:nvSpPr>
-          <p:cNvPr id="4" name="Rectangle 3">
+      <p:pic>
+        <p:nvPicPr>
+          <p:cNvPr id="2058" name="Picture 10" descr="Related image">
             <a:extLst>
               <a:ext uri="{FF2B5EF4-FFF2-40B4-BE49-F238E27FC236}">
-                <a16:creationId xmlns:a16="http://schemas.microsoft.com/office/drawing/2014/main" id="{6F9D7F38-6A7E-4ED5-BF98-82229E92C061}"/>
-              </a:ext>
-            </a:extLst>
-          </p:cNvPr>
-          <p:cNvSpPr/>
-          <p:nvPr/>
-        </p:nvSpPr>
-        <p:spPr>
-          <a:xfrm>
-            <a:off x="10049608" y="4902256"/>
-            <a:ext cx="782516" cy="1134208"/>
-          </a:xfrm>
-          <a:prstGeom prst="rect">
-            <a:avLst/>
-          </a:prstGeom>
-          <a:solidFill>
-            <a:schemeClr val="bg1"/>
-          </a:solidFill>
-          <a:ln>
-            <a:noFill/>
-          </a:ln>
-        </p:spPr>
-        <p:style>
-          <a:lnRef idx="2">
-            <a:schemeClr val="accent1">
-              <a:shade val="50000"/>
-            </a:schemeClr>
-          </a:lnRef>
-          <a:fillRef idx="1">
-            <a:schemeClr val="accent1"/>
-          </a:fillRef>
-          <a:effectRef idx="0">
-            <a:schemeClr val="accent1"/>
-          </a:effectRef>
-          <a:fontRef idx="minor">
-            <a:schemeClr val="lt1"/>
-          </a:fontRef>
-        </p:style>
-        <p:txBody>
-          <a:bodyPr rtlCol="0" anchor="ctr"/>
-          <a:lstStyle/>
-          <a:p>
-            <a:pPr algn="ctr"/>
-            <a:endParaRPr lang="en-US"/>
-          </a:p>
-        </p:txBody>
-      </p:sp>
-      <p:pic>
-        <p:nvPicPr>
-          <p:cNvPr id="3076" name="Picture 4" descr="Image result for macOS  logo">
-            <a:extLst>
-              <a:ext uri="{FF2B5EF4-FFF2-40B4-BE49-F238E27FC236}">
-                <a16:creationId xmlns:a16="http://schemas.microsoft.com/office/drawing/2014/main" id="{DE2D5C5C-CD3E-41FD-A5F2-1363CC5FB4A3}"/>
+                <a16:creationId xmlns:a16="http://schemas.microsoft.com/office/drawing/2014/main" id="{D70ECD19-B963-4D7C-89BE-F07A5D2F6E1D}"/>
               </a:ext>
             </a:extLst>
           </p:cNvPr>
@@ -15796,8 +15895,8 @@
         </p:blipFill>
         <p:spPr bwMode="auto">
           <a:xfrm>
-            <a:off x="10113248" y="4959224"/>
-            <a:ext cx="897066" cy="852213"/>
+            <a:off x="5966682" y="4252926"/>
+            <a:ext cx="1347057" cy="1347057"/>
           </a:xfrm>
           <a:prstGeom prst="rect">
             <a:avLst/>
@@ -15816,10 +15915,10 @@
       </p:pic>
       <p:pic>
         <p:nvPicPr>
-          <p:cNvPr id="3080" name="Picture 8" descr="Image result for oracle os logo">
+          <p:cNvPr id="2062" name="Picture 14" descr="Image result for ubuntu logo">
             <a:extLst>
               <a:ext uri="{FF2B5EF4-FFF2-40B4-BE49-F238E27FC236}">
-                <a16:creationId xmlns:a16="http://schemas.microsoft.com/office/drawing/2014/main" id="{39EC922C-B272-4226-B2C2-7C9477EB264D}"/>
+                <a16:creationId xmlns:a16="http://schemas.microsoft.com/office/drawing/2014/main" id="{899B8B08-71ED-4EE9-A75C-67CD027A61C2}"/>
               </a:ext>
             </a:extLst>
           </p:cNvPr>
@@ -15843,8 +15942,8 @@
         </p:blipFill>
         <p:spPr bwMode="auto">
           <a:xfrm>
-            <a:off x="4761182" y="5385331"/>
-            <a:ext cx="1247197" cy="651134"/>
+            <a:off x="7980857" y="4252926"/>
+            <a:ext cx="1690867" cy="1347057"/>
           </a:xfrm>
           <a:prstGeom prst="rect">
             <a:avLst/>
@@ -15864,7 +15963,7 @@
     </p:spTree>
     <p:extLst>
       <p:ext uri="{BB962C8B-B14F-4D97-AF65-F5344CB8AC3E}">
-        <p14:creationId xmlns:p14="http://schemas.microsoft.com/office/powerpoint/2010/main" val="4077464259"/>
+        <p14:creationId xmlns:p14="http://schemas.microsoft.com/office/powerpoint/2010/main" val="1759584591"/>
       </p:ext>
     </p:extLst>
   </p:cSld>
@@ -15875,6 +15974,222 @@
 </file>
 
 <file path=ppt/slides/slide40.xml><?xml version="1.0" encoding="utf-8"?>
+<p:sld xmlns:a="http://schemas.openxmlformats.org/drawingml/2006/main" xmlns:r="http://schemas.openxmlformats.org/officeDocument/2006/relationships" xmlns:p="http://schemas.openxmlformats.org/presentationml/2006/main">
+  <p:cSld>
+    <p:spTree>
+      <p:nvGrpSpPr>
+        <p:cNvPr id="1" name=""/>
+        <p:cNvGrpSpPr/>
+        <p:nvPr/>
+      </p:nvGrpSpPr>
+      <p:grpSpPr>
+        <a:xfrm>
+          <a:off x="0" y="0"/>
+          <a:ext cx="0" cy="0"/>
+          <a:chOff x="0" y="0"/>
+          <a:chExt cx="0" cy="0"/>
+        </a:xfrm>
+      </p:grpSpPr>
+      <p:sp>
+        <p:nvSpPr>
+          <p:cNvPr id="2" name="Title 1"/>
+          <p:cNvSpPr>
+            <a:spLocks noGrp="1"/>
+          </p:cNvSpPr>
+          <p:nvPr>
+            <p:ph type="title"/>
+          </p:nvPr>
+        </p:nvSpPr>
+        <p:spPr/>
+        <p:txBody>
+          <a:bodyPr/>
+          <a:lstStyle/>
+          <a:p>
+            <a:r>
+              <a:rPr lang="en-US" dirty="0"/>
+              <a:t>The </a:t>
+            </a:r>
+            <a:r>
+              <a:rPr lang="en-US" dirty="0" err="1"/>
+              <a:t>Makefile</a:t>
+            </a:r>
+            <a:endParaRPr lang="en-US" dirty="0"/>
+          </a:p>
+        </p:txBody>
+      </p:sp>
+      <p:sp>
+        <p:nvSpPr>
+          <p:cNvPr id="3" name="Content Placeholder 2"/>
+          <p:cNvSpPr>
+            <a:spLocks noGrp="1"/>
+          </p:cNvSpPr>
+          <p:nvPr>
+            <p:ph idx="1"/>
+          </p:nvPr>
+        </p:nvSpPr>
+        <p:spPr>
+          <a:xfrm>
+            <a:off x="838200" y="1825624"/>
+            <a:ext cx="10829192" cy="3065347"/>
+          </a:xfrm>
+        </p:spPr>
+        <p:txBody>
+          <a:bodyPr>
+            <a:normAutofit/>
+          </a:bodyPr>
+          <a:lstStyle/>
+          <a:p>
+            <a:r>
+              <a:rPr lang="en-US" dirty="0"/>
+              <a:t>Running “make”</a:t>
+            </a:r>
+          </a:p>
+        </p:txBody>
+      </p:sp>
+      <p:cxnSp>
+        <p:nvCxnSpPr>
+          <p:cNvPr id="34" name="Straight Connector 33"/>
+          <p:cNvCxnSpPr>
+            <a:cxnSpLocks/>
+          </p:cNvCxnSpPr>
+          <p:nvPr/>
+        </p:nvCxnSpPr>
+        <p:spPr>
+          <a:xfrm>
+            <a:off x="944880" y="1295400"/>
+            <a:ext cx="10408920" cy="0"/>
+          </a:xfrm>
+          <a:prstGeom prst="line">
+            <a:avLst/>
+          </a:prstGeom>
+          <a:ln>
+            <a:solidFill>
+              <a:schemeClr val="accent1">
+                <a:lumMod val="75000"/>
+              </a:schemeClr>
+            </a:solidFill>
+          </a:ln>
+        </p:spPr>
+        <p:style>
+          <a:lnRef idx="1">
+            <a:schemeClr val="accent1"/>
+          </a:lnRef>
+          <a:fillRef idx="0">
+            <a:schemeClr val="accent1"/>
+          </a:fillRef>
+          <a:effectRef idx="0">
+            <a:schemeClr val="accent1"/>
+          </a:effectRef>
+          <a:fontRef idx="minor">
+            <a:schemeClr val="tx1"/>
+          </a:fontRef>
+        </p:style>
+      </p:cxnSp>
+      <p:sp>
+        <p:nvSpPr>
+          <p:cNvPr id="6" name="TextBox 5">
+            <a:extLst>
+              <a:ext uri="{FF2B5EF4-FFF2-40B4-BE49-F238E27FC236}">
+                <a16:creationId xmlns:a16="http://schemas.microsoft.com/office/drawing/2014/main" id="{5DA95364-04BD-40BB-B3D7-106D5FE10585}"/>
+              </a:ext>
+            </a:extLst>
+          </p:cNvPr>
+          <p:cNvSpPr txBox="1"/>
+          <p:nvPr/>
+        </p:nvSpPr>
+        <p:spPr>
+          <a:xfrm>
+            <a:off x="838200" y="3666868"/>
+            <a:ext cx="10934700" cy="1754326"/>
+          </a:xfrm>
+          <a:prstGeom prst="rect">
+            <a:avLst/>
+          </a:prstGeom>
+          <a:solidFill>
+            <a:schemeClr val="tx1"/>
+          </a:solidFill>
+        </p:spPr>
+        <p:txBody>
+          <a:bodyPr wrap="square" rtlCol="0">
+            <a:spAutoFit/>
+          </a:bodyPr>
+          <a:lstStyle/>
+          <a:p>
+            <a:r>
+              <a:rPr lang="en-US" dirty="0">
+                <a:solidFill>
+                  <a:schemeClr val="bg1"/>
+                </a:solidFill>
+                <a:latin typeface="Consolas" panose="020B0609020204030204" pitchFamily="49" charset="0"/>
+              </a:rPr>
+              <a:t>~home-laptop-&gt;$ </a:t>
+            </a:r>
+            <a:r>
+              <a:rPr lang="en-US" b="1" dirty="0">
+                <a:solidFill>
+                  <a:srgbClr val="FFFF00"/>
+                </a:solidFill>
+                <a:latin typeface="Consolas" panose="020B0609020204030204" pitchFamily="49" charset="0"/>
+              </a:rPr>
+              <a:t>make calculator</a:t>
+            </a:r>
+          </a:p>
+          <a:p>
+            <a:endParaRPr lang="en-US" dirty="0">
+              <a:solidFill>
+                <a:schemeClr val="bg1"/>
+              </a:solidFill>
+              <a:latin typeface="Consolas" panose="020B0609020204030204" pitchFamily="49" charset="0"/>
+            </a:endParaRPr>
+          </a:p>
+          <a:p>
+            <a:endParaRPr lang="en-US" dirty="0">
+              <a:solidFill>
+                <a:schemeClr val="bg1"/>
+              </a:solidFill>
+              <a:latin typeface="Consolas" panose="020B0609020204030204" pitchFamily="49" charset="0"/>
+            </a:endParaRPr>
+          </a:p>
+          <a:p>
+            <a:endParaRPr lang="en-US" dirty="0">
+              <a:solidFill>
+                <a:schemeClr val="bg1"/>
+              </a:solidFill>
+              <a:latin typeface="Consolas" panose="020B0609020204030204" pitchFamily="49" charset="0"/>
+            </a:endParaRPr>
+          </a:p>
+          <a:p>
+            <a:endParaRPr lang="en-US" dirty="0">
+              <a:solidFill>
+                <a:schemeClr val="bg1"/>
+              </a:solidFill>
+              <a:latin typeface="Consolas" panose="020B0609020204030204" pitchFamily="49" charset="0"/>
+            </a:endParaRPr>
+          </a:p>
+          <a:p>
+            <a:endParaRPr lang="en-US" dirty="0">
+              <a:solidFill>
+                <a:schemeClr val="bg1"/>
+              </a:solidFill>
+              <a:latin typeface="Consolas" panose="020B0609020204030204" pitchFamily="49" charset="0"/>
+            </a:endParaRPr>
+          </a:p>
+        </p:txBody>
+      </p:sp>
+    </p:spTree>
+    <p:extLst>
+      <p:ext uri="{BB962C8B-B14F-4D97-AF65-F5344CB8AC3E}">
+        <p14:creationId xmlns:p14="http://schemas.microsoft.com/office/powerpoint/2010/main" val="965504338"/>
+      </p:ext>
+    </p:extLst>
+  </p:cSld>
+  <p:clrMapOvr>
+    <a:masterClrMapping/>
+  </p:clrMapOvr>
+</p:sld>
+</file>
+
+<file path=ppt/slides/slide41.xml><?xml version="1.0" encoding="utf-8"?>
 <p:sld xmlns:a="http://schemas.openxmlformats.org/drawingml/2006/main" xmlns:r="http://schemas.openxmlformats.org/officeDocument/2006/relationships" xmlns:p="http://schemas.openxmlformats.org/presentationml/2006/main">
   <p:cSld>
     <p:spTree>
@@ -16469,222 +16784,6 @@
 </p:sld>
 </file>
 
-<file path=ppt/slides/slide41.xml><?xml version="1.0" encoding="utf-8"?>
-<p:sld xmlns:a="http://schemas.openxmlformats.org/drawingml/2006/main" xmlns:r="http://schemas.openxmlformats.org/officeDocument/2006/relationships" xmlns:p="http://schemas.openxmlformats.org/presentationml/2006/main">
-  <p:cSld>
-    <p:spTree>
-      <p:nvGrpSpPr>
-        <p:cNvPr id="1" name=""/>
-        <p:cNvGrpSpPr/>
-        <p:nvPr/>
-      </p:nvGrpSpPr>
-      <p:grpSpPr>
-        <a:xfrm>
-          <a:off x="0" y="0"/>
-          <a:ext cx="0" cy="0"/>
-          <a:chOff x="0" y="0"/>
-          <a:chExt cx="0" cy="0"/>
-        </a:xfrm>
-      </p:grpSpPr>
-      <p:sp>
-        <p:nvSpPr>
-          <p:cNvPr id="2" name="Title 1"/>
-          <p:cNvSpPr>
-            <a:spLocks noGrp="1"/>
-          </p:cNvSpPr>
-          <p:nvPr>
-            <p:ph type="title"/>
-          </p:nvPr>
-        </p:nvSpPr>
-        <p:spPr/>
-        <p:txBody>
-          <a:bodyPr/>
-          <a:lstStyle/>
-          <a:p>
-            <a:r>
-              <a:rPr lang="en-US" dirty="0"/>
-              <a:t>The </a:t>
-            </a:r>
-            <a:r>
-              <a:rPr lang="en-US" dirty="0" err="1"/>
-              <a:t>Makefile</a:t>
-            </a:r>
-            <a:endParaRPr lang="en-US" dirty="0"/>
-          </a:p>
-        </p:txBody>
-      </p:sp>
-      <p:sp>
-        <p:nvSpPr>
-          <p:cNvPr id="3" name="Content Placeholder 2"/>
-          <p:cNvSpPr>
-            <a:spLocks noGrp="1"/>
-          </p:cNvSpPr>
-          <p:nvPr>
-            <p:ph idx="1"/>
-          </p:nvPr>
-        </p:nvSpPr>
-        <p:spPr>
-          <a:xfrm>
-            <a:off x="838200" y="1825624"/>
-            <a:ext cx="10829192" cy="3065347"/>
-          </a:xfrm>
-        </p:spPr>
-        <p:txBody>
-          <a:bodyPr>
-            <a:normAutofit/>
-          </a:bodyPr>
-          <a:lstStyle/>
-          <a:p>
-            <a:r>
-              <a:rPr lang="en-US" dirty="0"/>
-              <a:t>Running “make”</a:t>
-            </a:r>
-          </a:p>
-        </p:txBody>
-      </p:sp>
-      <p:cxnSp>
-        <p:nvCxnSpPr>
-          <p:cNvPr id="34" name="Straight Connector 33"/>
-          <p:cNvCxnSpPr>
-            <a:cxnSpLocks/>
-          </p:cNvCxnSpPr>
-          <p:nvPr/>
-        </p:nvCxnSpPr>
-        <p:spPr>
-          <a:xfrm>
-            <a:off x="944880" y="1295400"/>
-            <a:ext cx="10408920" cy="0"/>
-          </a:xfrm>
-          <a:prstGeom prst="line">
-            <a:avLst/>
-          </a:prstGeom>
-          <a:ln>
-            <a:solidFill>
-              <a:schemeClr val="accent1">
-                <a:lumMod val="75000"/>
-              </a:schemeClr>
-            </a:solidFill>
-          </a:ln>
-        </p:spPr>
-        <p:style>
-          <a:lnRef idx="1">
-            <a:schemeClr val="accent1"/>
-          </a:lnRef>
-          <a:fillRef idx="0">
-            <a:schemeClr val="accent1"/>
-          </a:fillRef>
-          <a:effectRef idx="0">
-            <a:schemeClr val="accent1"/>
-          </a:effectRef>
-          <a:fontRef idx="minor">
-            <a:schemeClr val="tx1"/>
-          </a:fontRef>
-        </p:style>
-      </p:cxnSp>
-      <p:sp>
-        <p:nvSpPr>
-          <p:cNvPr id="6" name="TextBox 5">
-            <a:extLst>
-              <a:ext uri="{FF2B5EF4-FFF2-40B4-BE49-F238E27FC236}">
-                <a16:creationId xmlns:a16="http://schemas.microsoft.com/office/drawing/2014/main" id="{5DA95364-04BD-40BB-B3D7-106D5FE10585}"/>
-              </a:ext>
-            </a:extLst>
-          </p:cNvPr>
-          <p:cNvSpPr txBox="1"/>
-          <p:nvPr/>
-        </p:nvSpPr>
-        <p:spPr>
-          <a:xfrm>
-            <a:off x="838200" y="3666868"/>
-            <a:ext cx="10934700" cy="1754326"/>
-          </a:xfrm>
-          <a:prstGeom prst="rect">
-            <a:avLst/>
-          </a:prstGeom>
-          <a:solidFill>
-            <a:schemeClr val="tx1"/>
-          </a:solidFill>
-        </p:spPr>
-        <p:txBody>
-          <a:bodyPr wrap="square" rtlCol="0">
-            <a:spAutoFit/>
-          </a:bodyPr>
-          <a:lstStyle/>
-          <a:p>
-            <a:r>
-              <a:rPr lang="en-US" dirty="0">
-                <a:solidFill>
-                  <a:schemeClr val="bg1"/>
-                </a:solidFill>
-                <a:latin typeface="Consolas" panose="020B0609020204030204" pitchFamily="49" charset="0"/>
-              </a:rPr>
-              <a:t>~home-laptop-&gt;$ </a:t>
-            </a:r>
-            <a:r>
-              <a:rPr lang="en-US" b="1" dirty="0">
-                <a:solidFill>
-                  <a:srgbClr val="FFFF00"/>
-                </a:solidFill>
-                <a:latin typeface="Consolas" panose="020B0609020204030204" pitchFamily="49" charset="0"/>
-              </a:rPr>
-              <a:t>make clean</a:t>
-            </a:r>
-          </a:p>
-          <a:p>
-            <a:endParaRPr lang="en-US" dirty="0">
-              <a:solidFill>
-                <a:schemeClr val="bg1"/>
-              </a:solidFill>
-              <a:latin typeface="Consolas" panose="020B0609020204030204" pitchFamily="49" charset="0"/>
-            </a:endParaRPr>
-          </a:p>
-          <a:p>
-            <a:endParaRPr lang="en-US" dirty="0">
-              <a:solidFill>
-                <a:schemeClr val="bg1"/>
-              </a:solidFill>
-              <a:latin typeface="Consolas" panose="020B0609020204030204" pitchFamily="49" charset="0"/>
-            </a:endParaRPr>
-          </a:p>
-          <a:p>
-            <a:endParaRPr lang="en-US" dirty="0">
-              <a:solidFill>
-                <a:schemeClr val="bg1"/>
-              </a:solidFill>
-              <a:latin typeface="Consolas" panose="020B0609020204030204" pitchFamily="49" charset="0"/>
-            </a:endParaRPr>
-          </a:p>
-          <a:p>
-            <a:endParaRPr lang="en-US" dirty="0">
-              <a:solidFill>
-                <a:schemeClr val="bg1"/>
-              </a:solidFill>
-              <a:latin typeface="Consolas" panose="020B0609020204030204" pitchFamily="49" charset="0"/>
-            </a:endParaRPr>
-          </a:p>
-          <a:p>
-            <a:endParaRPr lang="en-US" dirty="0">
-              <a:solidFill>
-                <a:schemeClr val="bg1"/>
-              </a:solidFill>
-              <a:latin typeface="Consolas" panose="020B0609020204030204" pitchFamily="49" charset="0"/>
-            </a:endParaRPr>
-          </a:p>
-        </p:txBody>
-      </p:sp>
-    </p:spTree>
-    <p:extLst>
-      <p:ext uri="{BB962C8B-B14F-4D97-AF65-F5344CB8AC3E}">
-        <p14:creationId xmlns:p14="http://schemas.microsoft.com/office/powerpoint/2010/main" val="4019493242"/>
-      </p:ext>
-    </p:extLst>
-  </p:cSld>
-  <p:clrMapOvr>
-    <a:masterClrMapping/>
-  </p:clrMapOvr>
-</p:sld>
-</file>
-
 <file path=ppt/slides/slide42.xml><?xml version="1.0" encoding="utf-8"?>
 <p:sld xmlns:a="http://schemas.openxmlformats.org/drawingml/2006/main" xmlns:r="http://schemas.openxmlformats.org/officeDocument/2006/relationships" xmlns:p="http://schemas.openxmlformats.org/presentationml/2006/main">
   <p:cSld>
@@ -16719,8 +16818,13 @@
           <a:p>
             <a:r>
               <a:rPr lang="en-US" dirty="0"/>
-              <a:t>GUI based FTP Clients </a:t>
-            </a:r>
+              <a:t>The </a:t>
+            </a:r>
+            <a:r>
+              <a:rPr lang="en-US" dirty="0" err="1"/>
+              <a:t>Makefile</a:t>
+            </a:r>
+            <a:endParaRPr lang="en-US" dirty="0"/>
           </a:p>
         </p:txBody>
       </p:sp>
@@ -16748,28 +16852,7 @@
           <a:p>
             <a:r>
               <a:rPr lang="en-US" dirty="0"/>
-              <a:t>FileZilla – Windows/MacOS</a:t>
-            </a:r>
-          </a:p>
-          <a:p>
-            <a:pPr lvl="1"/>
-            <a:r>
-              <a:rPr lang="en-US" dirty="0"/>
-              <a:t>Copy files with drag and drop</a:t>
-            </a:r>
-          </a:p>
-          <a:p>
-            <a:pPr lvl="1"/>
-            <a:r>
-              <a:rPr lang="en-US" dirty="0"/>
-              <a:t>Create directories</a:t>
-            </a:r>
-          </a:p>
-          <a:p>
-            <a:pPr lvl="1"/>
-            <a:r>
-              <a:rPr lang="en-US" dirty="0"/>
-              <a:t>Delete files </a:t>
+              <a:t>Running “make”</a:t>
             </a:r>
           </a:p>
         </p:txBody>
@@ -16813,10 +16896,101 @@
           </a:fontRef>
         </p:style>
       </p:cxnSp>
+      <p:sp>
+        <p:nvSpPr>
+          <p:cNvPr id="6" name="TextBox 5">
+            <a:extLst>
+              <a:ext uri="{FF2B5EF4-FFF2-40B4-BE49-F238E27FC236}">
+                <a16:creationId xmlns:a16="http://schemas.microsoft.com/office/drawing/2014/main" id="{5DA95364-04BD-40BB-B3D7-106D5FE10585}"/>
+              </a:ext>
+            </a:extLst>
+          </p:cNvPr>
+          <p:cNvSpPr txBox="1"/>
+          <p:nvPr/>
+        </p:nvSpPr>
+        <p:spPr>
+          <a:xfrm>
+            <a:off x="838200" y="3666868"/>
+            <a:ext cx="10934700" cy="1754326"/>
+          </a:xfrm>
+          <a:prstGeom prst="rect">
+            <a:avLst/>
+          </a:prstGeom>
+          <a:solidFill>
+            <a:schemeClr val="tx1"/>
+          </a:solidFill>
+        </p:spPr>
+        <p:txBody>
+          <a:bodyPr wrap="square" rtlCol="0">
+            <a:spAutoFit/>
+          </a:bodyPr>
+          <a:lstStyle/>
+          <a:p>
+            <a:r>
+              <a:rPr lang="en-US" dirty="0">
+                <a:solidFill>
+                  <a:schemeClr val="bg1"/>
+                </a:solidFill>
+                <a:latin typeface="Consolas" panose="020B0609020204030204" pitchFamily="49" charset="0"/>
+              </a:rPr>
+              <a:t>~home-laptop-&gt;$ </a:t>
+            </a:r>
+            <a:r>
+              <a:rPr lang="en-US" b="1" dirty="0">
+                <a:solidFill>
+                  <a:srgbClr val="FFFF00"/>
+                </a:solidFill>
+                <a:latin typeface="Consolas" panose="020B0609020204030204" pitchFamily="49" charset="0"/>
+              </a:rPr>
+              <a:t>make clean</a:t>
+            </a:r>
+          </a:p>
+          <a:p>
+            <a:endParaRPr lang="en-US" dirty="0">
+              <a:solidFill>
+                <a:schemeClr val="bg1"/>
+              </a:solidFill>
+              <a:latin typeface="Consolas" panose="020B0609020204030204" pitchFamily="49" charset="0"/>
+            </a:endParaRPr>
+          </a:p>
+          <a:p>
+            <a:endParaRPr lang="en-US" dirty="0">
+              <a:solidFill>
+                <a:schemeClr val="bg1"/>
+              </a:solidFill>
+              <a:latin typeface="Consolas" panose="020B0609020204030204" pitchFamily="49" charset="0"/>
+            </a:endParaRPr>
+          </a:p>
+          <a:p>
+            <a:endParaRPr lang="en-US" dirty="0">
+              <a:solidFill>
+                <a:schemeClr val="bg1"/>
+              </a:solidFill>
+              <a:latin typeface="Consolas" panose="020B0609020204030204" pitchFamily="49" charset="0"/>
+            </a:endParaRPr>
+          </a:p>
+          <a:p>
+            <a:endParaRPr lang="en-US" dirty="0">
+              <a:solidFill>
+                <a:schemeClr val="bg1"/>
+              </a:solidFill>
+              <a:latin typeface="Consolas" panose="020B0609020204030204" pitchFamily="49" charset="0"/>
+            </a:endParaRPr>
+          </a:p>
+          <a:p>
+            <a:endParaRPr lang="en-US" dirty="0">
+              <a:solidFill>
+                <a:schemeClr val="bg1"/>
+              </a:solidFill>
+              <a:latin typeface="Consolas" panose="020B0609020204030204" pitchFamily="49" charset="0"/>
+            </a:endParaRPr>
+          </a:p>
+        </p:txBody>
+      </p:sp>
     </p:spTree>
     <p:extLst>
       <p:ext uri="{BB962C8B-B14F-4D97-AF65-F5344CB8AC3E}">
-        <p14:creationId xmlns:p14="http://schemas.microsoft.com/office/powerpoint/2010/main" val="2562120996"/>
+        <p14:creationId xmlns:p14="http://schemas.microsoft.com/office/powerpoint/2010/main" val="4019493242"/>
       </p:ext>
     </p:extLst>
   </p:cSld>
@@ -16865,6 +17039,56 @@
           </a:p>
         </p:txBody>
       </p:sp>
+      <p:sp>
+        <p:nvSpPr>
+          <p:cNvPr id="3" name="Content Placeholder 2"/>
+          <p:cNvSpPr>
+            <a:spLocks noGrp="1"/>
+          </p:cNvSpPr>
+          <p:nvPr>
+            <p:ph idx="1"/>
+          </p:nvPr>
+        </p:nvSpPr>
+        <p:spPr>
+          <a:xfrm>
+            <a:off x="838200" y="1825624"/>
+            <a:ext cx="10829192" cy="3065347"/>
+          </a:xfrm>
+        </p:spPr>
+        <p:txBody>
+          <a:bodyPr>
+            <a:normAutofit/>
+          </a:bodyPr>
+          <a:lstStyle/>
+          <a:p>
+            <a:r>
+              <a:rPr lang="en-US" dirty="0"/>
+              <a:t>FileZilla – Windows/MacOS</a:t>
+            </a:r>
+          </a:p>
+          <a:p>
+            <a:pPr lvl="1"/>
+            <a:r>
+              <a:rPr lang="en-US" dirty="0"/>
+              <a:t>Copy files with drag and drop</a:t>
+            </a:r>
+          </a:p>
+          <a:p>
+            <a:pPr lvl="1"/>
+            <a:r>
+              <a:rPr lang="en-US" dirty="0"/>
+              <a:t>Create directories</a:t>
+            </a:r>
+          </a:p>
+          <a:p>
+            <a:pPr lvl="1"/>
+            <a:r>
+              <a:rPr lang="en-US" dirty="0"/>
+              <a:t>Delete files </a:t>
+            </a:r>
+          </a:p>
+        </p:txBody>
+      </p:sp>
       <p:cxnSp>
         <p:nvCxnSpPr>
           <p:cNvPr id="34" name="Straight Connector 33"/>
@@ -16904,45 +17128,10 @@
           </a:fontRef>
         </p:style>
       </p:cxnSp>
-      <p:pic>
-        <p:nvPicPr>
-          <p:cNvPr id="6" name="Picture 5">
-            <a:extLst>
-              <a:ext uri="{FF2B5EF4-FFF2-40B4-BE49-F238E27FC236}">
-                <a16:creationId xmlns:a16="http://schemas.microsoft.com/office/drawing/2014/main" id="{AB01A6DE-6321-45B9-9DBC-6098E0B2D7D9}"/>
-              </a:ext>
-            </a:extLst>
-          </p:cNvPr>
-          <p:cNvPicPr>
-            <a:picLocks noChangeAspect="1"/>
-          </p:cNvPicPr>
-          <p:nvPr/>
-        </p:nvPicPr>
-        <p:blipFill>
-          <a:blip r:embed="rId2"/>
-          <a:stretch>
-            <a:fillRect/>
-          </a:stretch>
-        </p:blipFill>
-        <p:spPr>
-          <a:xfrm>
-            <a:off x="1883599" y="1489254"/>
-            <a:ext cx="8424802" cy="5283687"/>
-          </a:xfrm>
-          <a:prstGeom prst="rect">
-            <a:avLst/>
-          </a:prstGeom>
-          <a:ln>
-            <a:solidFill>
-              <a:schemeClr val="tx1"/>
-            </a:solidFill>
-          </a:ln>
-        </p:spPr>
-      </p:pic>
     </p:spTree>
     <p:extLst>
       <p:ext uri="{BB962C8B-B14F-4D97-AF65-F5344CB8AC3E}">
-        <p14:creationId xmlns:p14="http://schemas.microsoft.com/office/powerpoint/2010/main" val="3164211360"/>
+        <p14:creationId xmlns:p14="http://schemas.microsoft.com/office/powerpoint/2010/main" val="2562120996"/>
       </p:ext>
     </p:extLst>
   </p:cSld>
@@ -17065,62 +17254,10 @@
           </a:ln>
         </p:spPr>
       </p:pic>
-      <p:sp>
-        <p:nvSpPr>
-          <p:cNvPr id="7" name="Rectangle 6">
-            <a:extLst>
-              <a:ext uri="{FF2B5EF4-FFF2-40B4-BE49-F238E27FC236}">
-                <a16:creationId xmlns:a16="http://schemas.microsoft.com/office/drawing/2014/main" id="{39125124-FC2E-42D2-9D4F-98D54735BCCF}"/>
-              </a:ext>
-            </a:extLst>
-          </p:cNvPr>
-          <p:cNvSpPr/>
-          <p:nvPr/>
-        </p:nvSpPr>
-        <p:spPr>
-          <a:xfrm>
-            <a:off x="1883599" y="1796902"/>
-            <a:ext cx="232280" cy="297712"/>
-          </a:xfrm>
-          <a:prstGeom prst="rect">
-            <a:avLst/>
-          </a:prstGeom>
-          <a:noFill/>
-          <a:ln w="28575">
-            <a:solidFill>
-              <a:srgbClr val="FF0000"/>
-            </a:solidFill>
-          </a:ln>
-        </p:spPr>
-        <p:style>
-          <a:lnRef idx="2">
-            <a:schemeClr val="accent1">
-              <a:shade val="50000"/>
-            </a:schemeClr>
-          </a:lnRef>
-          <a:fillRef idx="1">
-            <a:schemeClr val="accent1"/>
-          </a:fillRef>
-          <a:effectRef idx="0">
-            <a:schemeClr val="accent1"/>
-          </a:effectRef>
-          <a:fontRef idx="minor">
-            <a:schemeClr val="lt1"/>
-          </a:fontRef>
-        </p:style>
-        <p:txBody>
-          <a:bodyPr rtlCol="0" anchor="ctr"/>
-          <a:lstStyle/>
-          <a:p>
-            <a:pPr algn="ctr"/>
-            <a:endParaRPr lang="en-US"/>
-          </a:p>
-        </p:txBody>
-      </p:sp>
     </p:spTree>
     <p:extLst>
       <p:ext uri="{BB962C8B-B14F-4D97-AF65-F5344CB8AC3E}">
-        <p14:creationId xmlns:p14="http://schemas.microsoft.com/office/powerpoint/2010/main" val="557132795"/>
+        <p14:creationId xmlns:p14="http://schemas.microsoft.com/office/powerpoint/2010/main" val="3164211360"/>
       </p:ext>
     </p:extLst>
   </p:cSld>
@@ -17295,6 +17432,184 @@
           </a:p>
         </p:txBody>
       </p:sp>
+    </p:spTree>
+    <p:extLst>
+      <p:ext uri="{BB962C8B-B14F-4D97-AF65-F5344CB8AC3E}">
+        <p14:creationId xmlns:p14="http://schemas.microsoft.com/office/powerpoint/2010/main" val="557132795"/>
+      </p:ext>
+    </p:extLst>
+  </p:cSld>
+  <p:clrMapOvr>
+    <a:masterClrMapping/>
+  </p:clrMapOvr>
+</p:sld>
+</file>
+
+<file path=ppt/slides/slide46.xml><?xml version="1.0" encoding="utf-8"?>
+<p:sld xmlns:a="http://schemas.openxmlformats.org/drawingml/2006/main" xmlns:r="http://schemas.openxmlformats.org/officeDocument/2006/relationships" xmlns:p="http://schemas.openxmlformats.org/presentationml/2006/main">
+  <p:cSld>
+    <p:spTree>
+      <p:nvGrpSpPr>
+        <p:cNvPr id="1" name=""/>
+        <p:cNvGrpSpPr/>
+        <p:nvPr/>
+      </p:nvGrpSpPr>
+      <p:grpSpPr>
+        <a:xfrm>
+          <a:off x="0" y="0"/>
+          <a:ext cx="0" cy="0"/>
+          <a:chOff x="0" y="0"/>
+          <a:chExt cx="0" cy="0"/>
+        </a:xfrm>
+      </p:grpSpPr>
+      <p:sp>
+        <p:nvSpPr>
+          <p:cNvPr id="2" name="Title 1"/>
+          <p:cNvSpPr>
+            <a:spLocks noGrp="1"/>
+          </p:cNvSpPr>
+          <p:nvPr>
+            <p:ph type="title"/>
+          </p:nvPr>
+        </p:nvSpPr>
+        <p:spPr/>
+        <p:txBody>
+          <a:bodyPr/>
+          <a:lstStyle/>
+          <a:p>
+            <a:r>
+              <a:rPr lang="en-US" dirty="0"/>
+              <a:t>GUI based FTP Clients </a:t>
+            </a:r>
+          </a:p>
+        </p:txBody>
+      </p:sp>
+      <p:cxnSp>
+        <p:nvCxnSpPr>
+          <p:cNvPr id="34" name="Straight Connector 33"/>
+          <p:cNvCxnSpPr>
+            <a:cxnSpLocks/>
+          </p:cNvCxnSpPr>
+          <p:nvPr/>
+        </p:nvCxnSpPr>
+        <p:spPr>
+          <a:xfrm>
+            <a:off x="944880" y="1295400"/>
+            <a:ext cx="10408920" cy="0"/>
+          </a:xfrm>
+          <a:prstGeom prst="line">
+            <a:avLst/>
+          </a:prstGeom>
+          <a:ln>
+            <a:solidFill>
+              <a:schemeClr val="accent1">
+                <a:lumMod val="75000"/>
+              </a:schemeClr>
+            </a:solidFill>
+          </a:ln>
+        </p:spPr>
+        <p:style>
+          <a:lnRef idx="1">
+            <a:schemeClr val="accent1"/>
+          </a:lnRef>
+          <a:fillRef idx="0">
+            <a:schemeClr val="accent1"/>
+          </a:fillRef>
+          <a:effectRef idx="0">
+            <a:schemeClr val="accent1"/>
+          </a:effectRef>
+          <a:fontRef idx="minor">
+            <a:schemeClr val="tx1"/>
+          </a:fontRef>
+        </p:style>
+      </p:cxnSp>
+      <p:pic>
+        <p:nvPicPr>
+          <p:cNvPr id="6" name="Picture 5">
+            <a:extLst>
+              <a:ext uri="{FF2B5EF4-FFF2-40B4-BE49-F238E27FC236}">
+                <a16:creationId xmlns:a16="http://schemas.microsoft.com/office/drawing/2014/main" id="{AB01A6DE-6321-45B9-9DBC-6098E0B2D7D9}"/>
+              </a:ext>
+            </a:extLst>
+          </p:cNvPr>
+          <p:cNvPicPr>
+            <a:picLocks noChangeAspect="1"/>
+          </p:cNvPicPr>
+          <p:nvPr/>
+        </p:nvPicPr>
+        <p:blipFill>
+          <a:blip r:embed="rId2"/>
+          <a:stretch>
+            <a:fillRect/>
+          </a:stretch>
+        </p:blipFill>
+        <p:spPr>
+          <a:xfrm>
+            <a:off x="1883599" y="1489254"/>
+            <a:ext cx="8424802" cy="5283687"/>
+          </a:xfrm>
+          <a:prstGeom prst="rect">
+            <a:avLst/>
+          </a:prstGeom>
+          <a:ln>
+            <a:solidFill>
+              <a:schemeClr val="tx1"/>
+            </a:solidFill>
+          </a:ln>
+        </p:spPr>
+      </p:pic>
+      <p:sp>
+        <p:nvSpPr>
+          <p:cNvPr id="7" name="Rectangle 6">
+            <a:extLst>
+              <a:ext uri="{FF2B5EF4-FFF2-40B4-BE49-F238E27FC236}">
+                <a16:creationId xmlns:a16="http://schemas.microsoft.com/office/drawing/2014/main" id="{39125124-FC2E-42D2-9D4F-98D54735BCCF}"/>
+              </a:ext>
+            </a:extLst>
+          </p:cNvPr>
+          <p:cNvSpPr/>
+          <p:nvPr/>
+        </p:nvSpPr>
+        <p:spPr>
+          <a:xfrm>
+            <a:off x="1883599" y="1796902"/>
+            <a:ext cx="232280" cy="297712"/>
+          </a:xfrm>
+          <a:prstGeom prst="rect">
+            <a:avLst/>
+          </a:prstGeom>
+          <a:noFill/>
+          <a:ln w="28575">
+            <a:solidFill>
+              <a:srgbClr val="FF0000"/>
+            </a:solidFill>
+          </a:ln>
+        </p:spPr>
+        <p:style>
+          <a:lnRef idx="2">
+            <a:schemeClr val="accent1">
+              <a:shade val="50000"/>
+            </a:schemeClr>
+          </a:lnRef>
+          <a:fillRef idx="1">
+            <a:schemeClr val="accent1"/>
+          </a:fillRef>
+          <a:effectRef idx="0">
+            <a:schemeClr val="accent1"/>
+          </a:effectRef>
+          <a:fontRef idx="minor">
+            <a:schemeClr val="lt1"/>
+          </a:fontRef>
+        </p:style>
+        <p:txBody>
+          <a:bodyPr rtlCol="0" anchor="ctr"/>
+          <a:lstStyle/>
+          <a:p>
+            <a:pPr algn="ctr"/>
+            <a:endParaRPr lang="en-US"/>
+          </a:p>
+        </p:txBody>
+      </p:sp>
       <p:sp>
         <p:nvSpPr>
           <p:cNvPr id="8" name="Isosceles Triangle 7">
@@ -17416,7 +17731,7 @@
 </p:sld>
 </file>
 
-<file path=ppt/slides/slide46.xml><?xml version="1.0" encoding="utf-8"?>
+<file path=ppt/slides/slide47.xml><?xml version="1.0" encoding="utf-8"?>
 <p:sld xmlns:a="http://schemas.openxmlformats.org/drawingml/2006/main" xmlns:r="http://schemas.openxmlformats.org/officeDocument/2006/relationships" xmlns:p="http://schemas.openxmlformats.org/presentationml/2006/main">
   <p:cSld>
     <p:spTree>
@@ -17679,7 +17994,7 @@
 </p:sld>
 </file>
 
-<file path=ppt/slides/slide47.xml><?xml version="1.0" encoding="utf-8"?>
+<file path=ppt/slides/slide48.xml><?xml version="1.0" encoding="utf-8"?>
 <p:sld xmlns:a="http://schemas.openxmlformats.org/drawingml/2006/main" xmlns:r="http://schemas.openxmlformats.org/officeDocument/2006/relationships" xmlns:p="http://schemas.openxmlformats.org/presentationml/2006/main">
   <p:cSld>
     <p:spTree>
@@ -18081,7 +18396,7 @@
 </p:sld>
 </file>
 
-<file path=ppt/slides/slide48.xml><?xml version="1.0" encoding="utf-8"?>
+<file path=ppt/slides/slide49.xml><?xml version="1.0" encoding="utf-8"?>
 <p:sld xmlns:a="http://schemas.openxmlformats.org/drawingml/2006/main" xmlns:r="http://schemas.openxmlformats.org/officeDocument/2006/relationships" xmlns:p="http://schemas.openxmlformats.org/presentationml/2006/main">
   <p:cSld>
     <p:spTree>
@@ -18626,7 +18941,367 @@
 </p:sld>
 </file>
 
-<file path=ppt/slides/slide49.xml><?xml version="1.0" encoding="utf-8"?>
+<file path=ppt/slides/slide5.xml><?xml version="1.0" encoding="utf-8"?>
+<p:sld xmlns:a="http://schemas.openxmlformats.org/drawingml/2006/main" xmlns:r="http://schemas.openxmlformats.org/officeDocument/2006/relationships" xmlns:p="http://schemas.openxmlformats.org/presentationml/2006/main">
+  <p:cSld>
+    <p:spTree>
+      <p:nvGrpSpPr>
+        <p:cNvPr id="1" name=""/>
+        <p:cNvGrpSpPr/>
+        <p:nvPr/>
+      </p:nvGrpSpPr>
+      <p:grpSpPr>
+        <a:xfrm>
+          <a:off x="0" y="0"/>
+          <a:ext cx="0" cy="0"/>
+          <a:chOff x="0" y="0"/>
+          <a:chExt cx="0" cy="0"/>
+        </a:xfrm>
+      </p:grpSpPr>
+      <p:sp>
+        <p:nvSpPr>
+          <p:cNvPr id="2" name="Title 1"/>
+          <p:cNvSpPr>
+            <a:spLocks noGrp="1"/>
+          </p:cNvSpPr>
+          <p:nvPr>
+            <p:ph type="title"/>
+          </p:nvPr>
+        </p:nvSpPr>
+        <p:spPr/>
+        <p:txBody>
+          <a:bodyPr/>
+          <a:lstStyle/>
+          <a:p>
+            <a:r>
+              <a:rPr lang="en-US" dirty="0"/>
+              <a:t>CS 1550 – Introduction to Operating Systems </a:t>
+            </a:r>
+          </a:p>
+        </p:txBody>
+      </p:sp>
+      <p:sp>
+        <p:nvSpPr>
+          <p:cNvPr id="3" name="Content Placeholder 2"/>
+          <p:cNvSpPr>
+            <a:spLocks noGrp="1"/>
+          </p:cNvSpPr>
+          <p:nvPr>
+            <p:ph idx="1"/>
+          </p:nvPr>
+        </p:nvSpPr>
+        <p:spPr>
+          <a:xfrm>
+            <a:off x="838200" y="1825625"/>
+            <a:ext cx="10515600" cy="1973538"/>
+          </a:xfrm>
+        </p:spPr>
+        <p:txBody>
+          <a:bodyPr/>
+          <a:lstStyle/>
+          <a:p>
+            <a:r>
+              <a:rPr lang="en-US" dirty="0"/>
+              <a:t>Common operating systems abstractions and mechanisms</a:t>
+            </a:r>
+          </a:p>
+          <a:p>
+            <a:r>
+              <a:rPr lang="en-US" dirty="0"/>
+              <a:t>Will provide basic knowledge common to many modern Operating Systems</a:t>
+            </a:r>
+          </a:p>
+        </p:txBody>
+      </p:sp>
+      <p:cxnSp>
+        <p:nvCxnSpPr>
+          <p:cNvPr id="5" name="Straight Connector 4"/>
+          <p:cNvCxnSpPr>
+            <a:cxnSpLocks/>
+          </p:cNvCxnSpPr>
+          <p:nvPr/>
+        </p:nvCxnSpPr>
+        <p:spPr>
+          <a:xfrm>
+            <a:off x="944880" y="1295400"/>
+            <a:ext cx="10408920" cy="0"/>
+          </a:xfrm>
+          <a:prstGeom prst="line">
+            <a:avLst/>
+          </a:prstGeom>
+          <a:ln>
+            <a:solidFill>
+              <a:schemeClr val="accent1">
+                <a:lumMod val="75000"/>
+              </a:schemeClr>
+            </a:solidFill>
+          </a:ln>
+        </p:spPr>
+        <p:style>
+          <a:lnRef idx="1">
+            <a:schemeClr val="accent1"/>
+          </a:lnRef>
+          <a:fillRef idx="0">
+            <a:schemeClr val="accent1"/>
+          </a:fillRef>
+          <a:effectRef idx="0">
+            <a:schemeClr val="accent1"/>
+          </a:effectRef>
+          <a:fontRef idx="minor">
+            <a:schemeClr val="tx1"/>
+          </a:fontRef>
+        </p:style>
+      </p:cxnSp>
+      <p:pic>
+        <p:nvPicPr>
+          <p:cNvPr id="3074" name="Picture 2" descr="Related image">
+            <a:extLst>
+              <a:ext uri="{FF2B5EF4-FFF2-40B4-BE49-F238E27FC236}">
+                <a16:creationId xmlns:a16="http://schemas.microsoft.com/office/drawing/2014/main" id="{24BE70E6-F4E9-4BDC-9B30-9002F630BBAD}"/>
+              </a:ext>
+            </a:extLst>
+          </p:cNvPr>
+          <p:cNvPicPr>
+            <a:picLocks noChangeAspect="1" noChangeArrowheads="1"/>
+          </p:cNvPicPr>
+          <p:nvPr/>
+        </p:nvPicPr>
+        <p:blipFill rotWithShape="1">
+          <a:blip r:embed="rId2">
+            <a:extLst>
+              <a:ext uri="{28A0092B-C50C-407E-A947-70E740481C1C}">
+                <a14:useLocalDpi xmlns:a14="http://schemas.microsoft.com/office/drawing/2010/main" val="0"/>
+              </a:ext>
+            </a:extLst>
+          </a:blip>
+          <a:srcRect t="58869"/>
+          <a:stretch/>
+        </p:blipFill>
+        <p:spPr bwMode="auto">
+          <a:xfrm>
+            <a:off x="5954737" y="3934100"/>
+            <a:ext cx="6036652" cy="2176635"/>
+          </a:xfrm>
+          <a:prstGeom prst="rect">
+            <a:avLst/>
+          </a:prstGeom>
+          <a:noFill/>
+          <a:extLst>
+            <a:ext uri="{909E8E84-426E-40DD-AFC4-6F175D3DCCD1}">
+              <a14:hiddenFill xmlns:a14="http://schemas.microsoft.com/office/drawing/2010/main">
+                <a:solidFill>
+                  <a:srgbClr val="FFFFFF"/>
+                </a:solidFill>
+              </a14:hiddenFill>
+            </a:ext>
+          </a:extLst>
+        </p:spPr>
+      </p:pic>
+      <p:pic>
+        <p:nvPicPr>
+          <p:cNvPr id="9" name="Picture 2" descr="Related image">
+            <a:extLst>
+              <a:ext uri="{FF2B5EF4-FFF2-40B4-BE49-F238E27FC236}">
+                <a16:creationId xmlns:a16="http://schemas.microsoft.com/office/drawing/2014/main" id="{91DEEB04-DE8E-4FEC-921A-EF3DC8663338}"/>
+              </a:ext>
+            </a:extLst>
+          </p:cNvPr>
+          <p:cNvPicPr>
+            <a:picLocks noChangeAspect="1" noChangeArrowheads="1"/>
+          </p:cNvPicPr>
+          <p:nvPr/>
+        </p:nvPicPr>
+        <p:blipFill rotWithShape="1">
+          <a:blip r:embed="rId2">
+            <a:extLst>
+              <a:ext uri="{28A0092B-C50C-407E-A947-70E740481C1C}">
+                <a14:useLocalDpi xmlns:a14="http://schemas.microsoft.com/office/drawing/2010/main" val="0"/>
+              </a:ext>
+            </a:extLst>
+          </a:blip>
+          <a:srcRect t="40428" b="41315"/>
+          <a:stretch/>
+        </p:blipFill>
+        <p:spPr bwMode="auto">
+          <a:xfrm>
+            <a:off x="323706" y="4250266"/>
+            <a:ext cx="6036652" cy="966151"/>
+          </a:xfrm>
+          <a:prstGeom prst="rect">
+            <a:avLst/>
+          </a:prstGeom>
+          <a:noFill/>
+          <a:extLst>
+            <a:ext uri="{909E8E84-426E-40DD-AFC4-6F175D3DCCD1}">
+              <a14:hiddenFill xmlns:a14="http://schemas.microsoft.com/office/drawing/2010/main">
+                <a:solidFill>
+                  <a:srgbClr val="FFFFFF"/>
+                </a:solidFill>
+              </a14:hiddenFill>
+            </a:ext>
+          </a:extLst>
+        </p:spPr>
+      </p:pic>
+      <p:sp>
+        <p:nvSpPr>
+          <p:cNvPr id="4" name="Rectangle 3">
+            <a:extLst>
+              <a:ext uri="{FF2B5EF4-FFF2-40B4-BE49-F238E27FC236}">
+                <a16:creationId xmlns:a16="http://schemas.microsoft.com/office/drawing/2014/main" id="{6F9D7F38-6A7E-4ED5-BF98-82229E92C061}"/>
+              </a:ext>
+            </a:extLst>
+          </p:cNvPr>
+          <p:cNvSpPr/>
+          <p:nvPr/>
+        </p:nvSpPr>
+        <p:spPr>
+          <a:xfrm>
+            <a:off x="10049608" y="4902256"/>
+            <a:ext cx="782516" cy="1134208"/>
+          </a:xfrm>
+          <a:prstGeom prst="rect">
+            <a:avLst/>
+          </a:prstGeom>
+          <a:solidFill>
+            <a:schemeClr val="bg1"/>
+          </a:solidFill>
+          <a:ln>
+            <a:noFill/>
+          </a:ln>
+        </p:spPr>
+        <p:style>
+          <a:lnRef idx="2">
+            <a:schemeClr val="accent1">
+              <a:shade val="50000"/>
+            </a:schemeClr>
+          </a:lnRef>
+          <a:fillRef idx="1">
+            <a:schemeClr val="accent1"/>
+          </a:fillRef>
+          <a:effectRef idx="0">
+            <a:schemeClr val="accent1"/>
+          </a:effectRef>
+          <a:fontRef idx="minor">
+            <a:schemeClr val="lt1"/>
+          </a:fontRef>
+        </p:style>
+        <p:txBody>
+          <a:bodyPr rtlCol="0" anchor="ctr"/>
+          <a:lstStyle/>
+          <a:p>
+            <a:pPr algn="ctr"/>
+            <a:endParaRPr lang="en-US"/>
+          </a:p>
+        </p:txBody>
+      </p:sp>
+      <p:pic>
+        <p:nvPicPr>
+          <p:cNvPr id="3076" name="Picture 4" descr="Image result for macOS  logo">
+            <a:extLst>
+              <a:ext uri="{FF2B5EF4-FFF2-40B4-BE49-F238E27FC236}">
+                <a16:creationId xmlns:a16="http://schemas.microsoft.com/office/drawing/2014/main" id="{DE2D5C5C-CD3E-41FD-A5F2-1363CC5FB4A3}"/>
+              </a:ext>
+            </a:extLst>
+          </p:cNvPr>
+          <p:cNvPicPr>
+            <a:picLocks noChangeAspect="1" noChangeArrowheads="1"/>
+          </p:cNvPicPr>
+          <p:nvPr/>
+        </p:nvPicPr>
+        <p:blipFill>
+          <a:blip r:embed="rId3">
+            <a:extLst>
+              <a:ext uri="{28A0092B-C50C-407E-A947-70E740481C1C}">
+                <a14:useLocalDpi xmlns:a14="http://schemas.microsoft.com/office/drawing/2010/main" val="0"/>
+              </a:ext>
+            </a:extLst>
+          </a:blip>
+          <a:srcRect/>
+          <a:stretch>
+            <a:fillRect/>
+          </a:stretch>
+        </p:blipFill>
+        <p:spPr bwMode="auto">
+          <a:xfrm>
+            <a:off x="10113248" y="4959224"/>
+            <a:ext cx="897066" cy="852213"/>
+          </a:xfrm>
+          <a:prstGeom prst="rect">
+            <a:avLst/>
+          </a:prstGeom>
+          <a:noFill/>
+          <a:extLst>
+            <a:ext uri="{909E8E84-426E-40DD-AFC4-6F175D3DCCD1}">
+              <a14:hiddenFill xmlns:a14="http://schemas.microsoft.com/office/drawing/2010/main">
+                <a:solidFill>
+                  <a:srgbClr val="FFFFFF"/>
+                </a:solidFill>
+              </a14:hiddenFill>
+            </a:ext>
+          </a:extLst>
+        </p:spPr>
+      </p:pic>
+      <p:pic>
+        <p:nvPicPr>
+          <p:cNvPr id="3080" name="Picture 8" descr="Image result for oracle os logo">
+            <a:extLst>
+              <a:ext uri="{FF2B5EF4-FFF2-40B4-BE49-F238E27FC236}">
+                <a16:creationId xmlns:a16="http://schemas.microsoft.com/office/drawing/2014/main" id="{39EC922C-B272-4226-B2C2-7C9477EB264D}"/>
+              </a:ext>
+            </a:extLst>
+          </p:cNvPr>
+          <p:cNvPicPr>
+            <a:picLocks noChangeAspect="1" noChangeArrowheads="1"/>
+          </p:cNvPicPr>
+          <p:nvPr/>
+        </p:nvPicPr>
+        <p:blipFill>
+          <a:blip r:embed="rId4">
+            <a:extLst>
+              <a:ext uri="{28A0092B-C50C-407E-A947-70E740481C1C}">
+                <a14:useLocalDpi xmlns:a14="http://schemas.microsoft.com/office/drawing/2010/main" val="0"/>
+              </a:ext>
+            </a:extLst>
+          </a:blip>
+          <a:srcRect/>
+          <a:stretch>
+            <a:fillRect/>
+          </a:stretch>
+        </p:blipFill>
+        <p:spPr bwMode="auto">
+          <a:xfrm>
+            <a:off x="4761182" y="5385331"/>
+            <a:ext cx="1247197" cy="651134"/>
+          </a:xfrm>
+          <a:prstGeom prst="rect">
+            <a:avLst/>
+          </a:prstGeom>
+          <a:noFill/>
+          <a:extLst>
+            <a:ext uri="{909E8E84-426E-40DD-AFC4-6F175D3DCCD1}">
+              <a14:hiddenFill xmlns:a14="http://schemas.microsoft.com/office/drawing/2010/main">
+                <a:solidFill>
+                  <a:srgbClr val="FFFFFF"/>
+                </a:solidFill>
+              </a14:hiddenFill>
+            </a:ext>
+          </a:extLst>
+        </p:spPr>
+      </p:pic>
+    </p:spTree>
+    <p:extLst>
+      <p:ext uri="{BB962C8B-B14F-4D97-AF65-F5344CB8AC3E}">
+        <p14:creationId xmlns:p14="http://schemas.microsoft.com/office/powerpoint/2010/main" val="4077464259"/>
+      </p:ext>
+    </p:extLst>
+  </p:cSld>
+  <p:clrMapOvr>
+    <a:masterClrMapping/>
+  </p:clrMapOvr>
+</p:sld>
+</file>
+
+<file path=ppt/slides/slide50.xml><?xml version="1.0" encoding="utf-8"?>
 <p:sld xmlns:a="http://schemas.openxmlformats.org/drawingml/2006/main" xmlns:r="http://schemas.openxmlformats.org/officeDocument/2006/relationships" xmlns:p="http://schemas.openxmlformats.org/presentationml/2006/main">
   <p:cSld>
     <p:spTree>
@@ -19258,7 +19933,7 @@
 </p:sld>
 </file>
 
-<file path=ppt/slides/slide5.xml><?xml version="1.0" encoding="utf-8"?>
+<file path=ppt/slides/slide51.xml><?xml version="1.0" encoding="utf-8"?>
 <p:sld xmlns:a="http://schemas.openxmlformats.org/drawingml/2006/main" xmlns:r="http://schemas.openxmlformats.org/officeDocument/2006/relationships" xmlns:p="http://schemas.openxmlformats.org/presentationml/2006/main">
   <p:cSld>
     <p:spTree>
@@ -19282,140 +19957,6 @@
             <a:spLocks noGrp="1"/>
           </p:cNvSpPr>
           <p:nvPr>
-            <p:ph type="title"/>
-          </p:nvPr>
-        </p:nvSpPr>
-        <p:spPr/>
-        <p:txBody>
-          <a:bodyPr/>
-          <a:lstStyle/>
-          <a:p>
-            <a:r>
-              <a:rPr lang="en-US" dirty="0"/>
-              <a:t>Projects</a:t>
-            </a:r>
-          </a:p>
-        </p:txBody>
-      </p:sp>
-      <p:sp>
-        <p:nvSpPr>
-          <p:cNvPr id="3" name="Content Placeholder 2"/>
-          <p:cNvSpPr>
-            <a:spLocks noGrp="1"/>
-          </p:cNvSpPr>
-          <p:nvPr>
-            <p:ph idx="1"/>
-          </p:nvPr>
-        </p:nvSpPr>
-        <p:spPr>
-          <a:xfrm>
-            <a:off x="838200" y="1825625"/>
-            <a:ext cx="10515600" cy="3353044"/>
-          </a:xfrm>
-        </p:spPr>
-        <p:txBody>
-          <a:bodyPr/>
-          <a:lstStyle/>
-          <a:p>
-            <a:r>
-              <a:rPr lang="en-US" dirty="0"/>
-              <a:t>Projects have to run in the </a:t>
-            </a:r>
-            <a:r>
-              <a:rPr lang="en-US" b="1" dirty="0" err="1"/>
-              <a:t>thoth</a:t>
-            </a:r>
-            <a:r>
-              <a:rPr lang="en-US" b="1" dirty="0"/>
-              <a:t> server </a:t>
-            </a:r>
-            <a:endParaRPr lang="en-US" dirty="0"/>
-          </a:p>
-          <a:p>
-            <a:pPr lvl="1"/>
-            <a:r>
-              <a:rPr lang="en-US" b="1" dirty="0"/>
-              <a:t>thoth.cs.pitt.edu</a:t>
-            </a:r>
-          </a:p>
-        </p:txBody>
-      </p:sp>
-      <p:cxnSp>
-        <p:nvCxnSpPr>
-          <p:cNvPr id="34" name="Straight Connector 33"/>
-          <p:cNvCxnSpPr>
-            <a:cxnSpLocks/>
-          </p:cNvCxnSpPr>
-          <p:nvPr/>
-        </p:nvCxnSpPr>
-        <p:spPr>
-          <a:xfrm>
-            <a:off x="944880" y="1295400"/>
-            <a:ext cx="10408920" cy="0"/>
-          </a:xfrm>
-          <a:prstGeom prst="line">
-            <a:avLst/>
-          </a:prstGeom>
-          <a:ln>
-            <a:solidFill>
-              <a:schemeClr val="accent1">
-                <a:lumMod val="75000"/>
-              </a:schemeClr>
-            </a:solidFill>
-          </a:ln>
-        </p:spPr>
-        <p:style>
-          <a:lnRef idx="1">
-            <a:schemeClr val="accent1"/>
-          </a:lnRef>
-          <a:fillRef idx="0">
-            <a:schemeClr val="accent1"/>
-          </a:fillRef>
-          <a:effectRef idx="0">
-            <a:schemeClr val="accent1"/>
-          </a:effectRef>
-          <a:fontRef idx="minor">
-            <a:schemeClr val="tx1"/>
-          </a:fontRef>
-        </p:style>
-      </p:cxnSp>
-    </p:spTree>
-    <p:extLst>
-      <p:ext uri="{BB962C8B-B14F-4D97-AF65-F5344CB8AC3E}">
-        <p14:creationId xmlns:p14="http://schemas.microsoft.com/office/powerpoint/2010/main" val="3581781050"/>
-      </p:ext>
-    </p:extLst>
-  </p:cSld>
-  <p:clrMapOvr>
-    <a:masterClrMapping/>
-  </p:clrMapOvr>
-</p:sld>
-</file>
-
-<file path=ppt/slides/slide50.xml><?xml version="1.0" encoding="utf-8"?>
-<p:sld xmlns:a="http://schemas.openxmlformats.org/drawingml/2006/main" xmlns:r="http://schemas.openxmlformats.org/officeDocument/2006/relationships" xmlns:p="http://schemas.openxmlformats.org/presentationml/2006/main">
-  <p:cSld>
-    <p:spTree>
-      <p:nvGrpSpPr>
-        <p:cNvPr id="1" name=""/>
-        <p:cNvGrpSpPr/>
-        <p:nvPr/>
-      </p:nvGrpSpPr>
-      <p:grpSpPr>
-        <a:xfrm>
-          <a:off x="0" y="0"/>
-          <a:ext cx="0" cy="0"/>
-          <a:chOff x="0" y="0"/>
-          <a:chExt cx="0" cy="0"/>
-        </a:xfrm>
-      </p:grpSpPr>
-      <p:sp>
-        <p:nvSpPr>
-          <p:cNvPr id="2" name="Title 1"/>
-          <p:cNvSpPr>
-            <a:spLocks noGrp="1"/>
-          </p:cNvSpPr>
-          <p:nvPr>
             <p:ph type="ctrTitle"/>
           </p:nvPr>
         </p:nvSpPr>
@@ -19449,7 +19990,7 @@
         </p:spPr>
         <p:txBody>
           <a:bodyPr>
-            <a:normAutofit/>
+            <a:normAutofit lnSpcReduction="10000"/>
           </a:bodyPr>
           <a:lstStyle/>
           <a:p>
@@ -19463,11 +20004,9 @@
               <a:rPr lang="en-US" dirty="0"/>
               <a:t>Basic commands Introduction</a:t>
             </a:r>
-          </a:p>
-          <a:p>
-            <a:endParaRPr lang="en-US" dirty="0"/>
-          </a:p>
-          <a:p>
+            <a:br>
+              <a:rPr lang="en-US" dirty="0"/>
+            </a:br>
             <a:endParaRPr lang="en-US" dirty="0"/>
           </a:p>
           <a:p>
@@ -19479,8 +20018,20 @@
           <a:p>
             <a:r>
               <a:rPr lang="en-US" dirty="0"/>
-              <a:t>Henrique Potter</a:t>
-            </a:r>
+              <a:t>Maher Khan</a:t>
+            </a:r>
+          </a:p>
+          <a:p>
+            <a:endParaRPr lang="en-US" dirty="0"/>
+          </a:p>
+          <a:p>
+            <a:r>
+              <a:rPr lang="en-US" dirty="0"/>
+              <a:t>(Slides credited to Henrique Potter)</a:t>
+            </a:r>
+          </a:p>
+          <a:p>
+            <a:endParaRPr lang="en-US" dirty="0"/>
           </a:p>
         </p:txBody>
       </p:sp>
@@ -19528,7 +20079,7 @@
     </p:spTree>
     <p:extLst>
       <p:ext uri="{BB962C8B-B14F-4D97-AF65-F5344CB8AC3E}">
-        <p14:creationId xmlns:p14="http://schemas.microsoft.com/office/powerpoint/2010/main" val="1981833225"/>
+        <p14:creationId xmlns:p14="http://schemas.microsoft.com/office/powerpoint/2010/main" val="3438582885"/>
       </p:ext>
     </p:extLst>
   </p:cSld>
@@ -19572,6 +20123,140 @@
           <a:p>
             <a:r>
               <a:rPr lang="en-US" dirty="0"/>
+              <a:t>Projects</a:t>
+            </a:r>
+          </a:p>
+        </p:txBody>
+      </p:sp>
+      <p:sp>
+        <p:nvSpPr>
+          <p:cNvPr id="3" name="Content Placeholder 2"/>
+          <p:cNvSpPr>
+            <a:spLocks noGrp="1"/>
+          </p:cNvSpPr>
+          <p:nvPr>
+            <p:ph idx="1"/>
+          </p:nvPr>
+        </p:nvSpPr>
+        <p:spPr>
+          <a:xfrm>
+            <a:off x="838200" y="1825625"/>
+            <a:ext cx="10515600" cy="3353044"/>
+          </a:xfrm>
+        </p:spPr>
+        <p:txBody>
+          <a:bodyPr/>
+          <a:lstStyle/>
+          <a:p>
+            <a:r>
+              <a:rPr lang="en-US" dirty="0"/>
+              <a:t>Projects have to run in the </a:t>
+            </a:r>
+            <a:r>
+              <a:rPr lang="en-US" b="1" dirty="0" err="1"/>
+              <a:t>thoth</a:t>
+            </a:r>
+            <a:r>
+              <a:rPr lang="en-US" b="1" dirty="0"/>
+              <a:t> server </a:t>
+            </a:r>
+            <a:endParaRPr lang="en-US" dirty="0"/>
+          </a:p>
+          <a:p>
+            <a:pPr lvl="1"/>
+            <a:r>
+              <a:rPr lang="en-US" b="1" dirty="0"/>
+              <a:t>thoth.cs.pitt.edu</a:t>
+            </a:r>
+          </a:p>
+        </p:txBody>
+      </p:sp>
+      <p:cxnSp>
+        <p:nvCxnSpPr>
+          <p:cNvPr id="34" name="Straight Connector 33"/>
+          <p:cNvCxnSpPr>
+            <a:cxnSpLocks/>
+          </p:cNvCxnSpPr>
+          <p:nvPr/>
+        </p:nvCxnSpPr>
+        <p:spPr>
+          <a:xfrm>
+            <a:off x="944880" y="1295400"/>
+            <a:ext cx="10408920" cy="0"/>
+          </a:xfrm>
+          <a:prstGeom prst="line">
+            <a:avLst/>
+          </a:prstGeom>
+          <a:ln>
+            <a:solidFill>
+              <a:schemeClr val="accent1">
+                <a:lumMod val="75000"/>
+              </a:schemeClr>
+            </a:solidFill>
+          </a:ln>
+        </p:spPr>
+        <p:style>
+          <a:lnRef idx="1">
+            <a:schemeClr val="accent1"/>
+          </a:lnRef>
+          <a:fillRef idx="0">
+            <a:schemeClr val="accent1"/>
+          </a:fillRef>
+          <a:effectRef idx="0">
+            <a:schemeClr val="accent1"/>
+          </a:effectRef>
+          <a:fontRef idx="minor">
+            <a:schemeClr val="tx1"/>
+          </a:fontRef>
+        </p:style>
+      </p:cxnSp>
+    </p:spTree>
+    <p:extLst>
+      <p:ext uri="{BB962C8B-B14F-4D97-AF65-F5344CB8AC3E}">
+        <p14:creationId xmlns:p14="http://schemas.microsoft.com/office/powerpoint/2010/main" val="3581781050"/>
+      </p:ext>
+    </p:extLst>
+  </p:cSld>
+  <p:clrMapOvr>
+    <a:masterClrMapping/>
+  </p:clrMapOvr>
+</p:sld>
+</file>
+
+<file path=ppt/slides/slide7.xml><?xml version="1.0" encoding="utf-8"?>
+<p:sld xmlns:a="http://schemas.openxmlformats.org/drawingml/2006/main" xmlns:r="http://schemas.openxmlformats.org/officeDocument/2006/relationships" xmlns:p="http://schemas.openxmlformats.org/presentationml/2006/main">
+  <p:cSld>
+    <p:spTree>
+      <p:nvGrpSpPr>
+        <p:cNvPr id="1" name=""/>
+        <p:cNvGrpSpPr/>
+        <p:nvPr/>
+      </p:nvGrpSpPr>
+      <p:grpSpPr>
+        <a:xfrm>
+          <a:off x="0" y="0"/>
+          <a:ext cx="0" cy="0"/>
+          <a:chOff x="0" y="0"/>
+          <a:chExt cx="0" cy="0"/>
+        </a:xfrm>
+      </p:grpSpPr>
+      <p:sp>
+        <p:nvSpPr>
+          <p:cNvPr id="2" name="Title 1"/>
+          <p:cNvSpPr>
+            <a:spLocks noGrp="1"/>
+          </p:cNvSpPr>
+          <p:nvPr>
+            <p:ph type="title"/>
+          </p:nvPr>
+        </p:nvSpPr>
+        <p:spPr/>
+        <p:txBody>
+          <a:bodyPr/>
+          <a:lstStyle/>
+          <a:p>
+            <a:r>
+              <a:rPr lang="en-US" dirty="0"/>
               <a:t>SSH Clients</a:t>
             </a:r>
           </a:p>
@@ -19678,7 +20363,7 @@
 </p:sld>
 </file>
 
-<file path=ppt/slides/slide7.xml><?xml version="1.0" encoding="utf-8"?>
+<file path=ppt/slides/slide8.xml><?xml version="1.0" encoding="utf-8"?>
 <p:sld xmlns:a="http://schemas.openxmlformats.org/drawingml/2006/main" xmlns:r="http://schemas.openxmlformats.org/officeDocument/2006/relationships" xmlns:p="http://schemas.openxmlformats.org/presentationml/2006/main">
   <p:cSld>
     <p:spTree>
@@ -19975,7 +20660,7 @@
 </p:sld>
 </file>
 
-<file path=ppt/slides/slide8.xml><?xml version="1.0" encoding="utf-8"?>
+<file path=ppt/slides/slide9.xml><?xml version="1.0" encoding="utf-8"?>
 <p:sld xmlns:a="http://schemas.openxmlformats.org/drawingml/2006/main" xmlns:r="http://schemas.openxmlformats.org/officeDocument/2006/relationships" xmlns:p="http://schemas.openxmlformats.org/presentationml/2006/main">
   <p:cSld>
     <p:spTree>
@@ -20392,560 +21077,6 @@
     <p:extLst>
       <p:ext uri="{BB962C8B-B14F-4D97-AF65-F5344CB8AC3E}">
         <p14:creationId xmlns:p14="http://schemas.microsoft.com/office/powerpoint/2010/main" val="1845464374"/>
-      </p:ext>
-    </p:extLst>
-  </p:cSld>
-  <p:clrMapOvr>
-    <a:masterClrMapping/>
-  </p:clrMapOvr>
-</p:sld>
-</file>
-
-<file path=ppt/slides/slide9.xml><?xml version="1.0" encoding="utf-8"?>
-<p:sld xmlns:a="http://schemas.openxmlformats.org/drawingml/2006/main" xmlns:r="http://schemas.openxmlformats.org/officeDocument/2006/relationships" xmlns:p="http://schemas.openxmlformats.org/presentationml/2006/main">
-  <p:cSld>
-    <p:spTree>
-      <p:nvGrpSpPr>
-        <p:cNvPr id="1" name=""/>
-        <p:cNvGrpSpPr/>
-        <p:nvPr/>
-      </p:nvGrpSpPr>
-      <p:grpSpPr>
-        <a:xfrm>
-          <a:off x="0" y="0"/>
-          <a:ext cx="0" cy="0"/>
-          <a:chOff x="0" y="0"/>
-          <a:chExt cx="0" cy="0"/>
-        </a:xfrm>
-      </p:grpSpPr>
-      <p:sp>
-        <p:nvSpPr>
-          <p:cNvPr id="2" name="Title 1"/>
-          <p:cNvSpPr>
-            <a:spLocks noGrp="1"/>
-          </p:cNvSpPr>
-          <p:nvPr>
-            <p:ph type="title"/>
-          </p:nvPr>
-        </p:nvSpPr>
-        <p:spPr/>
-        <p:txBody>
-          <a:bodyPr/>
-          <a:lstStyle/>
-          <a:p>
-            <a:r>
-              <a:rPr lang="en-US" dirty="0"/>
-              <a:t>Windows - Putty</a:t>
-            </a:r>
-          </a:p>
-        </p:txBody>
-      </p:sp>
-      <p:sp>
-        <p:nvSpPr>
-          <p:cNvPr id="3" name="Content Placeholder 2"/>
-          <p:cNvSpPr>
-            <a:spLocks noGrp="1"/>
-          </p:cNvSpPr>
-          <p:nvPr>
-            <p:ph idx="1"/>
-          </p:nvPr>
-        </p:nvSpPr>
-        <p:spPr>
-          <a:xfrm>
-            <a:off x="838200" y="1825625"/>
-            <a:ext cx="10515600" cy="1450975"/>
-          </a:xfrm>
-        </p:spPr>
-        <p:txBody>
-          <a:bodyPr>
-            <a:normAutofit/>
-          </a:bodyPr>
-          <a:lstStyle/>
-          <a:p>
-            <a:r>
-              <a:rPr lang="en-US" dirty="0"/>
-              <a:t>Download from </a:t>
-            </a:r>
-            <a:r>
-              <a:rPr lang="en-US" b="1" dirty="0"/>
-              <a:t>www.putty.org</a:t>
-            </a:r>
-          </a:p>
-        </p:txBody>
-      </p:sp>
-      <p:cxnSp>
-        <p:nvCxnSpPr>
-          <p:cNvPr id="34" name="Straight Connector 33"/>
-          <p:cNvCxnSpPr>
-            <a:cxnSpLocks/>
-          </p:cNvCxnSpPr>
-          <p:nvPr/>
-        </p:nvCxnSpPr>
-        <p:spPr>
-          <a:xfrm>
-            <a:off x="944880" y="1295400"/>
-            <a:ext cx="10408920" cy="0"/>
-          </a:xfrm>
-          <a:prstGeom prst="line">
-            <a:avLst/>
-          </a:prstGeom>
-          <a:ln>
-            <a:solidFill>
-              <a:schemeClr val="accent1">
-                <a:lumMod val="75000"/>
-              </a:schemeClr>
-            </a:solidFill>
-          </a:ln>
-        </p:spPr>
-        <p:style>
-          <a:lnRef idx="1">
-            <a:schemeClr val="accent1"/>
-          </a:lnRef>
-          <a:fillRef idx="0">
-            <a:schemeClr val="accent1"/>
-          </a:fillRef>
-          <a:effectRef idx="0">
-            <a:schemeClr val="accent1"/>
-          </a:effectRef>
-          <a:fontRef idx="minor">
-            <a:schemeClr val="tx1"/>
-          </a:fontRef>
-        </p:style>
-      </p:cxnSp>
-      <p:pic>
-        <p:nvPicPr>
-          <p:cNvPr id="6" name="Picture 5">
-            <a:extLst>
-              <a:ext uri="{FF2B5EF4-FFF2-40B4-BE49-F238E27FC236}">
-                <a16:creationId xmlns:a16="http://schemas.microsoft.com/office/drawing/2014/main" id="{10211B42-7E57-487A-AEC6-773466E78DE9}"/>
-              </a:ext>
-            </a:extLst>
-          </p:cNvPr>
-          <p:cNvPicPr>
-            <a:picLocks noChangeAspect="1"/>
-          </p:cNvPicPr>
-          <p:nvPr/>
-        </p:nvPicPr>
-        <p:blipFill rotWithShape="1">
-          <a:blip r:embed="rId2"/>
-          <a:srcRect l="1373"/>
-          <a:stretch/>
-        </p:blipFill>
-        <p:spPr>
-          <a:xfrm>
-            <a:off x="3543300" y="2551112"/>
-            <a:ext cx="4604221" cy="4203822"/>
-          </a:xfrm>
-          <a:prstGeom prst="rect">
-            <a:avLst/>
-          </a:prstGeom>
-          <a:ln>
-            <a:solidFill>
-              <a:schemeClr val="tx1"/>
-            </a:solidFill>
-          </a:ln>
-        </p:spPr>
-      </p:pic>
-      <p:sp>
-        <p:nvSpPr>
-          <p:cNvPr id="7" name="Rectangle 6">
-            <a:extLst>
-              <a:ext uri="{FF2B5EF4-FFF2-40B4-BE49-F238E27FC236}">
-                <a16:creationId xmlns:a16="http://schemas.microsoft.com/office/drawing/2014/main" id="{9F6A934E-9A23-40A5-91D3-FC7A13371205}"/>
-              </a:ext>
-            </a:extLst>
-          </p:cNvPr>
-          <p:cNvSpPr/>
-          <p:nvPr/>
-        </p:nvSpPr>
-        <p:spPr>
-          <a:xfrm>
-            <a:off x="5161085" y="3429000"/>
-            <a:ext cx="2883877" cy="395654"/>
-          </a:xfrm>
-          <a:prstGeom prst="rect">
-            <a:avLst/>
-          </a:prstGeom>
-          <a:noFill/>
-          <a:ln w="28575">
-            <a:solidFill>
-              <a:srgbClr val="FF0000"/>
-            </a:solidFill>
-          </a:ln>
-        </p:spPr>
-        <p:style>
-          <a:lnRef idx="2">
-            <a:schemeClr val="accent1"/>
-          </a:lnRef>
-          <a:fillRef idx="1">
-            <a:schemeClr val="lt1"/>
-          </a:fillRef>
-          <a:effectRef idx="0">
-            <a:schemeClr val="accent1"/>
-          </a:effectRef>
-          <a:fontRef idx="minor">
-            <a:schemeClr val="dk1"/>
-          </a:fontRef>
-        </p:style>
-        <p:txBody>
-          <a:bodyPr rtlCol="0" anchor="ctr"/>
-          <a:lstStyle/>
-          <a:p>
-            <a:pPr algn="ctr"/>
-            <a:endParaRPr lang="en-US"/>
-          </a:p>
-        </p:txBody>
-      </p:sp>
-      <p:sp>
-        <p:nvSpPr>
-          <p:cNvPr id="8" name="TextBox 7">
-            <a:extLst>
-              <a:ext uri="{FF2B5EF4-FFF2-40B4-BE49-F238E27FC236}">
-                <a16:creationId xmlns:a16="http://schemas.microsoft.com/office/drawing/2014/main" id="{3FEEB8A5-B879-4CD8-ADB2-C426BDB7ECA2}"/>
-              </a:ext>
-            </a:extLst>
-          </p:cNvPr>
-          <p:cNvSpPr txBox="1"/>
-          <p:nvPr/>
-        </p:nvSpPr>
-        <p:spPr>
-          <a:xfrm>
-            <a:off x="8669216" y="3360811"/>
-            <a:ext cx="3094892" cy="646331"/>
-          </a:xfrm>
-          <a:prstGeom prst="rect">
-            <a:avLst/>
-          </a:prstGeom>
-          <a:noFill/>
-        </p:spPr>
-        <p:txBody>
-          <a:bodyPr wrap="square" rtlCol="0">
-            <a:spAutoFit/>
-          </a:bodyPr>
-          <a:lstStyle/>
-          <a:p>
-            <a:r>
-              <a:rPr lang="en-US" dirty="0"/>
-              <a:t>server address:</a:t>
-            </a:r>
-          </a:p>
-          <a:p>
-            <a:r>
-              <a:rPr lang="en-US" b="1" dirty="0"/>
-              <a:t>thoth.cs.pitt.edu </a:t>
-            </a:r>
-            <a:r>
-              <a:rPr lang="en-US" dirty="0"/>
-              <a:t>at port 22</a:t>
-            </a:r>
-            <a:endParaRPr lang="en-US" b="1" dirty="0"/>
-          </a:p>
-        </p:txBody>
-      </p:sp>
-      <p:cxnSp>
-        <p:nvCxnSpPr>
-          <p:cNvPr id="10" name="Straight Arrow Connector 9">
-            <a:extLst>
-              <a:ext uri="{FF2B5EF4-FFF2-40B4-BE49-F238E27FC236}">
-                <a16:creationId xmlns:a16="http://schemas.microsoft.com/office/drawing/2014/main" id="{CF72ABB5-C37E-4896-B451-0D296229E985}"/>
-              </a:ext>
-            </a:extLst>
-          </p:cNvPr>
-          <p:cNvCxnSpPr>
-            <a:cxnSpLocks/>
-            <a:stCxn id="7" idx="3"/>
-            <a:endCxn id="8" idx="1"/>
-          </p:cNvCxnSpPr>
-          <p:nvPr/>
-        </p:nvCxnSpPr>
-        <p:spPr>
-          <a:xfrm>
-            <a:off x="8044962" y="3626827"/>
-            <a:ext cx="624254" cy="57150"/>
-          </a:xfrm>
-          <a:prstGeom prst="straightConnector1">
-            <a:avLst/>
-          </a:prstGeom>
-          <a:ln w="38100">
-            <a:tailEnd type="triangle"/>
-          </a:ln>
-        </p:spPr>
-        <p:style>
-          <a:lnRef idx="1">
-            <a:schemeClr val="dk1"/>
-          </a:lnRef>
-          <a:fillRef idx="0">
-            <a:schemeClr val="dk1"/>
-          </a:fillRef>
-          <a:effectRef idx="0">
-            <a:schemeClr val="dk1"/>
-          </a:effectRef>
-          <a:fontRef idx="minor">
-            <a:schemeClr val="tx1"/>
-          </a:fontRef>
-        </p:style>
-      </p:cxnSp>
-      <p:sp>
-        <p:nvSpPr>
-          <p:cNvPr id="13" name="TextBox 12">
-            <a:extLst>
-              <a:ext uri="{FF2B5EF4-FFF2-40B4-BE49-F238E27FC236}">
-                <a16:creationId xmlns:a16="http://schemas.microsoft.com/office/drawing/2014/main" id="{041507EB-6FF0-4502-91CE-170C35348C9C}"/>
-              </a:ext>
-            </a:extLst>
-          </p:cNvPr>
-          <p:cNvSpPr txBox="1"/>
-          <p:nvPr/>
-        </p:nvSpPr>
-        <p:spPr>
-          <a:xfrm>
-            <a:off x="8620848" y="6057601"/>
-            <a:ext cx="2183405" cy="369332"/>
-          </a:xfrm>
-          <a:prstGeom prst="rect">
-            <a:avLst/>
-          </a:prstGeom>
-          <a:noFill/>
-        </p:spPr>
-        <p:txBody>
-          <a:bodyPr wrap="square" rtlCol="0">
-            <a:spAutoFit/>
-          </a:bodyPr>
-          <a:lstStyle/>
-          <a:p>
-            <a:r>
-              <a:rPr lang="en-US" b="1" dirty="0"/>
-              <a:t>Click Open</a:t>
-            </a:r>
-          </a:p>
-        </p:txBody>
-      </p:sp>
-      <p:cxnSp>
-        <p:nvCxnSpPr>
-          <p:cNvPr id="14" name="Straight Arrow Connector 13">
-            <a:extLst>
-              <a:ext uri="{FF2B5EF4-FFF2-40B4-BE49-F238E27FC236}">
-                <a16:creationId xmlns:a16="http://schemas.microsoft.com/office/drawing/2014/main" id="{CEBD1126-41CB-45F5-8EE2-CD72C73BBE5D}"/>
-              </a:ext>
-            </a:extLst>
-          </p:cNvPr>
-          <p:cNvCxnSpPr>
-            <a:cxnSpLocks/>
-            <a:stCxn id="18" idx="3"/>
-            <a:endCxn id="13" idx="1"/>
-          </p:cNvCxnSpPr>
-          <p:nvPr/>
-        </p:nvCxnSpPr>
-        <p:spPr>
-          <a:xfrm flipV="1">
-            <a:off x="7151076" y="6242267"/>
-            <a:ext cx="1469772" cy="325343"/>
-          </a:xfrm>
-          <a:prstGeom prst="straightConnector1">
-            <a:avLst/>
-          </a:prstGeom>
-          <a:ln w="38100">
-            <a:tailEnd type="triangle"/>
-          </a:ln>
-        </p:spPr>
-        <p:style>
-          <a:lnRef idx="1">
-            <a:schemeClr val="dk1"/>
-          </a:lnRef>
-          <a:fillRef idx="0">
-            <a:schemeClr val="dk1"/>
-          </a:fillRef>
-          <a:effectRef idx="0">
-            <a:schemeClr val="dk1"/>
-          </a:effectRef>
-          <a:fontRef idx="minor">
-            <a:schemeClr val="tx1"/>
-          </a:fontRef>
-        </p:style>
-      </p:cxnSp>
-      <p:sp>
-        <p:nvSpPr>
-          <p:cNvPr id="18" name="Rectangle 17">
-            <a:extLst>
-              <a:ext uri="{FF2B5EF4-FFF2-40B4-BE49-F238E27FC236}">
-                <a16:creationId xmlns:a16="http://schemas.microsoft.com/office/drawing/2014/main" id="{206DCE5F-2D7F-4301-861C-417DFC210F05}"/>
-              </a:ext>
-            </a:extLst>
-          </p:cNvPr>
-          <p:cNvSpPr/>
-          <p:nvPr/>
-        </p:nvSpPr>
-        <p:spPr>
-          <a:xfrm>
-            <a:off x="6251331" y="6426933"/>
-            <a:ext cx="899745" cy="281354"/>
-          </a:xfrm>
-          <a:prstGeom prst="rect">
-            <a:avLst/>
-          </a:prstGeom>
-          <a:noFill/>
-          <a:ln w="28575">
-            <a:solidFill>
-              <a:srgbClr val="FF0000"/>
-            </a:solidFill>
-          </a:ln>
-        </p:spPr>
-        <p:style>
-          <a:lnRef idx="2">
-            <a:schemeClr val="accent1"/>
-          </a:lnRef>
-          <a:fillRef idx="1">
-            <a:schemeClr val="lt1"/>
-          </a:fillRef>
-          <a:effectRef idx="0">
-            <a:schemeClr val="accent1"/>
-          </a:effectRef>
-          <a:fontRef idx="minor">
-            <a:schemeClr val="dk1"/>
-          </a:fontRef>
-        </p:style>
-        <p:txBody>
-          <a:bodyPr rtlCol="0" anchor="ctr"/>
-          <a:lstStyle/>
-          <a:p>
-            <a:pPr algn="ctr"/>
-            <a:endParaRPr lang="en-US"/>
-          </a:p>
-        </p:txBody>
-      </p:sp>
-      <p:sp>
-        <p:nvSpPr>
-          <p:cNvPr id="23" name="Rectangle 22">
-            <a:extLst>
-              <a:ext uri="{FF2B5EF4-FFF2-40B4-BE49-F238E27FC236}">
-                <a16:creationId xmlns:a16="http://schemas.microsoft.com/office/drawing/2014/main" id="{26AE912C-A1D2-4A3D-8922-E4B26FABC2A0}"/>
-              </a:ext>
-            </a:extLst>
-          </p:cNvPr>
-          <p:cNvSpPr/>
-          <p:nvPr/>
-        </p:nvSpPr>
-        <p:spPr>
-          <a:xfrm>
-            <a:off x="5161085" y="3824653"/>
-            <a:ext cx="2883877" cy="407373"/>
-          </a:xfrm>
-          <a:prstGeom prst="rect">
-            <a:avLst/>
-          </a:prstGeom>
-          <a:noFill/>
-          <a:ln w="28575">
-            <a:solidFill>
-              <a:srgbClr val="FF0000"/>
-            </a:solidFill>
-          </a:ln>
-        </p:spPr>
-        <p:style>
-          <a:lnRef idx="2">
-            <a:schemeClr val="accent1"/>
-          </a:lnRef>
-          <a:fillRef idx="1">
-            <a:schemeClr val="lt1"/>
-          </a:fillRef>
-          <a:effectRef idx="0">
-            <a:schemeClr val="accent1"/>
-          </a:effectRef>
-          <a:fontRef idx="minor">
-            <a:schemeClr val="dk1"/>
-          </a:fontRef>
-        </p:style>
-        <p:txBody>
-          <a:bodyPr rtlCol="0" anchor="ctr"/>
-          <a:lstStyle/>
-          <a:p>
-            <a:pPr algn="ctr"/>
-            <a:endParaRPr lang="en-US"/>
-          </a:p>
-        </p:txBody>
-      </p:sp>
-      <p:sp>
-        <p:nvSpPr>
-          <p:cNvPr id="26" name="TextBox 25">
-            <a:extLst>
-              <a:ext uri="{FF2B5EF4-FFF2-40B4-BE49-F238E27FC236}">
-                <a16:creationId xmlns:a16="http://schemas.microsoft.com/office/drawing/2014/main" id="{5509C528-FA1C-40AD-B464-13CB9CD5571C}"/>
-              </a:ext>
-            </a:extLst>
-          </p:cNvPr>
-          <p:cNvSpPr txBox="1"/>
-          <p:nvPr/>
-        </p:nvSpPr>
-        <p:spPr>
-          <a:xfrm>
-            <a:off x="8669216" y="4232026"/>
-            <a:ext cx="3094892" cy="369332"/>
-          </a:xfrm>
-          <a:prstGeom prst="rect">
-            <a:avLst/>
-          </a:prstGeom>
-          <a:noFill/>
-        </p:spPr>
-        <p:txBody>
-          <a:bodyPr wrap="square" rtlCol="0">
-            <a:spAutoFit/>
-          </a:bodyPr>
-          <a:lstStyle/>
-          <a:p>
-            <a:r>
-              <a:rPr lang="en-US" dirty="0"/>
-              <a:t>Use SSH</a:t>
-            </a:r>
-            <a:endParaRPr lang="en-US" b="1" dirty="0"/>
-          </a:p>
-        </p:txBody>
-      </p:sp>
-      <p:cxnSp>
-        <p:nvCxnSpPr>
-          <p:cNvPr id="27" name="Straight Arrow Connector 26">
-            <a:extLst>
-              <a:ext uri="{FF2B5EF4-FFF2-40B4-BE49-F238E27FC236}">
-                <a16:creationId xmlns:a16="http://schemas.microsoft.com/office/drawing/2014/main" id="{F1060FE4-6E53-47C9-95C7-BD2BB4D19DA1}"/>
-              </a:ext>
-            </a:extLst>
-          </p:cNvPr>
-          <p:cNvCxnSpPr>
-            <a:cxnSpLocks/>
-            <a:stCxn id="23" idx="3"/>
-            <a:endCxn id="26" idx="1"/>
-          </p:cNvCxnSpPr>
-          <p:nvPr/>
-        </p:nvCxnSpPr>
-        <p:spPr>
-          <a:xfrm>
-            <a:off x="8044962" y="4028340"/>
-            <a:ext cx="624254" cy="388352"/>
-          </a:xfrm>
-          <a:prstGeom prst="straightConnector1">
-            <a:avLst/>
-          </a:prstGeom>
-          <a:ln w="38100">
-            <a:tailEnd type="triangle"/>
-          </a:ln>
-        </p:spPr>
-        <p:style>
-          <a:lnRef idx="1">
-            <a:schemeClr val="dk1"/>
-          </a:lnRef>
-          <a:fillRef idx="0">
-            <a:schemeClr val="dk1"/>
-          </a:fillRef>
-          <a:effectRef idx="0">
-            <a:schemeClr val="dk1"/>
-          </a:effectRef>
-          <a:fontRef idx="minor">
-            <a:schemeClr val="tx1"/>
-          </a:fontRef>
-        </p:style>
-      </p:cxnSp>
-    </p:spTree>
-    <p:extLst>
-      <p:ext uri="{BB962C8B-B14F-4D97-AF65-F5344CB8AC3E}">
-        <p14:creationId xmlns:p14="http://schemas.microsoft.com/office/powerpoint/2010/main" val="2167432475"/>
       </p:ext>
     </p:extLst>
   </p:cSld>
